--- a/slide/Electron_in-house_presentation.pptx
+++ b/slide/Electron_in-house_presentation.pptx
@@ -14942,7 +14942,7 @@
         <p:spPr/>
         <p:txBody>
           <a:bodyPr>
-            <a:normAutofit fontScale="92500" lnSpcReduction="20000"/>
+            <a:normAutofit fontScale="85000" lnSpcReduction="20000"/>
           </a:bodyPr>
           <a:lstStyle/>
           <a:p>
@@ -15068,6 +15068,25 @@
             <a:r>
               <a:rPr lang="ja-JP" altLang="en-US" dirty="0"/>
               <a:t>インストーラーや更新通知の仕組みもある</a:t>
+            </a:r>
+            <a:endParaRPr lang="en-US" altLang="ja-JP" dirty="0"/>
+          </a:p>
+          <a:p>
+            <a:r>
+              <a:rPr lang="en-US" altLang="ja-JP" dirty="0"/>
+              <a:t>Windows </a:t>
+            </a:r>
+            <a:r>
+              <a:rPr lang="ja-JP" altLang="en-US" dirty="0"/>
+              <a:t>の通知領域や </a:t>
+            </a:r>
+            <a:r>
+              <a:rPr lang="en-US" altLang="ja-JP" dirty="0"/>
+              <a:t>macOS </a:t>
+            </a:r>
+            <a:r>
+              <a:rPr lang="ja-JP" altLang="en-US" dirty="0"/>
+              <a:t>のメニューバーにアイコンも置ける</a:t>
             </a:r>
             <a:endParaRPr lang="en-US" altLang="ja-JP" dirty="0"/>
           </a:p>
@@ -16020,7 +16039,7 @@
       <p:bldP spid="7" grpId="0" animBg="1"/>
       <p:bldP spid="8" grpId="0"/>
       <p:bldP spid="9" grpId="0"/>
-      <p:bldP spid="12" grpId="0"/>
+      <p:bldP spid="12" grpId="0" animBg="1"/>
     </p:bldLst>
   </p:timing>
 </p:sld>
@@ -17695,139 +17714,12 @@
 </file>
 
 <file path=customXml/item1.xml><?xml version="1.0" encoding="utf-8"?>
-<p:properties xmlns:p="http://schemas.microsoft.com/office/2006/metadata/properties" xmlns:xsi="http://www.w3.org/2001/XMLSchema-instance" xmlns:pc="http://schemas.microsoft.com/office/infopath/2007/PartnerControls">
-  <documentManagement>
-    <LocPublishedLinkedAssetsLookup xmlns="4873beb7-5857-4685-be1f-d57550cc96cc" xsi:nil="true"/>
-    <ApprovalStatus xmlns="4873beb7-5857-4685-be1f-d57550cc96cc">InProgress</ApprovalStatus>
-    <MarketSpecific xmlns="4873beb7-5857-4685-be1f-d57550cc96cc">false</MarketSpecific>
-    <LocComments xmlns="4873beb7-5857-4685-be1f-d57550cc96cc" xsi:nil="true"/>
-    <LocLastLocAttemptVersionTypeLookup xmlns="4873beb7-5857-4685-be1f-d57550cc96cc" xsi:nil="true"/>
-    <DirectSourceMarket xmlns="4873beb7-5857-4685-be1f-d57550cc96cc" xsi:nil="true"/>
-    <ThumbnailAssetId xmlns="4873beb7-5857-4685-be1f-d57550cc96cc" xsi:nil="true"/>
-    <PrimaryImageGen xmlns="4873beb7-5857-4685-be1f-d57550cc96cc">false</PrimaryImageGen>
-    <LocNewPublishedVersionLookup xmlns="4873beb7-5857-4685-be1f-d57550cc96cc" xsi:nil="true"/>
-    <LegacyData xmlns="4873beb7-5857-4685-be1f-d57550cc96cc" xsi:nil="true"/>
-    <LocRecommendedHandoff xmlns="4873beb7-5857-4685-be1f-d57550cc96cc" xsi:nil="true"/>
-    <BusinessGroup xmlns="4873beb7-5857-4685-be1f-d57550cc96cc" xsi:nil="true"/>
-    <BlockPublish xmlns="4873beb7-5857-4685-be1f-d57550cc96cc">false</BlockPublish>
-    <TPFriendlyName xmlns="4873beb7-5857-4685-be1f-d57550cc96cc" xsi:nil="true"/>
-    <LocOverallPublishStatusLookup xmlns="4873beb7-5857-4685-be1f-d57550cc96cc" xsi:nil="true"/>
-    <NumericId xmlns="4873beb7-5857-4685-be1f-d57550cc96cc" xsi:nil="true"/>
-    <APEditor xmlns="4873beb7-5857-4685-be1f-d57550cc96cc">
-      <UserInfo>
-        <DisplayName/>
-        <AccountId xsi:nil="true"/>
-        <AccountType/>
-      </UserInfo>
-    </APEditor>
-    <SourceTitle xmlns="4873beb7-5857-4685-be1f-d57550cc96cc" xsi:nil="true"/>
-    <OpenTemplate xmlns="4873beb7-5857-4685-be1f-d57550cc96cc">true</OpenTemplate>
-    <LocOverallLocStatusLookup xmlns="4873beb7-5857-4685-be1f-d57550cc96cc" xsi:nil="true"/>
-    <UALocComments xmlns="4873beb7-5857-4685-be1f-d57550cc96cc" xsi:nil="true"/>
-    <ParentAssetId xmlns="4873beb7-5857-4685-be1f-d57550cc96cc" xsi:nil="true"/>
-    <IntlLangReviewDate xmlns="4873beb7-5857-4685-be1f-d57550cc96cc" xsi:nil="true"/>
-    <FeatureTagsTaxHTField0 xmlns="4873beb7-5857-4685-be1f-d57550cc96cc">
-      <Terms xmlns="http://schemas.microsoft.com/office/infopath/2007/PartnerControls"/>
-    </FeatureTagsTaxHTField0>
-    <PublishStatusLookup xmlns="4873beb7-5857-4685-be1f-d57550cc96cc">
-      <Value>1345093</Value>
-    </PublishStatusLookup>
-    <Providers xmlns="4873beb7-5857-4685-be1f-d57550cc96cc" xsi:nil="true"/>
-    <MachineTranslated xmlns="4873beb7-5857-4685-be1f-d57550cc96cc">false</MachineTranslated>
-    <OriginalSourceMarket xmlns="4873beb7-5857-4685-be1f-d57550cc96cc" xsi:nil="true"/>
-    <APDescription xmlns="4873beb7-5857-4685-be1f-d57550cc96cc">This simple template design works for technology and  businesses, but it's versatile enough to use in other contexts.  It features multiple slide layouts designed for widescreen (16x9 resolution) and includes a sample SmartArt list and chart that are easily editable.</APDescription>
-    <ClipArtFilename xmlns="4873beb7-5857-4685-be1f-d57550cc96cc" xsi:nil="true"/>
-    <ContentItem xmlns="4873beb7-5857-4685-be1f-d57550cc96cc" xsi:nil="true"/>
-    <TPInstallLocation xmlns="4873beb7-5857-4685-be1f-d57550cc96cc" xsi:nil="true"/>
-    <PublishTargets xmlns="4873beb7-5857-4685-be1f-d57550cc96cc">OfficeOnlineVNext</PublishTargets>
-    <TimesCloned xmlns="4873beb7-5857-4685-be1f-d57550cc96cc" xsi:nil="true"/>
-    <AssetStart xmlns="4873beb7-5857-4685-be1f-d57550cc96cc">2011-11-26T00:30:00+00:00</AssetStart>
-    <Provider xmlns="4873beb7-5857-4685-be1f-d57550cc96cc" xsi:nil="true"/>
-    <AcquiredFrom xmlns="4873beb7-5857-4685-be1f-d57550cc96cc">Internal MS</AcquiredFrom>
-    <FriendlyTitle xmlns="4873beb7-5857-4685-be1f-d57550cc96cc" xsi:nil="true"/>
-    <LastHandOff xmlns="4873beb7-5857-4685-be1f-d57550cc96cc" xsi:nil="true"/>
-    <TPClientViewer xmlns="4873beb7-5857-4685-be1f-d57550cc96cc" xsi:nil="true"/>
-    <TemplateStatus xmlns="4873beb7-5857-4685-be1f-d57550cc96cc">Complete</TemplateStatus>
-    <Downloads xmlns="4873beb7-5857-4685-be1f-d57550cc96cc">0</Downloads>
-    <OOCacheId xmlns="4873beb7-5857-4685-be1f-d57550cc96cc" xsi:nil="true"/>
-    <IsDeleted xmlns="4873beb7-5857-4685-be1f-d57550cc96cc">false</IsDeleted>
-    <LocPublishedDependentAssetsLookup xmlns="4873beb7-5857-4685-be1f-d57550cc96cc" xsi:nil="true"/>
-    <TPExecutable xmlns="4873beb7-5857-4685-be1f-d57550cc96cc" xsi:nil="true"/>
-    <EditorialTags xmlns="4873beb7-5857-4685-be1f-d57550cc96cc" xsi:nil="true"/>
-    <SubmitterId xmlns="4873beb7-5857-4685-be1f-d57550cc96cc" xsi:nil="true"/>
-    <ApprovalLog xmlns="4873beb7-5857-4685-be1f-d57550cc96cc" xsi:nil="true"/>
-    <AssetType xmlns="4873beb7-5857-4685-be1f-d57550cc96cc">TP</AssetType>
-    <BugNumber xmlns="4873beb7-5857-4685-be1f-d57550cc96cc" xsi:nil="true"/>
-    <CSXSubmissionDate xmlns="4873beb7-5857-4685-be1f-d57550cc96cc" xsi:nil="true"/>
-    <CSXUpdate xmlns="4873beb7-5857-4685-be1f-d57550cc96cc">false</CSXUpdate>
-    <Milestone xmlns="4873beb7-5857-4685-be1f-d57550cc96cc" xsi:nil="true"/>
-    <RecommendationsModifier xmlns="4873beb7-5857-4685-be1f-d57550cc96cc" xsi:nil="true"/>
-    <OriginAsset xmlns="4873beb7-5857-4685-be1f-d57550cc96cc" xsi:nil="true"/>
-    <TPComponent xmlns="4873beb7-5857-4685-be1f-d57550cc96cc" xsi:nil="true"/>
-    <AssetId xmlns="4873beb7-5857-4685-be1f-d57550cc96cc">TP102787989</AssetId>
-    <IntlLocPriority xmlns="4873beb7-5857-4685-be1f-d57550cc96cc" xsi:nil="true"/>
-    <PolicheckWords xmlns="4873beb7-5857-4685-be1f-d57550cc96cc" xsi:nil="true"/>
-    <TPLaunchHelpLink xmlns="4873beb7-5857-4685-be1f-d57550cc96cc" xsi:nil="true"/>
-    <TPApplication xmlns="4873beb7-5857-4685-be1f-d57550cc96cc" xsi:nil="true"/>
-    <CrawlForDependencies xmlns="4873beb7-5857-4685-be1f-d57550cc96cc">false</CrawlForDependencies>
-    <HandoffToMSDN xmlns="4873beb7-5857-4685-be1f-d57550cc96cc" xsi:nil="true"/>
-    <PlannedPubDate xmlns="4873beb7-5857-4685-be1f-d57550cc96cc" xsi:nil="true"/>
-    <IntlLangReviewer xmlns="4873beb7-5857-4685-be1f-d57550cc96cc" xsi:nil="true"/>
-    <TrustLevel xmlns="4873beb7-5857-4685-be1f-d57550cc96cc">1 Microsoft Managed Content</TrustLevel>
-    <LocLastLocAttemptVersionLookup xmlns="4873beb7-5857-4685-be1f-d57550cc96cc">694266</LocLastLocAttemptVersionLookup>
-    <LocProcessedForHandoffsLookup xmlns="4873beb7-5857-4685-be1f-d57550cc96cc" xsi:nil="true"/>
-    <IsSearchable xmlns="4873beb7-5857-4685-be1f-d57550cc96cc">true</IsSearchable>
-    <TemplateTemplateType xmlns="4873beb7-5857-4685-be1f-d57550cc96cc">PowerPoint Presentation Template</TemplateTemplateType>
-    <CampaignTagsTaxHTField0 xmlns="4873beb7-5857-4685-be1f-d57550cc96cc">
-      <Terms xmlns="http://schemas.microsoft.com/office/infopath/2007/PartnerControls"/>
-    </CampaignTagsTaxHTField0>
-    <TPNamespace xmlns="4873beb7-5857-4685-be1f-d57550cc96cc" xsi:nil="true"/>
-    <LocOverallPreviewStatusLookup xmlns="4873beb7-5857-4685-be1f-d57550cc96cc" xsi:nil="true"/>
-    <TaxCatchAll xmlns="4873beb7-5857-4685-be1f-d57550cc96cc"/>
-    <Markets xmlns="4873beb7-5857-4685-be1f-d57550cc96cc"/>
-    <UAProjectedTotalWords xmlns="4873beb7-5857-4685-be1f-d57550cc96cc" xsi:nil="true"/>
-    <IntlLangReview xmlns="4873beb7-5857-4685-be1f-d57550cc96cc" xsi:nil="true"/>
-    <OutputCachingOn xmlns="4873beb7-5857-4685-be1f-d57550cc96cc">false</OutputCachingOn>
-    <AverageRating xmlns="4873beb7-5857-4685-be1f-d57550cc96cc" xsi:nil="true"/>
-    <APAuthor xmlns="4873beb7-5857-4685-be1f-d57550cc96cc">
-      <UserInfo>
-        <DisplayName>REDMOND\kristaa</DisplayName>
-        <AccountId>136</AccountId>
-        <AccountType/>
-      </UserInfo>
-    </APAuthor>
-    <LocManualTestRequired xmlns="4873beb7-5857-4685-be1f-d57550cc96cc">false</LocManualTestRequired>
-    <TPCommandLine xmlns="4873beb7-5857-4685-be1f-d57550cc96cc" xsi:nil="true"/>
-    <TPAppVersion xmlns="4873beb7-5857-4685-be1f-d57550cc96cc" xsi:nil="true"/>
-    <EditorialStatus xmlns="4873beb7-5857-4685-be1f-d57550cc96cc">Complete</EditorialStatus>
-    <LastModifiedDateTime xmlns="4873beb7-5857-4685-be1f-d57550cc96cc" xsi:nil="true"/>
-    <ScenarioTagsTaxHTField0 xmlns="4873beb7-5857-4685-be1f-d57550cc96cc">
-      <Terms xmlns="http://schemas.microsoft.com/office/infopath/2007/PartnerControls"/>
-    </ScenarioTagsTaxHTField0>
-    <LocProcessedForMarketsLookup xmlns="4873beb7-5857-4685-be1f-d57550cc96cc" xsi:nil="true"/>
-    <TPLaunchHelpLinkType xmlns="4873beb7-5857-4685-be1f-d57550cc96cc">Template</TPLaunchHelpLinkType>
-    <OriginalRelease xmlns="4873beb7-5857-4685-be1f-d57550cc96cc">15</OriginalRelease>
-    <LocalizationTagsTaxHTField0 xmlns="4873beb7-5857-4685-be1f-d57550cc96cc">
-      <Terms xmlns="http://schemas.microsoft.com/office/infopath/2007/PartnerControls"/>
-    </LocalizationTagsTaxHTField0>
-    <UACurrentWords xmlns="4873beb7-5857-4685-be1f-d57550cc96cc" xsi:nil="true"/>
-    <ArtSampleDocs xmlns="4873beb7-5857-4685-be1f-d57550cc96cc" xsi:nil="true"/>
-    <UALocRecommendation xmlns="4873beb7-5857-4685-be1f-d57550cc96cc">Localize</UALocRecommendation>
-    <Manager xmlns="4873beb7-5857-4685-be1f-d57550cc96cc" xsi:nil="true"/>
-    <LocOverallHandbackStatusLookup xmlns="4873beb7-5857-4685-be1f-d57550cc96cc" xsi:nil="true"/>
-    <ShowIn xmlns="4873beb7-5857-4685-be1f-d57550cc96cc">Show everywhere</ShowIn>
-    <UANotes xmlns="4873beb7-5857-4685-be1f-d57550cc96cc" xsi:nil="true"/>
-    <InternalTagsTaxHTField0 xmlns="4873beb7-5857-4685-be1f-d57550cc96cc">
-      <Terms xmlns="http://schemas.microsoft.com/office/infopath/2007/PartnerControls"/>
-    </InternalTagsTaxHTField0>
-    <CSXHash xmlns="4873beb7-5857-4685-be1f-d57550cc96cc" xsi:nil="true"/>
-    <VoteCount xmlns="4873beb7-5857-4685-be1f-d57550cc96cc" xsi:nil="true"/>
-    <AssetExpire xmlns="4873beb7-5857-4685-be1f-d57550cc96cc">2029-05-12T07:00:00+00:00</AssetExpire>
-    <DSATActionTaken xmlns="4873beb7-5857-4685-be1f-d57550cc96cc" xsi:nil="true"/>
-    <CSXSubmissionMarket xmlns="4873beb7-5857-4685-be1f-d57550cc96cc" xsi:nil="true"/>
-    <LocMarketGroupTiers2 xmlns="4873beb7-5857-4685-be1f-d57550cc96cc" xsi:nil="true"/>
-  </documentManagement>
-</p:properties>
+<?mso-contentType ?>
+<FormTemplates xmlns="http://schemas.microsoft.com/sharepoint/v3/contenttype/forms">
+  <Display>DocumentLibraryForm</Display>
+  <Edit>AssetEditForm</Edit>
+  <New>DocumentLibraryForm</New>
+</FormTemplates>
 </file>
 
 <file path=customXml/item2.xml><?xml version="1.0" encoding="utf-8"?>
@@ -18871,22 +18763,145 @@
 </file>
 
 <file path=customXml/item3.xml><?xml version="1.0" encoding="utf-8"?>
-<?mso-contentType ?>
-<FormTemplates xmlns="http://schemas.microsoft.com/sharepoint/v3/contenttype/forms">
-  <Display>DocumentLibraryForm</Display>
-  <Edit>AssetEditForm</Edit>
-  <New>DocumentLibraryForm</New>
-</FormTemplates>
+<p:properties xmlns:p="http://schemas.microsoft.com/office/2006/metadata/properties" xmlns:xsi="http://www.w3.org/2001/XMLSchema-instance" xmlns:pc="http://schemas.microsoft.com/office/infopath/2007/PartnerControls">
+  <documentManagement>
+    <LocPublishedLinkedAssetsLookup xmlns="4873beb7-5857-4685-be1f-d57550cc96cc" xsi:nil="true"/>
+    <ApprovalStatus xmlns="4873beb7-5857-4685-be1f-d57550cc96cc">InProgress</ApprovalStatus>
+    <MarketSpecific xmlns="4873beb7-5857-4685-be1f-d57550cc96cc">false</MarketSpecific>
+    <LocComments xmlns="4873beb7-5857-4685-be1f-d57550cc96cc" xsi:nil="true"/>
+    <LocLastLocAttemptVersionTypeLookup xmlns="4873beb7-5857-4685-be1f-d57550cc96cc" xsi:nil="true"/>
+    <DirectSourceMarket xmlns="4873beb7-5857-4685-be1f-d57550cc96cc" xsi:nil="true"/>
+    <ThumbnailAssetId xmlns="4873beb7-5857-4685-be1f-d57550cc96cc" xsi:nil="true"/>
+    <PrimaryImageGen xmlns="4873beb7-5857-4685-be1f-d57550cc96cc">false</PrimaryImageGen>
+    <LocNewPublishedVersionLookup xmlns="4873beb7-5857-4685-be1f-d57550cc96cc" xsi:nil="true"/>
+    <LegacyData xmlns="4873beb7-5857-4685-be1f-d57550cc96cc" xsi:nil="true"/>
+    <LocRecommendedHandoff xmlns="4873beb7-5857-4685-be1f-d57550cc96cc" xsi:nil="true"/>
+    <BusinessGroup xmlns="4873beb7-5857-4685-be1f-d57550cc96cc" xsi:nil="true"/>
+    <BlockPublish xmlns="4873beb7-5857-4685-be1f-d57550cc96cc">false</BlockPublish>
+    <TPFriendlyName xmlns="4873beb7-5857-4685-be1f-d57550cc96cc" xsi:nil="true"/>
+    <LocOverallPublishStatusLookup xmlns="4873beb7-5857-4685-be1f-d57550cc96cc" xsi:nil="true"/>
+    <NumericId xmlns="4873beb7-5857-4685-be1f-d57550cc96cc" xsi:nil="true"/>
+    <APEditor xmlns="4873beb7-5857-4685-be1f-d57550cc96cc">
+      <UserInfo>
+        <DisplayName/>
+        <AccountId xsi:nil="true"/>
+        <AccountType/>
+      </UserInfo>
+    </APEditor>
+    <SourceTitle xmlns="4873beb7-5857-4685-be1f-d57550cc96cc" xsi:nil="true"/>
+    <OpenTemplate xmlns="4873beb7-5857-4685-be1f-d57550cc96cc">true</OpenTemplate>
+    <LocOverallLocStatusLookup xmlns="4873beb7-5857-4685-be1f-d57550cc96cc" xsi:nil="true"/>
+    <UALocComments xmlns="4873beb7-5857-4685-be1f-d57550cc96cc" xsi:nil="true"/>
+    <ParentAssetId xmlns="4873beb7-5857-4685-be1f-d57550cc96cc" xsi:nil="true"/>
+    <IntlLangReviewDate xmlns="4873beb7-5857-4685-be1f-d57550cc96cc" xsi:nil="true"/>
+    <FeatureTagsTaxHTField0 xmlns="4873beb7-5857-4685-be1f-d57550cc96cc">
+      <Terms xmlns="http://schemas.microsoft.com/office/infopath/2007/PartnerControls"/>
+    </FeatureTagsTaxHTField0>
+    <PublishStatusLookup xmlns="4873beb7-5857-4685-be1f-d57550cc96cc">
+      <Value>1345093</Value>
+    </PublishStatusLookup>
+    <Providers xmlns="4873beb7-5857-4685-be1f-d57550cc96cc" xsi:nil="true"/>
+    <MachineTranslated xmlns="4873beb7-5857-4685-be1f-d57550cc96cc">false</MachineTranslated>
+    <OriginalSourceMarket xmlns="4873beb7-5857-4685-be1f-d57550cc96cc" xsi:nil="true"/>
+    <APDescription xmlns="4873beb7-5857-4685-be1f-d57550cc96cc">This simple template design works for technology and  businesses, but it's versatile enough to use in other contexts.  It features multiple slide layouts designed for widescreen (16x9 resolution) and includes a sample SmartArt list and chart that are easily editable.</APDescription>
+    <ClipArtFilename xmlns="4873beb7-5857-4685-be1f-d57550cc96cc" xsi:nil="true"/>
+    <ContentItem xmlns="4873beb7-5857-4685-be1f-d57550cc96cc" xsi:nil="true"/>
+    <TPInstallLocation xmlns="4873beb7-5857-4685-be1f-d57550cc96cc" xsi:nil="true"/>
+    <PublishTargets xmlns="4873beb7-5857-4685-be1f-d57550cc96cc">OfficeOnlineVNext</PublishTargets>
+    <TimesCloned xmlns="4873beb7-5857-4685-be1f-d57550cc96cc" xsi:nil="true"/>
+    <AssetStart xmlns="4873beb7-5857-4685-be1f-d57550cc96cc">2011-11-26T00:30:00+00:00</AssetStart>
+    <Provider xmlns="4873beb7-5857-4685-be1f-d57550cc96cc" xsi:nil="true"/>
+    <AcquiredFrom xmlns="4873beb7-5857-4685-be1f-d57550cc96cc">Internal MS</AcquiredFrom>
+    <FriendlyTitle xmlns="4873beb7-5857-4685-be1f-d57550cc96cc" xsi:nil="true"/>
+    <LastHandOff xmlns="4873beb7-5857-4685-be1f-d57550cc96cc" xsi:nil="true"/>
+    <TPClientViewer xmlns="4873beb7-5857-4685-be1f-d57550cc96cc" xsi:nil="true"/>
+    <TemplateStatus xmlns="4873beb7-5857-4685-be1f-d57550cc96cc">Complete</TemplateStatus>
+    <Downloads xmlns="4873beb7-5857-4685-be1f-d57550cc96cc">0</Downloads>
+    <OOCacheId xmlns="4873beb7-5857-4685-be1f-d57550cc96cc" xsi:nil="true"/>
+    <IsDeleted xmlns="4873beb7-5857-4685-be1f-d57550cc96cc">false</IsDeleted>
+    <LocPublishedDependentAssetsLookup xmlns="4873beb7-5857-4685-be1f-d57550cc96cc" xsi:nil="true"/>
+    <TPExecutable xmlns="4873beb7-5857-4685-be1f-d57550cc96cc" xsi:nil="true"/>
+    <EditorialTags xmlns="4873beb7-5857-4685-be1f-d57550cc96cc" xsi:nil="true"/>
+    <SubmitterId xmlns="4873beb7-5857-4685-be1f-d57550cc96cc" xsi:nil="true"/>
+    <ApprovalLog xmlns="4873beb7-5857-4685-be1f-d57550cc96cc" xsi:nil="true"/>
+    <AssetType xmlns="4873beb7-5857-4685-be1f-d57550cc96cc">TP</AssetType>
+    <BugNumber xmlns="4873beb7-5857-4685-be1f-d57550cc96cc" xsi:nil="true"/>
+    <CSXSubmissionDate xmlns="4873beb7-5857-4685-be1f-d57550cc96cc" xsi:nil="true"/>
+    <CSXUpdate xmlns="4873beb7-5857-4685-be1f-d57550cc96cc">false</CSXUpdate>
+    <Milestone xmlns="4873beb7-5857-4685-be1f-d57550cc96cc" xsi:nil="true"/>
+    <RecommendationsModifier xmlns="4873beb7-5857-4685-be1f-d57550cc96cc" xsi:nil="true"/>
+    <OriginAsset xmlns="4873beb7-5857-4685-be1f-d57550cc96cc" xsi:nil="true"/>
+    <TPComponent xmlns="4873beb7-5857-4685-be1f-d57550cc96cc" xsi:nil="true"/>
+    <AssetId xmlns="4873beb7-5857-4685-be1f-d57550cc96cc">TP102787989</AssetId>
+    <IntlLocPriority xmlns="4873beb7-5857-4685-be1f-d57550cc96cc" xsi:nil="true"/>
+    <PolicheckWords xmlns="4873beb7-5857-4685-be1f-d57550cc96cc" xsi:nil="true"/>
+    <TPLaunchHelpLink xmlns="4873beb7-5857-4685-be1f-d57550cc96cc" xsi:nil="true"/>
+    <TPApplication xmlns="4873beb7-5857-4685-be1f-d57550cc96cc" xsi:nil="true"/>
+    <CrawlForDependencies xmlns="4873beb7-5857-4685-be1f-d57550cc96cc">false</CrawlForDependencies>
+    <HandoffToMSDN xmlns="4873beb7-5857-4685-be1f-d57550cc96cc" xsi:nil="true"/>
+    <PlannedPubDate xmlns="4873beb7-5857-4685-be1f-d57550cc96cc" xsi:nil="true"/>
+    <IntlLangReviewer xmlns="4873beb7-5857-4685-be1f-d57550cc96cc" xsi:nil="true"/>
+    <TrustLevel xmlns="4873beb7-5857-4685-be1f-d57550cc96cc">1 Microsoft Managed Content</TrustLevel>
+    <LocLastLocAttemptVersionLookup xmlns="4873beb7-5857-4685-be1f-d57550cc96cc">694266</LocLastLocAttemptVersionLookup>
+    <LocProcessedForHandoffsLookup xmlns="4873beb7-5857-4685-be1f-d57550cc96cc" xsi:nil="true"/>
+    <IsSearchable xmlns="4873beb7-5857-4685-be1f-d57550cc96cc">true</IsSearchable>
+    <TemplateTemplateType xmlns="4873beb7-5857-4685-be1f-d57550cc96cc">PowerPoint Presentation Template</TemplateTemplateType>
+    <CampaignTagsTaxHTField0 xmlns="4873beb7-5857-4685-be1f-d57550cc96cc">
+      <Terms xmlns="http://schemas.microsoft.com/office/infopath/2007/PartnerControls"/>
+    </CampaignTagsTaxHTField0>
+    <TPNamespace xmlns="4873beb7-5857-4685-be1f-d57550cc96cc" xsi:nil="true"/>
+    <LocOverallPreviewStatusLookup xmlns="4873beb7-5857-4685-be1f-d57550cc96cc" xsi:nil="true"/>
+    <TaxCatchAll xmlns="4873beb7-5857-4685-be1f-d57550cc96cc"/>
+    <Markets xmlns="4873beb7-5857-4685-be1f-d57550cc96cc"/>
+    <UAProjectedTotalWords xmlns="4873beb7-5857-4685-be1f-d57550cc96cc" xsi:nil="true"/>
+    <IntlLangReview xmlns="4873beb7-5857-4685-be1f-d57550cc96cc" xsi:nil="true"/>
+    <OutputCachingOn xmlns="4873beb7-5857-4685-be1f-d57550cc96cc">false</OutputCachingOn>
+    <AverageRating xmlns="4873beb7-5857-4685-be1f-d57550cc96cc" xsi:nil="true"/>
+    <APAuthor xmlns="4873beb7-5857-4685-be1f-d57550cc96cc">
+      <UserInfo>
+        <DisplayName>REDMOND\kristaa</DisplayName>
+        <AccountId>136</AccountId>
+        <AccountType/>
+      </UserInfo>
+    </APAuthor>
+    <LocManualTestRequired xmlns="4873beb7-5857-4685-be1f-d57550cc96cc">false</LocManualTestRequired>
+    <TPCommandLine xmlns="4873beb7-5857-4685-be1f-d57550cc96cc" xsi:nil="true"/>
+    <TPAppVersion xmlns="4873beb7-5857-4685-be1f-d57550cc96cc" xsi:nil="true"/>
+    <EditorialStatus xmlns="4873beb7-5857-4685-be1f-d57550cc96cc">Complete</EditorialStatus>
+    <LastModifiedDateTime xmlns="4873beb7-5857-4685-be1f-d57550cc96cc" xsi:nil="true"/>
+    <ScenarioTagsTaxHTField0 xmlns="4873beb7-5857-4685-be1f-d57550cc96cc">
+      <Terms xmlns="http://schemas.microsoft.com/office/infopath/2007/PartnerControls"/>
+    </ScenarioTagsTaxHTField0>
+    <LocProcessedForMarketsLookup xmlns="4873beb7-5857-4685-be1f-d57550cc96cc" xsi:nil="true"/>
+    <TPLaunchHelpLinkType xmlns="4873beb7-5857-4685-be1f-d57550cc96cc">Template</TPLaunchHelpLinkType>
+    <OriginalRelease xmlns="4873beb7-5857-4685-be1f-d57550cc96cc">15</OriginalRelease>
+    <LocalizationTagsTaxHTField0 xmlns="4873beb7-5857-4685-be1f-d57550cc96cc">
+      <Terms xmlns="http://schemas.microsoft.com/office/infopath/2007/PartnerControls"/>
+    </LocalizationTagsTaxHTField0>
+    <UACurrentWords xmlns="4873beb7-5857-4685-be1f-d57550cc96cc" xsi:nil="true"/>
+    <ArtSampleDocs xmlns="4873beb7-5857-4685-be1f-d57550cc96cc" xsi:nil="true"/>
+    <UALocRecommendation xmlns="4873beb7-5857-4685-be1f-d57550cc96cc">Localize</UALocRecommendation>
+    <Manager xmlns="4873beb7-5857-4685-be1f-d57550cc96cc" xsi:nil="true"/>
+    <LocOverallHandbackStatusLookup xmlns="4873beb7-5857-4685-be1f-d57550cc96cc" xsi:nil="true"/>
+    <ShowIn xmlns="4873beb7-5857-4685-be1f-d57550cc96cc">Show everywhere</ShowIn>
+    <UANotes xmlns="4873beb7-5857-4685-be1f-d57550cc96cc" xsi:nil="true"/>
+    <InternalTagsTaxHTField0 xmlns="4873beb7-5857-4685-be1f-d57550cc96cc">
+      <Terms xmlns="http://schemas.microsoft.com/office/infopath/2007/PartnerControls"/>
+    </InternalTagsTaxHTField0>
+    <CSXHash xmlns="4873beb7-5857-4685-be1f-d57550cc96cc" xsi:nil="true"/>
+    <VoteCount xmlns="4873beb7-5857-4685-be1f-d57550cc96cc" xsi:nil="true"/>
+    <AssetExpire xmlns="4873beb7-5857-4685-be1f-d57550cc96cc">2029-05-12T07:00:00+00:00</AssetExpire>
+    <DSATActionTaken xmlns="4873beb7-5857-4685-be1f-d57550cc96cc" xsi:nil="true"/>
+    <CSXSubmissionMarket xmlns="4873beb7-5857-4685-be1f-d57550cc96cc" xsi:nil="true"/>
+    <LocMarketGroupTiers2 xmlns="4873beb7-5857-4685-be1f-d57550cc96cc" xsi:nil="true"/>
+  </documentManagement>
+</p:properties>
 </file>
 
 <file path=customXml/itemProps1.xml><?xml version="1.0" encoding="utf-8"?>
-<ds:datastoreItem xmlns:ds="http://schemas.openxmlformats.org/officeDocument/2006/customXml" ds:itemID="{60C67BEE-D13F-4BD2-98A5-34D8A0977F68}">
+<ds:datastoreItem xmlns:ds="http://schemas.openxmlformats.org/officeDocument/2006/customXml" ds:itemID="{3836F65B-1B07-41EE-A0E8-BC6EF3855225}">
   <ds:schemaRefs>
-    <ds:schemaRef ds:uri="http://schemas.microsoft.com/office/2006/metadata/properties"/>
-    <ds:schemaRef ds:uri="http://www.w3.org/2000/xmlns/"/>
-    <ds:schemaRef ds:uri="4873beb7-5857-4685-be1f-d57550cc96cc"/>
-    <ds:schemaRef ds:uri="http://www.w3.org/2001/XMLSchema-instance"/>
-    <ds:schemaRef ds:uri="http://schemas.microsoft.com/office/infopath/2007/PartnerControls"/>
+    <ds:schemaRef ds:uri="http://schemas.microsoft.com/sharepoint/v3/contenttype/forms"/>
   </ds:schemaRefs>
 </ds:datastoreItem>
 </file>
@@ -18911,9 +18926,13 @@
 </file>
 
 <file path=customXml/itemProps3.xml><?xml version="1.0" encoding="utf-8"?>
-<ds:datastoreItem xmlns:ds="http://schemas.openxmlformats.org/officeDocument/2006/customXml" ds:itemID="{3836F65B-1B07-41EE-A0E8-BC6EF3855225}">
+<ds:datastoreItem xmlns:ds="http://schemas.openxmlformats.org/officeDocument/2006/customXml" ds:itemID="{60C67BEE-D13F-4BD2-98A5-34D8A0977F68}">
   <ds:schemaRefs>
-    <ds:schemaRef ds:uri="http://schemas.microsoft.com/sharepoint/v3/contenttype/forms"/>
+    <ds:schemaRef ds:uri="http://schemas.microsoft.com/office/2006/metadata/properties"/>
+    <ds:schemaRef ds:uri="http://www.w3.org/2000/xmlns/"/>
+    <ds:schemaRef ds:uri="4873beb7-5857-4685-be1f-d57550cc96cc"/>
+    <ds:schemaRef ds:uri="http://www.w3.org/2001/XMLSchema-instance"/>
+    <ds:schemaRef ds:uri="http://schemas.microsoft.com/office/infopath/2007/PartnerControls"/>
   </ds:schemaRefs>
 </ds:datastoreItem>
 </file>
--- a/slide/Electron_in-house_presentation.pptx
+++ b/slide/Electron_in-house_presentation.pptx
@@ -262,7 +262,7 @@
                 <a:latin typeface="ＭＳ Ｐゴシック" panose="020B0600070205080204" pitchFamily="50" charset="-128"/>
                 <a:ea typeface="ＭＳ Ｐゴシック" panose="020B0600070205080204" pitchFamily="50" charset="-128"/>
               </a:rPr>
-              <a:t>2019/2/26</a:t>
+              <a:t>2019/2/27</a:t>
             </a:fld>
             <a:endParaRPr lang="ja-JP" altLang="en-US" dirty="0">
               <a:latin typeface="ＭＳ Ｐゴシック" panose="020B0600070205080204" pitchFamily="50" charset="-128"/>
@@ -449,7 +449,7 @@
             <a:fld id="{37165343-859F-4143-8972-D138C517BA87}" type="datetime1">
               <a:rPr lang="ja-JP" altLang="en-US" smtClean="0"/>
               <a:pPr/>
-              <a:t>2019/2/26</a:t>
+              <a:t>2019/2/27</a:t>
             </a:fld>
             <a:endParaRPr lang="ja-JP" altLang="en-US" dirty="0"/>
           </a:p>
@@ -1809,7 +1809,7 @@
             <a:fld id="{8B8BDBCF-2245-4FCB-9DDE-432CD8FA8E0A}" type="datetime1">
               <a:rPr lang="ja-JP" altLang="en-US" smtClean="0"/>
               <a:pPr/>
-              <a:t>2019/2/26</a:t>
+              <a:t>2019/2/27</a:t>
             </a:fld>
             <a:endParaRPr lang="ja-JP" altLang="en-US" dirty="0"/>
           </a:p>
@@ -2051,7 +2051,7 @@
             <a:fld id="{0E2695C8-689F-41E2-801C-EC2626087B1A}" type="datetime1">
               <a:rPr lang="ja-JP" altLang="en-US" smtClean="0"/>
               <a:pPr/>
-              <a:t>2019/2/26</a:t>
+              <a:t>2019/2/27</a:t>
             </a:fld>
             <a:endParaRPr lang="ja-JP" altLang="en-US" dirty="0"/>
           </a:p>
@@ -2303,7 +2303,7 @@
             <a:fld id="{061217A4-CAA8-44F2-8FF7-C615B184E281}" type="datetime1">
               <a:rPr lang="ja-JP" altLang="en-US" smtClean="0"/>
               <a:pPr/>
-              <a:t>2019/2/26</a:t>
+              <a:t>2019/2/27</a:t>
             </a:fld>
             <a:endParaRPr lang="ja-JP" altLang="en-US" dirty="0"/>
           </a:p>
@@ -2576,7 +2576,7 @@
             <a:fld id="{CCBF1506-F1B8-4806-9D73-EF91A452CC85}" type="datetime1">
               <a:rPr lang="ja-JP" altLang="en-US" smtClean="0"/>
               <a:pPr/>
-              <a:t>2019/2/26</a:t>
+              <a:t>2019/2/27</a:t>
             </a:fld>
             <a:endParaRPr lang="ja-JP" altLang="en-US" dirty="0"/>
           </a:p>
@@ -3022,7 +3022,7 @@
             <a:fld id="{2428F437-7555-47DD-B668-A6054E2B6526}" type="datetime1">
               <a:rPr lang="ja-JP" altLang="en-US" smtClean="0"/>
               <a:pPr/>
-              <a:t>2019/2/26</a:t>
+              <a:t>2019/2/27</a:t>
             </a:fld>
             <a:endParaRPr lang="ja-JP" altLang="en-US" dirty="0"/>
           </a:p>
@@ -3436,7 +3436,7 @@
             <a:fld id="{BAFA1F1E-07BA-4BD1-9D0B-52CCAAB6E57E}" type="datetime1">
               <a:rPr lang="ja-JP" altLang="en-US" smtClean="0"/>
               <a:pPr/>
-              <a:t>2019/2/26</a:t>
+              <a:t>2019/2/27</a:t>
             </a:fld>
             <a:endParaRPr lang="ja-JP" altLang="en-US" dirty="0"/>
           </a:p>
@@ -3965,7 +3965,7 @@
             <a:fld id="{427E2E48-3F71-4060-AD47-6D35A162C236}" type="datetime1">
               <a:rPr lang="ja-JP" altLang="en-US" smtClean="0"/>
               <a:pPr/>
-              <a:t>2019/2/26</a:t>
+              <a:t>2019/2/27</a:t>
             </a:fld>
             <a:endParaRPr lang="ja-JP" altLang="en-US" dirty="0"/>
           </a:p>
@@ -4111,7 +4111,7 @@
             <a:fld id="{46800D23-6458-42C6-B818-E75CC448B4DB}" type="datetime1">
               <a:rPr lang="ja-JP" altLang="en-US" smtClean="0"/>
               <a:pPr/>
-              <a:t>2019/2/26</a:t>
+              <a:t>2019/2/27</a:t>
             </a:fld>
             <a:endParaRPr lang="ja-JP" altLang="en-US" dirty="0"/>
           </a:p>
@@ -4226,7 +4226,7 @@
             <a:fld id="{C89347AB-B18F-4EC7-9B2B-0B9F65F4923C}" type="datetime1">
               <a:rPr lang="ja-JP" altLang="en-US" smtClean="0"/>
               <a:pPr/>
-              <a:t>2019/2/26</a:t>
+              <a:t>2019/2/27</a:t>
             </a:fld>
             <a:endParaRPr lang="ja-JP" altLang="en-US" dirty="0"/>
           </a:p>
@@ -4566,7 +4566,7 @@
             <a:fld id="{F746CB98-8F1C-469F-A210-693DC87B2CEB}" type="datetime1">
               <a:rPr lang="ja-JP" altLang="en-US" smtClean="0"/>
               <a:pPr/>
-              <a:t>2019/2/26</a:t>
+              <a:t>2019/2/27</a:t>
             </a:fld>
             <a:endParaRPr lang="ja-JP" altLang="en-US" dirty="0"/>
           </a:p>
@@ -4864,7 +4864,7 @@
             <a:fld id="{4A88E3EC-CE02-4F26-BBD8-264DBE926D7A}" type="datetime1">
               <a:rPr lang="ja-JP" altLang="en-US" smtClean="0"/>
               <a:pPr/>
-              <a:t>2019/2/26</a:t>
+              <a:t>2019/2/27</a:t>
             </a:fld>
             <a:endParaRPr lang="ja-JP" altLang="en-US" dirty="0"/>
           </a:p>
@@ -5535,7 +5535,7 @@
             <a:fld id="{5F1C1D98-9737-459D-9F09-105F0595AFC8}" type="datetime1">
               <a:rPr lang="ja-JP" altLang="en-US" smtClean="0"/>
               <a:pPr/>
-              <a:t>2019/2/26</a:t>
+              <a:t>2019/2/27</a:t>
             </a:fld>
             <a:endParaRPr lang="ja-JP" altLang="en-US" dirty="0"/>
           </a:p>
@@ -7443,13 +7443,6 @@
             </a:r>
             <a:endParaRPr lang="en-US" altLang="ja-JP" dirty="0"/>
           </a:p>
-          <a:p>
-            <a:r>
-              <a:rPr lang="ja-JP" altLang="en-US" dirty="0"/>
-              <a:t>動作確認</a:t>
-            </a:r>
-            <a:endParaRPr kumimoji="1" lang="en-US" altLang="ja-JP" dirty="0"/>
-          </a:p>
         </p:txBody>
       </p:sp>
       <p:sp>
@@ -7460,8 +7453,8 @@
         </p:nvSpPr>
         <p:spPr>
           <a:xfrm>
-            <a:off x="5014292" y="5926748"/>
-            <a:ext cx="6709108" cy="648072"/>
+            <a:off x="5158308" y="6045068"/>
+            <a:ext cx="6565092" cy="529752"/>
           </a:xfrm>
           <a:prstGeom prst="rect">
             <a:avLst/>
@@ -7617,6 +7610,49 @@
           </a:prstGeom>
         </p:spPr>
       </p:pic>
+      <p:sp>
+        <p:nvSpPr>
+          <p:cNvPr id="7" name="テキスト ボックス 6">
+            <a:extLst>
+              <a:ext uri="{FF2B5EF4-FFF2-40B4-BE49-F238E27FC236}">
+                <a16:creationId xmlns:a16="http://schemas.microsoft.com/office/drawing/2014/main" id="{C8C35D5B-0D6B-4A6A-8E22-440E0A106D0C}"/>
+              </a:ext>
+            </a:extLst>
+          </p:cNvPr>
+          <p:cNvSpPr txBox="1"/>
+          <p:nvPr/>
+        </p:nvSpPr>
+        <p:spPr>
+          <a:xfrm>
+            <a:off x="693812" y="5445224"/>
+            <a:ext cx="5896166" cy="461665"/>
+          </a:xfrm>
+          <a:prstGeom prst="rect">
+            <a:avLst/>
+          </a:prstGeom>
+          <a:noFill/>
+        </p:spPr>
+        <p:txBody>
+          <a:bodyPr wrap="none" rtlCol="0">
+            <a:spAutoFit/>
+          </a:bodyPr>
+          <a:lstStyle/>
+          <a:p>
+            <a:r>
+              <a:rPr kumimoji="1" lang="en-US" altLang="ja-JP" dirty="0">
+                <a:latin typeface="UD Digi Kyokasho NK-R" panose="02020400000000000000" pitchFamily="18" charset="-128"/>
+                <a:ea typeface="UD Digi Kyokasho NK-R" panose="02020400000000000000" pitchFamily="18" charset="-128"/>
+                <a:hlinkClick r:id="rId3"/>
+              </a:rPr>
+              <a:t>https://electronjs.org/docs/api/menu</a:t>
+            </a:r>
+            <a:endParaRPr kumimoji="1" lang="ja-JP" altLang="en-US" dirty="0">
+              <a:latin typeface="UD Digi Kyokasho NK-R" panose="02020400000000000000" pitchFamily="18" charset="-128"/>
+              <a:ea typeface="UD Digi Kyokasho NK-R" panose="02020400000000000000" pitchFamily="18" charset="-128"/>
+            </a:endParaRPr>
+          </a:p>
+        </p:txBody>
+      </p:sp>
     </p:spTree>
     <p:extLst>
       <p:ext uri="{BB962C8B-B14F-4D97-AF65-F5344CB8AC3E}">
@@ -12063,7 +12099,7 @@
         <p:spPr/>
         <p:txBody>
           <a:bodyPr>
-            <a:normAutofit fontScale="92500"/>
+            <a:normAutofit fontScale="92500" lnSpcReduction="10000"/>
           </a:bodyPr>
           <a:lstStyle/>
           <a:p>
@@ -12175,10 +12211,9 @@
             <a:endParaRPr lang="en-US" altLang="ja-JP" dirty="0"/>
           </a:p>
           <a:p>
-            <a:pPr lvl="1"/>
             <a:r>
               <a:rPr kumimoji="1" lang="ja-JP" altLang="en-US" dirty="0"/>
-              <a:t>ツールならそれほど気にしなくても・・</a:t>
+              <a:t>ツールならそれほど気にしなくても・・色々作ってみよう！</a:t>
             </a:r>
           </a:p>
         </p:txBody>
@@ -12409,7 +12444,7 @@
         </p:nvSpPr>
         <p:spPr>
           <a:xfrm>
-            <a:off x="2422004" y="3140968"/>
+            <a:off x="2205980" y="4531767"/>
             <a:ext cx="7412607" cy="769441"/>
           </a:xfrm>
           <a:prstGeom prst="rect">
@@ -12433,6 +12468,95 @@
           </a:p>
         </p:txBody>
       </p:sp>
+      <p:sp>
+        <p:nvSpPr>
+          <p:cNvPr id="2" name="テキスト ボックス 1">
+            <a:extLst>
+              <a:ext uri="{FF2B5EF4-FFF2-40B4-BE49-F238E27FC236}">
+                <a16:creationId xmlns:a16="http://schemas.microsoft.com/office/drawing/2014/main" id="{C7B069DE-E86A-4393-BE49-AF8D0FE931BC}"/>
+              </a:ext>
+            </a:extLst>
+          </p:cNvPr>
+          <p:cNvSpPr txBox="1"/>
+          <p:nvPr/>
+        </p:nvSpPr>
+        <p:spPr>
+          <a:xfrm>
+            <a:off x="3358108" y="2075364"/>
+            <a:ext cx="4392549" cy="1569660"/>
+          </a:xfrm>
+          <a:prstGeom prst="rect">
+            <a:avLst/>
+          </a:prstGeom>
+          <a:noFill/>
+        </p:spPr>
+        <p:txBody>
+          <a:bodyPr wrap="none" rtlCol="0">
+            <a:spAutoFit/>
+          </a:bodyPr>
+          <a:lstStyle/>
+          <a:p>
+            <a:r>
+              <a:rPr kumimoji="1" lang="en-US" altLang="ja-JP" sz="9600" dirty="0">
+                <a:latin typeface="UD Digi Kyokasho NK-R" panose="02020400000000000000" pitchFamily="18" charset="-128"/>
+                <a:ea typeface="UD Digi Kyokasho NK-R" panose="02020400000000000000" pitchFamily="18" charset="-128"/>
+              </a:rPr>
+              <a:t>Enjoy!!</a:t>
+            </a:r>
+            <a:endParaRPr kumimoji="1" lang="ja-JP" altLang="en-US" sz="9600" dirty="0">
+              <a:latin typeface="UD Digi Kyokasho NK-R" panose="02020400000000000000" pitchFamily="18" charset="-128"/>
+              <a:ea typeface="UD Digi Kyokasho NK-R" panose="02020400000000000000" pitchFamily="18" charset="-128"/>
+            </a:endParaRPr>
+          </a:p>
+        </p:txBody>
+      </p:sp>
+      <p:pic>
+        <p:nvPicPr>
+          <p:cNvPr id="5" name="Picture 6" descr="é¢é£ç»å">
+            <a:extLst>
+              <a:ext uri="{FF2B5EF4-FFF2-40B4-BE49-F238E27FC236}">
+                <a16:creationId xmlns:a16="http://schemas.microsoft.com/office/drawing/2014/main" id="{2AD91BFB-00EF-4DD6-9BF8-605F00FFF288}"/>
+              </a:ext>
+            </a:extLst>
+          </p:cNvPr>
+          <p:cNvPicPr>
+            <a:picLocks noChangeAspect="1" noChangeArrowheads="1"/>
+          </p:cNvPicPr>
+          <p:nvPr/>
+        </p:nvPicPr>
+        <p:blipFill>
+          <a:blip r:embed="rId2">
+            <a:extLst>
+              <a:ext uri="{28A0092B-C50C-407E-A947-70E740481C1C}">
+                <a14:useLocalDpi xmlns:a14="http://schemas.microsoft.com/office/drawing/2010/main" val="0"/>
+              </a:ext>
+            </a:extLst>
+          </a:blip>
+          <a:srcRect/>
+          <a:stretch>
+            <a:fillRect/>
+          </a:stretch>
+        </p:blipFill>
+        <p:spPr bwMode="auto">
+          <a:xfrm>
+            <a:off x="6454452" y="1311422"/>
+            <a:ext cx="5654967" cy="3053682"/>
+          </a:xfrm>
+          <a:prstGeom prst="rect">
+            <a:avLst/>
+          </a:prstGeom>
+          <a:noFill/>
+          <a:extLst>
+            <a:ext uri="{909E8E84-426E-40DD-AFC4-6F175D3DCCD1}">
+              <a14:hiddenFill xmlns:a14="http://schemas.microsoft.com/office/drawing/2010/main">
+                <a:solidFill>
+                  <a:srgbClr val="FFFFFF"/>
+                </a:solidFill>
+              </a14:hiddenFill>
+            </a:ext>
+          </a:extLst>
+        </p:spPr>
+      </p:pic>
     </p:spTree>
     <p:extLst>
       <p:ext uri="{BB962C8B-B14F-4D97-AF65-F5344CB8AC3E}">
@@ -12455,6 +12579,192 @@
       </p:transition>
     </mc:Fallback>
   </mc:AlternateContent>
+  <p:timing>
+    <p:tnLst>
+      <p:par>
+        <p:cTn id="1" dur="indefinite" restart="never" nodeType="tmRoot">
+          <p:childTnLst>
+            <p:seq concurrent="1" nextAc="seek">
+              <p:cTn id="2" dur="indefinite" nodeType="mainSeq">
+                <p:childTnLst>
+                  <p:par>
+                    <p:cTn id="3" fill="hold">
+                      <p:stCondLst>
+                        <p:cond delay="indefinite"/>
+                      </p:stCondLst>
+                      <p:childTnLst>
+                        <p:par>
+                          <p:cTn id="4" fill="hold">
+                            <p:stCondLst>
+                              <p:cond delay="0"/>
+                            </p:stCondLst>
+                            <p:childTnLst>
+                              <p:par>
+                                <p:cTn id="5" presetID="53" presetClass="entr" presetSubtype="16" fill="hold" grpId="0" nodeType="clickEffect">
+                                  <p:stCondLst>
+                                    <p:cond delay="0"/>
+                                  </p:stCondLst>
+                                  <p:childTnLst>
+                                    <p:set>
+                                      <p:cBhvr>
+                                        <p:cTn id="6" dur="1" fill="hold">
+                                          <p:stCondLst>
+                                            <p:cond delay="0"/>
+                                          </p:stCondLst>
+                                        </p:cTn>
+                                        <p:tgtEl>
+                                          <p:spTgt spid="2"/>
+                                        </p:tgtEl>
+                                        <p:attrNameLst>
+                                          <p:attrName>style.visibility</p:attrName>
+                                        </p:attrNameLst>
+                                      </p:cBhvr>
+                                      <p:to>
+                                        <p:strVal val="visible"/>
+                                      </p:to>
+                                    </p:set>
+                                    <p:anim calcmode="lin" valueType="num">
+                                      <p:cBhvr>
+                                        <p:cTn id="7" dur="500" fill="hold"/>
+                                        <p:tgtEl>
+                                          <p:spTgt spid="2"/>
+                                        </p:tgtEl>
+                                        <p:attrNameLst>
+                                          <p:attrName>ppt_w</p:attrName>
+                                        </p:attrNameLst>
+                                      </p:cBhvr>
+                                      <p:tavLst>
+                                        <p:tav tm="0">
+                                          <p:val>
+                                            <p:fltVal val="0"/>
+                                          </p:val>
+                                        </p:tav>
+                                        <p:tav tm="100000">
+                                          <p:val>
+                                            <p:strVal val="#ppt_w"/>
+                                          </p:val>
+                                        </p:tav>
+                                      </p:tavLst>
+                                    </p:anim>
+                                    <p:anim calcmode="lin" valueType="num">
+                                      <p:cBhvr>
+                                        <p:cTn id="8" dur="500" fill="hold"/>
+                                        <p:tgtEl>
+                                          <p:spTgt spid="2"/>
+                                        </p:tgtEl>
+                                        <p:attrNameLst>
+                                          <p:attrName>ppt_h</p:attrName>
+                                        </p:attrNameLst>
+                                      </p:cBhvr>
+                                      <p:tavLst>
+                                        <p:tav tm="0">
+                                          <p:val>
+                                            <p:fltVal val="0"/>
+                                          </p:val>
+                                        </p:tav>
+                                        <p:tav tm="100000">
+                                          <p:val>
+                                            <p:strVal val="#ppt_h"/>
+                                          </p:val>
+                                        </p:tav>
+                                      </p:tavLst>
+                                    </p:anim>
+                                    <p:animEffect transition="in" filter="fade">
+                                      <p:cBhvr>
+                                        <p:cTn id="9" dur="500"/>
+                                        <p:tgtEl>
+                                          <p:spTgt spid="2"/>
+                                        </p:tgtEl>
+                                      </p:cBhvr>
+                                    </p:animEffect>
+                                  </p:childTnLst>
+                                </p:cTn>
+                              </p:par>
+                            </p:childTnLst>
+                          </p:cTn>
+                        </p:par>
+                      </p:childTnLst>
+                    </p:cTn>
+                  </p:par>
+                  <p:par>
+                    <p:cTn id="10" fill="hold">
+                      <p:stCondLst>
+                        <p:cond delay="indefinite"/>
+                      </p:stCondLst>
+                      <p:childTnLst>
+                        <p:par>
+                          <p:cTn id="11" fill="hold">
+                            <p:stCondLst>
+                              <p:cond delay="0"/>
+                            </p:stCondLst>
+                            <p:childTnLst>
+                              <p:par>
+                                <p:cTn id="12" presetID="16" presetClass="entr" presetSubtype="37" fill="hold" grpId="0" nodeType="clickEffect">
+                                  <p:stCondLst>
+                                    <p:cond delay="0"/>
+                                  </p:stCondLst>
+                                  <p:childTnLst>
+                                    <p:set>
+                                      <p:cBhvr>
+                                        <p:cTn id="13" dur="1" fill="hold">
+                                          <p:stCondLst>
+                                            <p:cond delay="0"/>
+                                          </p:stCondLst>
+                                        </p:cTn>
+                                        <p:tgtEl>
+                                          <p:spTgt spid="4"/>
+                                        </p:tgtEl>
+                                        <p:attrNameLst>
+                                          <p:attrName>style.visibility</p:attrName>
+                                        </p:attrNameLst>
+                                      </p:cBhvr>
+                                      <p:to>
+                                        <p:strVal val="visible"/>
+                                      </p:to>
+                                    </p:set>
+                                    <p:animEffect transition="in" filter="barn(outVertical)">
+                                      <p:cBhvr>
+                                        <p:cTn id="14" dur="500"/>
+                                        <p:tgtEl>
+                                          <p:spTgt spid="4"/>
+                                        </p:tgtEl>
+                                      </p:cBhvr>
+                                    </p:animEffect>
+                                  </p:childTnLst>
+                                </p:cTn>
+                              </p:par>
+                            </p:childTnLst>
+                          </p:cTn>
+                        </p:par>
+                      </p:childTnLst>
+                    </p:cTn>
+                  </p:par>
+                </p:childTnLst>
+              </p:cTn>
+              <p:prevCondLst>
+                <p:cond evt="onPrev" delay="0">
+                  <p:tgtEl>
+                    <p:sldTgt/>
+                  </p:tgtEl>
+                </p:cond>
+              </p:prevCondLst>
+              <p:nextCondLst>
+                <p:cond evt="onNext" delay="0">
+                  <p:tgtEl>
+                    <p:sldTgt/>
+                  </p:tgtEl>
+                </p:cond>
+              </p:nextCondLst>
+            </p:seq>
+          </p:childTnLst>
+        </p:cTn>
+      </p:par>
+    </p:tnLst>
+    <p:bldLst>
+      <p:bldP spid="4" grpId="0"/>
+      <p:bldP spid="2" grpId="0"/>
+    </p:bldLst>
+  </p:timing>
 </p:sld>
 </file>
 
@@ -12649,15 +12959,14 @@
           <a:p>
             <a:r>
               <a:rPr lang="en-US" altLang="ja-JP" dirty="0"/>
-              <a:t>React</a:t>
-            </a:r>
-          </a:p>
-          <a:p>
-            <a:r>
-              <a:rPr lang="en-US" altLang="ja-JP" dirty="0" err="1"/>
-              <a:t>Vue</a:t>
-            </a:r>
-            <a:endParaRPr lang="en-US" altLang="ja-JP" dirty="0"/>
+              <a:t>Angular / Polymer</a:t>
+            </a:r>
+          </a:p>
+          <a:p>
+            <a:r>
+              <a:rPr lang="en-US" altLang="ja-JP" dirty="0"/>
+              <a:t>React / Vue</a:t>
+            </a:r>
           </a:p>
           <a:p>
             <a:r>
@@ -13875,7 +14184,7 @@
             </a:r>
             <a:r>
               <a:rPr lang="en-US" altLang="ja-JP" dirty="0"/>
-              <a:t>4.0.4)</a:t>
+              <a:t>4.0.5)</a:t>
             </a:r>
           </a:p>
           <a:p>
@@ -14352,6 +14661,44 @@
               <a:latin typeface="UD デジタル 教科書体 NK-R" panose="02020400000000000000" pitchFamily="18" charset="-128"/>
               <a:ea typeface="UD デジタル 教科書体 NK-R" panose="02020400000000000000" pitchFamily="18" charset="-128"/>
             </a:endParaRPr>
+          </a:p>
+        </p:txBody>
+      </p:sp>
+      <p:sp>
+        <p:nvSpPr>
+          <p:cNvPr id="6" name="テキスト ボックス 5">
+            <a:extLst>
+              <a:ext uri="{FF2B5EF4-FFF2-40B4-BE49-F238E27FC236}">
+                <a16:creationId xmlns:a16="http://schemas.microsoft.com/office/drawing/2014/main" id="{A20A4FB5-6702-4C5D-8B0A-A7C0D35253E4}"/>
+              </a:ext>
+            </a:extLst>
+          </p:cNvPr>
+          <p:cNvSpPr txBox="1"/>
+          <p:nvPr/>
+        </p:nvSpPr>
+        <p:spPr>
+          <a:xfrm>
+            <a:off x="2581554" y="5379556"/>
+            <a:ext cx="3139001" cy="523220"/>
+          </a:xfrm>
+          <a:prstGeom prst="rect">
+            <a:avLst/>
+          </a:prstGeom>
+          <a:noFill/>
+        </p:spPr>
+        <p:txBody>
+          <a:bodyPr wrap="none" rtlCol="0">
+            <a:spAutoFit/>
+          </a:bodyPr>
+          <a:lstStyle/>
+          <a:p>
+            <a:r>
+              <a:rPr kumimoji="1" lang="ja-JP" altLang="en-US" sz="2800" dirty="0">
+                <a:latin typeface="UD Digi Kyokasho NK-R" panose="020B0400000000000000" pitchFamily="18" charset="-128"/>
+                <a:ea typeface="UD Digi Kyokasho NK-R" panose="020B0400000000000000" pitchFamily="18" charset="-128"/>
+              </a:rPr>
+              <a:t>え！？ 知らない？</a:t>
+            </a:r>
           </a:p>
         </p:txBody>
       </p:sp>
@@ -14785,7 +15132,7 @@
                             </p:stCondLst>
                             <p:childTnLst>
                               <p:par>
-                                <p:cTn id="38" presetID="16" presetClass="entr" presetSubtype="21" fill="hold" grpId="0" nodeType="clickEffect">
+                                <p:cTn id="38" presetID="10" presetClass="entr" presetSubtype="0" fill="hold" grpId="0" nodeType="clickEffect">
                                   <p:stCondLst>
                                     <p:cond delay="0"/>
                                   </p:stCondLst>
@@ -14793,6 +15140,150 @@
                                     <p:set>
                                       <p:cBhvr>
                                         <p:cTn id="39" dur="1" fill="hold">
+                                          <p:stCondLst>
+                                            <p:cond delay="0"/>
+                                          </p:stCondLst>
+                                        </p:cTn>
+                                        <p:tgtEl>
+                                          <p:spTgt spid="6"/>
+                                        </p:tgtEl>
+                                        <p:attrNameLst>
+                                          <p:attrName>style.visibility</p:attrName>
+                                        </p:attrNameLst>
+                                      </p:cBhvr>
+                                      <p:to>
+                                        <p:strVal val="visible"/>
+                                      </p:to>
+                                    </p:set>
+                                    <p:animEffect transition="in" filter="fade">
+                                      <p:cBhvr>
+                                        <p:cTn id="40" dur="500"/>
+                                        <p:tgtEl>
+                                          <p:spTgt spid="6"/>
+                                        </p:tgtEl>
+                                      </p:cBhvr>
+                                    </p:animEffect>
+                                  </p:childTnLst>
+                                </p:cTn>
+                              </p:par>
+                            </p:childTnLst>
+                          </p:cTn>
+                        </p:par>
+                      </p:childTnLst>
+                    </p:cTn>
+                  </p:par>
+                  <p:par>
+                    <p:cTn id="41" fill="hold">
+                      <p:stCondLst>
+                        <p:cond delay="indefinite"/>
+                      </p:stCondLst>
+                      <p:childTnLst>
+                        <p:par>
+                          <p:cTn id="42" fill="hold">
+                            <p:stCondLst>
+                              <p:cond delay="0"/>
+                            </p:stCondLst>
+                            <p:childTnLst>
+                              <p:par>
+                                <p:cTn id="43" presetID="2" presetClass="exit" presetSubtype="4" fill="hold" grpId="1" nodeType="clickEffect">
+                                  <p:stCondLst>
+                                    <p:cond delay="0"/>
+                                  </p:stCondLst>
+                                  <p:childTnLst>
+                                    <p:anim calcmode="lin" valueType="num">
+                                      <p:cBhvr additive="base">
+                                        <p:cTn id="44" dur="500"/>
+                                        <p:tgtEl>
+                                          <p:spTgt spid="6"/>
+                                        </p:tgtEl>
+                                        <p:attrNameLst>
+                                          <p:attrName>ppt_x</p:attrName>
+                                        </p:attrNameLst>
+                                      </p:cBhvr>
+                                      <p:tavLst>
+                                        <p:tav tm="0">
+                                          <p:val>
+                                            <p:strVal val="ppt_x"/>
+                                          </p:val>
+                                        </p:tav>
+                                        <p:tav tm="100000">
+                                          <p:val>
+                                            <p:strVal val="ppt_x"/>
+                                          </p:val>
+                                        </p:tav>
+                                      </p:tavLst>
+                                    </p:anim>
+                                    <p:anim calcmode="lin" valueType="num">
+                                      <p:cBhvr additive="base">
+                                        <p:cTn id="45" dur="500"/>
+                                        <p:tgtEl>
+                                          <p:spTgt spid="6"/>
+                                        </p:tgtEl>
+                                        <p:attrNameLst>
+                                          <p:attrName>ppt_y</p:attrName>
+                                        </p:attrNameLst>
+                                      </p:cBhvr>
+                                      <p:tavLst>
+                                        <p:tav tm="0">
+                                          <p:val>
+                                            <p:strVal val="ppt_y"/>
+                                          </p:val>
+                                        </p:tav>
+                                        <p:tav tm="100000">
+                                          <p:val>
+                                            <p:strVal val="1+ppt_h/2"/>
+                                          </p:val>
+                                        </p:tav>
+                                      </p:tavLst>
+                                    </p:anim>
+                                    <p:set>
+                                      <p:cBhvr>
+                                        <p:cTn id="46" dur="1" fill="hold">
+                                          <p:stCondLst>
+                                            <p:cond delay="499"/>
+                                          </p:stCondLst>
+                                        </p:cTn>
+                                        <p:tgtEl>
+                                          <p:spTgt spid="6"/>
+                                        </p:tgtEl>
+                                        <p:attrNameLst>
+                                          <p:attrName>style.visibility</p:attrName>
+                                        </p:attrNameLst>
+                                      </p:cBhvr>
+                                      <p:to>
+                                        <p:strVal val="hidden"/>
+                                      </p:to>
+                                    </p:set>
+                                  </p:childTnLst>
+                                </p:cTn>
+                              </p:par>
+                            </p:childTnLst>
+                          </p:cTn>
+                        </p:par>
+                      </p:childTnLst>
+                    </p:cTn>
+                  </p:par>
+                  <p:par>
+                    <p:cTn id="47" fill="hold">
+                      <p:stCondLst>
+                        <p:cond delay="indefinite"/>
+                      </p:stCondLst>
+                      <p:childTnLst>
+                        <p:par>
+                          <p:cTn id="48" fill="hold">
+                            <p:stCondLst>
+                              <p:cond delay="0"/>
+                            </p:stCondLst>
+                            <p:childTnLst>
+                              <p:par>
+                                <p:cTn id="49" presetID="16" presetClass="entr" presetSubtype="21" fill="hold" grpId="0" nodeType="clickEffect">
+                                  <p:stCondLst>
+                                    <p:cond delay="0"/>
+                                  </p:stCondLst>
+                                  <p:childTnLst>
+                                    <p:set>
+                                      <p:cBhvr>
+                                        <p:cTn id="50" dur="1" fill="hold">
                                           <p:stCondLst>
                                             <p:cond delay="0"/>
                                           </p:stCondLst>
@@ -14810,7 +15301,7 @@
                                     </p:set>
                                     <p:animEffect transition="in" filter="barn(inVertical)">
                                       <p:cBhvr>
-                                        <p:cTn id="40" dur="500"/>
+                                        <p:cTn id="51" dur="500"/>
                                         <p:tgtEl>
                                           <p:spTgt spid="8"/>
                                         </p:tgtEl>
@@ -14823,20 +15314,20 @@
                           </p:cTn>
                         </p:par>
                         <p:par>
-                          <p:cTn id="41" fill="hold">
+                          <p:cTn id="52" fill="hold">
                             <p:stCondLst>
                               <p:cond delay="500"/>
                             </p:stCondLst>
                             <p:childTnLst>
                               <p:par>
-                                <p:cTn id="42" presetID="26" presetClass="emph" presetSubtype="0" fill="hold" grpId="1" nodeType="afterEffect">
+                                <p:cTn id="53" presetID="26" presetClass="emph" presetSubtype="0" fill="hold" grpId="1" nodeType="afterEffect">
                                   <p:stCondLst>
                                     <p:cond delay="0"/>
                                   </p:stCondLst>
                                   <p:childTnLst>
                                     <p:animEffect transition="out" filter="fade">
                                       <p:cBhvr>
-                                        <p:cTn id="43" dur="500" tmFilter="0, 0; .2, .5; .8, .5; 1, 0"/>
+                                        <p:cTn id="54" dur="500" tmFilter="0, 0; .2, .5; .8, .5; 1, 0"/>
                                         <p:tgtEl>
                                           <p:spTgt spid="8"/>
                                         </p:tgtEl>
@@ -14844,7 +15335,7 @@
                                     </p:animEffect>
                                     <p:animScale>
                                       <p:cBhvr>
-                                        <p:cTn id="44" dur="250" autoRev="1" fill="hold"/>
+                                        <p:cTn id="55" dur="250" autoRev="1" fill="hold"/>
                                         <p:tgtEl>
                                           <p:spTgt spid="8"/>
                                         </p:tgtEl>
@@ -14885,6 +15376,8 @@
       <p:bldP spid="4" grpId="0"/>
       <p:bldP spid="8" grpId="0"/>
       <p:bldP spid="8" grpId="1"/>
+      <p:bldP spid="6" grpId="0"/>
+      <p:bldP spid="6" grpId="1"/>
     </p:bldLst>
   </p:timing>
 </p:sld>
@@ -17714,15 +18207,6 @@
 </file>
 
 <file path=customXml/item1.xml><?xml version="1.0" encoding="utf-8"?>
-<?mso-contentType ?>
-<FormTemplates xmlns="http://schemas.microsoft.com/sharepoint/v3/contenttype/forms">
-  <Display>DocumentLibraryForm</Display>
-  <Edit>AssetEditForm</Edit>
-  <New>DocumentLibraryForm</New>
-</FormTemplates>
-</file>
-
-<file path=customXml/item2.xml><?xml version="1.0" encoding="utf-8"?>
 <ct:contentTypeSchema xmlns:ct="http://schemas.microsoft.com/office/2006/metadata/contentType" xmlns:ma="http://schemas.microsoft.com/office/2006/metadata/properties/metaAttributes" ct:_="" ma:_="" ma:contentTypeName="TemplateFile" ma:contentTypeID="0x0101006EDDDB5EE6D98C44930B742096920B300400F5B6D36B3EF94B4E9A635CDF2A18F5B8" ma:contentTypeVersion="72" ma:contentTypeDescription="Create a new document." ma:contentTypeScope="" ma:versionID="a23e56308344d904b51738559c3d67c9">
   <xsd:schema xmlns:xsd="http://www.w3.org/2001/XMLSchema" xmlns:xs="http://www.w3.org/2001/XMLSchema" xmlns:p="http://schemas.microsoft.com/office/2006/metadata/properties" xmlns:ns2="4873beb7-5857-4685-be1f-d57550cc96cc" targetNamespace="http://schemas.microsoft.com/office/2006/metadata/properties" ma:root="true" ma:fieldsID="cd0908cc4600e77bf5da051303e00c8d" ns2:_="">
     <xsd:import namespace="4873beb7-5857-4685-be1f-d57550cc96cc"/>
@@ -18762,6 +19246,15 @@
 </ct:contentTypeSchema>
 </file>
 
+<file path=customXml/item2.xml><?xml version="1.0" encoding="utf-8"?>
+<?mso-contentType ?>
+<FormTemplates xmlns="http://schemas.microsoft.com/sharepoint/v3/contenttype/forms">
+  <Display>DocumentLibraryForm</Display>
+  <Edit>AssetEditForm</Edit>
+  <New>DocumentLibraryForm</New>
+</FormTemplates>
+</file>
+
 <file path=customXml/item3.xml><?xml version="1.0" encoding="utf-8"?>
 <p:properties xmlns:p="http://schemas.microsoft.com/office/2006/metadata/properties" xmlns:xsi="http://www.w3.org/2001/XMLSchema-instance" xmlns:pc="http://schemas.microsoft.com/office/infopath/2007/PartnerControls">
   <documentManagement>
@@ -18899,14 +19392,6 @@
 </file>
 
 <file path=customXml/itemProps1.xml><?xml version="1.0" encoding="utf-8"?>
-<ds:datastoreItem xmlns:ds="http://schemas.openxmlformats.org/officeDocument/2006/customXml" ds:itemID="{3836F65B-1B07-41EE-A0E8-BC6EF3855225}">
-  <ds:schemaRefs>
-    <ds:schemaRef ds:uri="http://schemas.microsoft.com/sharepoint/v3/contenttype/forms"/>
-  </ds:schemaRefs>
-</ds:datastoreItem>
-</file>
-
-<file path=customXml/itemProps2.xml><?xml version="1.0" encoding="utf-8"?>
 <ds:datastoreItem xmlns:ds="http://schemas.openxmlformats.org/officeDocument/2006/customXml" ds:itemID="{A09BF4D4-EF60-4196-BFC3-9462D607978C}">
   <ds:schemaRefs>
     <ds:schemaRef ds:uri="http://schemas.microsoft.com/office/2006/metadata/contentType"/>
@@ -18925,14 +19410,26 @@
 </ds:datastoreItem>
 </file>
 
+<file path=customXml/itemProps2.xml><?xml version="1.0" encoding="utf-8"?>
+<ds:datastoreItem xmlns:ds="http://schemas.openxmlformats.org/officeDocument/2006/customXml" ds:itemID="{3836F65B-1B07-41EE-A0E8-BC6EF3855225}">
+  <ds:schemaRefs>
+    <ds:schemaRef ds:uri="http://schemas.microsoft.com/sharepoint/v3/contenttype/forms"/>
+  </ds:schemaRefs>
+</ds:datastoreItem>
+</file>
+
 <file path=customXml/itemProps3.xml><?xml version="1.0" encoding="utf-8"?>
 <ds:datastoreItem xmlns:ds="http://schemas.openxmlformats.org/officeDocument/2006/customXml" ds:itemID="{60C67BEE-D13F-4BD2-98A5-34D8A0977F68}">
   <ds:schemaRefs>
+    <ds:schemaRef ds:uri="http://schemas.microsoft.com/office/2006/documentManagement/types"/>
+    <ds:schemaRef ds:uri="http://purl.org/dc/terms/"/>
+    <ds:schemaRef ds:uri="http://purl.org/dc/dcmitype/"/>
     <ds:schemaRef ds:uri="http://schemas.microsoft.com/office/2006/metadata/properties"/>
-    <ds:schemaRef ds:uri="http://www.w3.org/2000/xmlns/"/>
+    <ds:schemaRef ds:uri="http://schemas.microsoft.com/office/infopath/2007/PartnerControls"/>
+    <ds:schemaRef ds:uri="http://purl.org/dc/elements/1.1/"/>
+    <ds:schemaRef ds:uri="http://schemas.openxmlformats.org/package/2006/metadata/core-properties"/>
     <ds:schemaRef ds:uri="4873beb7-5857-4685-be1f-d57550cc96cc"/>
-    <ds:schemaRef ds:uri="http://www.w3.org/2001/XMLSchema-instance"/>
-    <ds:schemaRef ds:uri="http://schemas.microsoft.com/office/infopath/2007/PartnerControls"/>
+    <ds:schemaRef ds:uri="http://www.w3.org/XML/1998/namespace"/>
   </ds:schemaRefs>
 </ds:datastoreItem>
 </file>
--- a/slide/Electron_in-house_presentation.pptx
+++ b/slide/Electron_in-house_presentation.pptx
@@ -262,7 +262,7 @@
                 <a:latin typeface="ＭＳ Ｐゴシック" panose="020B0600070205080204" pitchFamily="50" charset="-128"/>
                 <a:ea typeface="ＭＳ Ｐゴシック" panose="020B0600070205080204" pitchFamily="50" charset="-128"/>
               </a:rPr>
-              <a:t>2019/2/27</a:t>
+              <a:t>2019/2/28</a:t>
             </a:fld>
             <a:endParaRPr lang="ja-JP" altLang="en-US" dirty="0">
               <a:latin typeface="ＭＳ Ｐゴシック" panose="020B0600070205080204" pitchFamily="50" charset="-128"/>
@@ -449,7 +449,7 @@
             <a:fld id="{37165343-859F-4143-8972-D138C517BA87}" type="datetime1">
               <a:rPr lang="ja-JP" altLang="en-US" smtClean="0"/>
               <a:pPr/>
-              <a:t>2019/2/27</a:t>
+              <a:t>2019/2/28</a:t>
             </a:fld>
             <a:endParaRPr lang="ja-JP" altLang="en-US" dirty="0"/>
           </a:p>
@@ -1809,7 +1809,7 @@
             <a:fld id="{8B8BDBCF-2245-4FCB-9DDE-432CD8FA8E0A}" type="datetime1">
               <a:rPr lang="ja-JP" altLang="en-US" smtClean="0"/>
               <a:pPr/>
-              <a:t>2019/2/27</a:t>
+              <a:t>2019/2/28</a:t>
             </a:fld>
             <a:endParaRPr lang="ja-JP" altLang="en-US" dirty="0"/>
           </a:p>
@@ -2051,7 +2051,7 @@
             <a:fld id="{0E2695C8-689F-41E2-801C-EC2626087B1A}" type="datetime1">
               <a:rPr lang="ja-JP" altLang="en-US" smtClean="0"/>
               <a:pPr/>
-              <a:t>2019/2/27</a:t>
+              <a:t>2019/2/28</a:t>
             </a:fld>
             <a:endParaRPr lang="ja-JP" altLang="en-US" dirty="0"/>
           </a:p>
@@ -2303,7 +2303,7 @@
             <a:fld id="{061217A4-CAA8-44F2-8FF7-C615B184E281}" type="datetime1">
               <a:rPr lang="ja-JP" altLang="en-US" smtClean="0"/>
               <a:pPr/>
-              <a:t>2019/2/27</a:t>
+              <a:t>2019/2/28</a:t>
             </a:fld>
             <a:endParaRPr lang="ja-JP" altLang="en-US" dirty="0"/>
           </a:p>
@@ -2576,7 +2576,7 @@
             <a:fld id="{CCBF1506-F1B8-4806-9D73-EF91A452CC85}" type="datetime1">
               <a:rPr lang="ja-JP" altLang="en-US" smtClean="0"/>
               <a:pPr/>
-              <a:t>2019/2/27</a:t>
+              <a:t>2019/2/28</a:t>
             </a:fld>
             <a:endParaRPr lang="ja-JP" altLang="en-US" dirty="0"/>
           </a:p>
@@ -3022,7 +3022,7 @@
             <a:fld id="{2428F437-7555-47DD-B668-A6054E2B6526}" type="datetime1">
               <a:rPr lang="ja-JP" altLang="en-US" smtClean="0"/>
               <a:pPr/>
-              <a:t>2019/2/27</a:t>
+              <a:t>2019/2/28</a:t>
             </a:fld>
             <a:endParaRPr lang="ja-JP" altLang="en-US" dirty="0"/>
           </a:p>
@@ -3436,7 +3436,7 @@
             <a:fld id="{BAFA1F1E-07BA-4BD1-9D0B-52CCAAB6E57E}" type="datetime1">
               <a:rPr lang="ja-JP" altLang="en-US" smtClean="0"/>
               <a:pPr/>
-              <a:t>2019/2/27</a:t>
+              <a:t>2019/2/28</a:t>
             </a:fld>
             <a:endParaRPr lang="ja-JP" altLang="en-US" dirty="0"/>
           </a:p>
@@ -3965,7 +3965,7 @@
             <a:fld id="{427E2E48-3F71-4060-AD47-6D35A162C236}" type="datetime1">
               <a:rPr lang="ja-JP" altLang="en-US" smtClean="0"/>
               <a:pPr/>
-              <a:t>2019/2/27</a:t>
+              <a:t>2019/2/28</a:t>
             </a:fld>
             <a:endParaRPr lang="ja-JP" altLang="en-US" dirty="0"/>
           </a:p>
@@ -4111,7 +4111,7 @@
             <a:fld id="{46800D23-6458-42C6-B818-E75CC448B4DB}" type="datetime1">
               <a:rPr lang="ja-JP" altLang="en-US" smtClean="0"/>
               <a:pPr/>
-              <a:t>2019/2/27</a:t>
+              <a:t>2019/2/28</a:t>
             </a:fld>
             <a:endParaRPr lang="ja-JP" altLang="en-US" dirty="0"/>
           </a:p>
@@ -4226,7 +4226,7 @@
             <a:fld id="{C89347AB-B18F-4EC7-9B2B-0B9F65F4923C}" type="datetime1">
               <a:rPr lang="ja-JP" altLang="en-US" smtClean="0"/>
               <a:pPr/>
-              <a:t>2019/2/27</a:t>
+              <a:t>2019/2/28</a:t>
             </a:fld>
             <a:endParaRPr lang="ja-JP" altLang="en-US" dirty="0"/>
           </a:p>
@@ -4566,7 +4566,7 @@
             <a:fld id="{F746CB98-8F1C-469F-A210-693DC87B2CEB}" type="datetime1">
               <a:rPr lang="ja-JP" altLang="en-US" smtClean="0"/>
               <a:pPr/>
-              <a:t>2019/2/27</a:t>
+              <a:t>2019/2/28</a:t>
             </a:fld>
             <a:endParaRPr lang="ja-JP" altLang="en-US" dirty="0"/>
           </a:p>
@@ -4864,7 +4864,7 @@
             <a:fld id="{4A88E3EC-CE02-4F26-BBD8-264DBE926D7A}" type="datetime1">
               <a:rPr lang="ja-JP" altLang="en-US" smtClean="0"/>
               <a:pPr/>
-              <a:t>2019/2/27</a:t>
+              <a:t>2019/2/28</a:t>
             </a:fld>
             <a:endParaRPr lang="ja-JP" altLang="en-US" dirty="0"/>
           </a:p>
@@ -5535,7 +5535,7 @@
             <a:fld id="{5F1C1D98-9737-459D-9F09-105F0595AFC8}" type="datetime1">
               <a:rPr lang="ja-JP" altLang="en-US" smtClean="0"/>
               <a:pPr/>
-              <a:t>2019/2/27</a:t>
+              <a:t>2019/2/28</a:t>
             </a:fld>
             <a:endParaRPr lang="ja-JP" altLang="en-US" dirty="0"/>
           </a:p>
@@ -6145,6 +6145,13 @@
       </p:transition>
     </mc:Fallback>
   </mc:AlternateContent>
+  <p:timing>
+    <p:tnLst>
+      <p:par>
+        <p:cTn id="1" dur="indefinite" restart="never" nodeType="tmRoot"/>
+      </p:par>
+    </p:tnLst>
+  </p:timing>
 </p:sld>
 </file>
 
@@ -6341,6 +6348,13 @@
       </p:transition>
     </mc:Fallback>
   </mc:AlternateContent>
+  <p:timing>
+    <p:tnLst>
+      <p:par>
+        <p:cTn id="1" dur="indefinite" restart="never" nodeType="tmRoot"/>
+      </p:par>
+    </p:tnLst>
+  </p:timing>
 </p:sld>
 </file>
 
@@ -6540,6 +6554,13 @@
       </p:transition>
     </mc:Fallback>
   </mc:AlternateContent>
+  <p:timing>
+    <p:tnLst>
+      <p:par>
+        <p:cTn id="1" dur="indefinite" restart="never" nodeType="tmRoot"/>
+      </p:par>
+    </p:tnLst>
+  </p:timing>
 </p:sld>
 </file>
 
@@ -6686,6 +6707,13 @@
       </p:transition>
     </mc:Fallback>
   </mc:AlternateContent>
+  <p:timing>
+    <p:tnLst>
+      <p:par>
+        <p:cTn id="1" dur="indefinite" restart="never" nodeType="tmRoot"/>
+      </p:par>
+    </p:tnLst>
+  </p:timing>
 </p:sld>
 </file>
 
@@ -6774,6 +6802,13 @@
       </p:transition>
     </mc:Fallback>
   </mc:AlternateContent>
+  <p:timing>
+    <p:tnLst>
+      <p:par>
+        <p:cTn id="1" dur="indefinite" restart="never" nodeType="tmRoot"/>
+      </p:par>
+    </p:tnLst>
+  </p:timing>
 </p:sld>
 </file>
 
@@ -7041,6 +7076,13 @@
       </p:transition>
     </mc:Fallback>
   </mc:AlternateContent>
+  <p:timing>
+    <p:tnLst>
+      <p:par>
+        <p:cTn id="1" dur="indefinite" restart="never" nodeType="tmRoot"/>
+      </p:par>
+    </p:tnLst>
+  </p:timing>
 </p:sld>
 </file>
 
@@ -7182,6 +7224,13 @@
       </p:transition>
     </mc:Fallback>
   </mc:AlternateContent>
+  <p:timing>
+    <p:tnLst>
+      <p:par>
+        <p:cTn id="1" dur="indefinite" restart="never" nodeType="tmRoot"/>
+      </p:par>
+    </p:tnLst>
+  </p:timing>
 </p:sld>
 </file>
 
@@ -7279,6 +7328,13 @@
       </p:transition>
     </mc:Fallback>
   </mc:AlternateContent>
+  <p:timing>
+    <p:tnLst>
+      <p:par>
+        <p:cTn id="1" dur="indefinite" restart="never" nodeType="tmRoot"/>
+      </p:par>
+    </p:tnLst>
+  </p:timing>
 </p:sld>
 </file>
 
@@ -7675,6 +7731,13 @@
       </p:transition>
     </mc:Fallback>
   </mc:AlternateContent>
+  <p:timing>
+    <p:tnLst>
+      <p:par>
+        <p:cTn id="1" dur="indefinite" restart="never" nodeType="tmRoot"/>
+      </p:par>
+    </p:tnLst>
+  </p:timing>
 </p:sld>
 </file>
 
@@ -8061,6 +8124,13 @@
       </p:transition>
     </mc:Fallback>
   </mc:AlternateContent>
+  <p:timing>
+    <p:tnLst>
+      <p:par>
+        <p:cTn id="1" dur="indefinite" restart="never" nodeType="tmRoot"/>
+      </p:par>
+    </p:tnLst>
+  </p:timing>
 </p:sld>
 </file>
 
@@ -8178,6 +8248,13 @@
       </p:transition>
     </mc:Fallback>
   </mc:AlternateContent>
+  <p:timing>
+    <p:tnLst>
+      <p:par>
+        <p:cTn id="1" dur="indefinite" restart="never" nodeType="tmRoot"/>
+      </p:par>
+    </p:tnLst>
+  </p:timing>
 </p:sld>
 </file>
 
@@ -8335,6 +8412,13 @@
       </p:transition>
     </mc:Fallback>
   </mc:AlternateContent>
+  <p:timing>
+    <p:tnLst>
+      <p:par>
+        <p:cTn id="1" dur="indefinite" restart="never" nodeType="tmRoot"/>
+      </p:par>
+    </p:tnLst>
+  </p:timing>
 </p:sld>
 </file>
 
@@ -8503,12 +8587,17 @@
         </p:blipFill>
         <p:spPr>
           <a:xfrm>
-            <a:off x="1701924" y="3429000"/>
+            <a:off x="1701924" y="3501008"/>
             <a:ext cx="10115229" cy="1224136"/>
           </a:xfrm>
           <a:prstGeom prst="rect">
             <a:avLst/>
           </a:prstGeom>
+          <a:ln>
+            <a:solidFill>
+              <a:schemeClr val="tx1"/>
+            </a:solidFill>
+          </a:ln>
         </p:spPr>
       </p:pic>
     </p:spTree>
@@ -8533,6 +8622,13 @@
       </p:transition>
     </mc:Fallback>
   </mc:AlternateContent>
+  <p:timing>
+    <p:tnLst>
+      <p:par>
+        <p:cTn id="1" dur="indefinite" restart="never" nodeType="tmRoot"/>
+      </p:par>
+    </p:tnLst>
+  </p:timing>
 </p:sld>
 </file>
 
@@ -8680,16 +8776,48 @@
           <a:p>
             <a:pPr lvl="1"/>
             <a:r>
-              <a:rPr lang="en-US" altLang="ja-JP" dirty="0" err="1"/>
-              <a:t>DevTool</a:t>
-            </a:r>
-            <a:r>
-              <a:rPr lang="en-US" altLang="ja-JP" dirty="0"/>
+              <a:rPr lang="en-US" altLang="ja-JP" dirty="0" err="1" smtClean="0"/>
+              <a:t>DevTools</a:t>
+            </a:r>
+            <a:r>
+              <a:rPr lang="en-US" altLang="ja-JP" dirty="0" smtClean="0"/>
               <a:t> </a:t>
             </a:r>
             <a:r>
               <a:rPr lang="ja-JP" altLang="en-US" dirty="0"/>
-              <a:t>の拡張は使える</a:t>
+              <a:t>の拡張は</a:t>
+            </a:r>
+            <a:r>
+              <a:rPr lang="ja-JP" altLang="en-US" dirty="0" smtClean="0"/>
+              <a:t>使える </a:t>
+            </a:r>
+            <a:r>
+              <a:rPr lang="en-US" altLang="ja-JP" dirty="0" smtClean="0"/>
+              <a:t>(</a:t>
+            </a:r>
+            <a:r>
+              <a:rPr lang="en-US" altLang="ja-JP" dirty="0" err="1" smtClean="0"/>
+              <a:t>Vue</a:t>
+            </a:r>
+            <a:r>
+              <a:rPr lang="en-US" altLang="ja-JP" dirty="0" smtClean="0"/>
+              <a:t> </a:t>
+            </a:r>
+            <a:r>
+              <a:rPr lang="en-US" altLang="ja-JP" dirty="0" err="1" smtClean="0"/>
+              <a:t>Devtools</a:t>
+            </a:r>
+            <a:r>
+              <a:rPr lang="en-US" altLang="ja-JP" dirty="0" smtClean="0"/>
+              <a:t> </a:t>
+            </a:r>
+            <a:r>
+              <a:rPr lang="ja-JP" altLang="en-US" dirty="0" smtClean="0"/>
+              <a:t>など</a:t>
+            </a:r>
+            <a:r>
+              <a:rPr lang="en-US" altLang="ja-JP" dirty="0" smtClean="0"/>
+              <a:t>)</a:t>
             </a:r>
             <a:endParaRPr lang="en-US" altLang="ja-JP" dirty="0"/>
           </a:p>
@@ -8748,6 +8876,13 @@
       </p:transition>
     </mc:Fallback>
   </mc:AlternateContent>
+  <p:timing>
+    <p:tnLst>
+      <p:par>
+        <p:cTn id="1" dur="indefinite" restart="never" nodeType="tmRoot"/>
+      </p:par>
+    </p:tnLst>
+  </p:timing>
 </p:sld>
 </file>
 
@@ -8831,6 +8966,13 @@
       </p:transition>
     </mc:Fallback>
   </mc:AlternateContent>
+  <p:timing>
+    <p:tnLst>
+      <p:par>
+        <p:cTn id="1" dur="indefinite" restart="never" nodeType="tmRoot"/>
+      </p:par>
+    </p:tnLst>
+  </p:timing>
 </p:sld>
 </file>
 
@@ -9056,6 +9198,13 @@
       </p:transition>
     </mc:Fallback>
   </mc:AlternateContent>
+  <p:timing>
+    <p:tnLst>
+      <p:par>
+        <p:cTn id="1" dur="indefinite" restart="never" nodeType="tmRoot"/>
+      </p:par>
+    </p:tnLst>
+  </p:timing>
 </p:sld>
 </file>
 
@@ -9963,6 +10112,13 @@
       </p:transition>
     </mc:Fallback>
   </mc:AlternateContent>
+  <p:timing>
+    <p:tnLst>
+      <p:par>
+        <p:cTn id="1" dur="indefinite" restart="never" nodeType="tmRoot"/>
+      </p:par>
+    </p:tnLst>
+  </p:timing>
 </p:sld>
 </file>
 
@@ -10144,6 +10300,13 @@
       </p:transition>
     </mc:Fallback>
   </mc:AlternateContent>
+  <p:timing>
+    <p:tnLst>
+      <p:par>
+        <p:cTn id="1" dur="indefinite" restart="never" nodeType="tmRoot"/>
+      </p:par>
+    </p:tnLst>
+  </p:timing>
 </p:sld>
 </file>
 
@@ -11074,6 +11237,10 @@
               <a:rPr lang="ja-JP" altLang="en-US" dirty="0"/>
               <a:t>で管理</a:t>
             </a:r>
+            <a:r>
+              <a:rPr lang="en-US" altLang="ja-JP" dirty="0"/>
+              <a:t/>
+            </a:r>
             <a:br>
               <a:rPr lang="en-US" altLang="ja-JP" dirty="0"/>
             </a:br>
@@ -11089,53 +11256,45 @@
           </a:p>
           <a:p>
             <a:r>
+              <a:rPr kumimoji="1" lang="en-US" altLang="ja-JP" dirty="0" smtClean="0"/>
+              <a:t>Electron </a:t>
+            </a:r>
+            <a:r>
+              <a:rPr kumimoji="1" lang="ja-JP" altLang="en-US" dirty="0" smtClean="0"/>
+              <a:t>メニュー</a:t>
+            </a:r>
+            <a:r>
               <a:rPr kumimoji="1" lang="ja-JP" altLang="en-US" dirty="0"/>
-              <a:t>メニューに対応させようとかすると、独自実装が増えそう</a:t>
+              <a:t>に対応させようとかする</a:t>
+            </a:r>
+            <a:r>
+              <a:rPr kumimoji="1" lang="ja-JP" altLang="en-US" dirty="0" smtClean="0"/>
+              <a:t>と独自実装が</a:t>
             </a:r>
             <a:endParaRPr kumimoji="1" lang="en-US" altLang="ja-JP" dirty="0"/>
           </a:p>
           <a:p>
             <a:r>
-              <a:rPr kumimoji="1" lang="ja-JP" altLang="en-US" dirty="0"/>
-              <a:t>独自実装を </a:t>
-            </a:r>
-            <a:r>
-              <a:rPr kumimoji="1" lang="en-US" altLang="ja-JP" dirty="0"/>
-              <a:t>Main Process </a:t>
-            </a:r>
-            <a:r>
-              <a:rPr kumimoji="1" lang="ja-JP" altLang="en-US" dirty="0"/>
-              <a:t>側に分離可能か</a:t>
+              <a:rPr lang="en-US" altLang="ja-JP" dirty="0" smtClean="0"/>
+              <a:t>Renderer </a:t>
+            </a:r>
+            <a:r>
+              <a:rPr lang="ja-JP" altLang="en-US" dirty="0"/>
+              <a:t>と アセットの</a:t>
+            </a:r>
+            <a:r>
+              <a:rPr lang="ja-JP" altLang="en-US" dirty="0" smtClean="0"/>
+              <a:t>連携部分どうする？</a:t>
+            </a:r>
+            <a:endParaRPr lang="en-US" altLang="ja-JP" dirty="0" smtClean="0"/>
+          </a:p>
+          <a:p>
+            <a:pPr lvl="1"/>
+            <a:r>
+              <a:rPr lang="ja-JP" altLang="en-US" dirty="0" smtClean="0"/>
+              <a:t>ルートコンポーネントを別途用意して分離？</a:t>
             </a:r>
             <a:endParaRPr lang="en-US" altLang="ja-JP" dirty="0"/>
-          </a:p>
-          <a:p>
-            <a:r>
-              <a:rPr lang="en-US" altLang="ja-JP" dirty="0"/>
-              <a:t>Renderer </a:t>
-            </a:r>
-            <a:r>
-              <a:rPr lang="ja-JP" altLang="en-US" dirty="0"/>
-              <a:t>と アセットの連携可能か</a:t>
-            </a:r>
-            <a:endParaRPr lang="en-US" altLang="ja-JP" dirty="0"/>
-          </a:p>
-          <a:p>
-            <a:r>
-              <a:rPr kumimoji="1" lang="en-US" altLang="ja-JP" dirty="0"/>
-              <a:t>Slack </a:t>
-            </a:r>
-            <a:r>
-              <a:rPr kumimoji="1" lang="ja-JP" altLang="en-US" dirty="0"/>
-              <a:t>とかどうしてるかな？？</a:t>
-            </a:r>
-            <a:endParaRPr kumimoji="1" lang="en-US" altLang="ja-JP" dirty="0"/>
-          </a:p>
-          <a:p>
-            <a:endParaRPr kumimoji="1" lang="en-US" altLang="ja-JP" dirty="0"/>
-          </a:p>
-          <a:p>
-            <a:endParaRPr kumimoji="1" lang="ja-JP" altLang="en-US" dirty="0"/>
           </a:p>
         </p:txBody>
       </p:sp>
@@ -11153,7 +11312,7 @@
         </p:nvSpPr>
         <p:spPr>
           <a:xfrm>
-            <a:off x="9910836" y="1542564"/>
+            <a:off x="9994519" y="1498600"/>
             <a:ext cx="1338828" cy="892552"/>
           </a:xfrm>
           <a:prstGeom prst="rect">
@@ -11186,6 +11345,10 @@
             <a:r>
               <a:rPr lang="en-US" altLang="ja-JP" dirty="0"/>
               <a:t>) </a:t>
+            </a:r>
+            <a:r>
+              <a:rPr lang="ja-JP" altLang="en-US" sz="2800" dirty="0"/>
+              <a:t/>
             </a:r>
             <a:br>
               <a:rPr lang="ja-JP" altLang="en-US" sz="2800" dirty="0"/>
@@ -11216,7 +11379,7 @@
         </p:nvSpPr>
         <p:spPr>
           <a:xfrm>
-            <a:off x="9853368" y="3617168"/>
+            <a:off x="10070318" y="3486657"/>
             <a:ext cx="1407758" cy="892552"/>
           </a:xfrm>
           <a:prstGeom prst="rect">
@@ -11249,6 +11412,10 @@
             <a:r>
               <a:rPr lang="en-US" altLang="ja-JP" dirty="0"/>
               <a:t>) </a:t>
+            </a:r>
+            <a:r>
+              <a:rPr lang="ja-JP" altLang="en-US" sz="2800" dirty="0"/>
+              <a:t/>
             </a:r>
             <a:br>
               <a:rPr lang="ja-JP" altLang="en-US" sz="2800" dirty="0"/>
@@ -11279,7 +11446,7 @@
         </p:nvSpPr>
         <p:spPr>
           <a:xfrm>
-            <a:off x="9720079" y="5350517"/>
+            <a:off x="9939921" y="4856140"/>
             <a:ext cx="1598515" cy="830997"/>
           </a:xfrm>
           <a:prstGeom prst="rect">
@@ -11312,6 +11479,10 @@
             <a:r>
               <a:rPr lang="en-US" altLang="ja-JP" dirty="0"/>
               <a:t>`)</a:t>
+            </a:r>
+            <a:r>
+              <a:rPr lang="ja-JP" altLang="en-US" sz="2800" dirty="0"/>
+              <a:t/>
             </a:r>
             <a:br>
               <a:rPr lang="ja-JP" altLang="en-US" sz="2800" dirty="0"/>
@@ -11428,7 +11599,7 @@
                             </p:stCondLst>
                             <p:childTnLst>
                               <p:par>
-                                <p:cTn id="10" presetID="53" presetClass="entr" presetSubtype="16" fill="hold" grpId="0" nodeType="clickEffect">
+                                <p:cTn id="10" presetID="10" presetClass="entr" presetSubtype="0" fill="hold" grpId="0" nodeType="clickEffect">
                                   <p:stCondLst>
                                     <p:cond delay="0"/>
                                   </p:stCondLst>
@@ -11451,55 +11622,9 @@
                                         <p:strVal val="visible"/>
                                       </p:to>
                                     </p:set>
-                                    <p:anim calcmode="lin" valueType="num">
-                                      <p:cBhvr>
-                                        <p:cTn id="12" dur="500" fill="hold"/>
-                                        <p:tgtEl>
-                                          <p:spTgt spid="6"/>
-                                        </p:tgtEl>
-                                        <p:attrNameLst>
-                                          <p:attrName>ppt_w</p:attrName>
-                                        </p:attrNameLst>
-                                      </p:cBhvr>
-                                      <p:tavLst>
-                                        <p:tav tm="0">
-                                          <p:val>
-                                            <p:fltVal val="0"/>
-                                          </p:val>
-                                        </p:tav>
-                                        <p:tav tm="100000">
-                                          <p:val>
-                                            <p:strVal val="#ppt_w"/>
-                                          </p:val>
-                                        </p:tav>
-                                      </p:tavLst>
-                                    </p:anim>
-                                    <p:anim calcmode="lin" valueType="num">
-                                      <p:cBhvr>
-                                        <p:cTn id="13" dur="500" fill="hold"/>
-                                        <p:tgtEl>
-                                          <p:spTgt spid="6"/>
-                                        </p:tgtEl>
-                                        <p:attrNameLst>
-                                          <p:attrName>ppt_h</p:attrName>
-                                        </p:attrNameLst>
-                                      </p:cBhvr>
-                                      <p:tavLst>
-                                        <p:tav tm="0">
-                                          <p:val>
-                                            <p:fltVal val="0"/>
-                                          </p:val>
-                                        </p:tav>
-                                        <p:tav tm="100000">
-                                          <p:val>
-                                            <p:strVal val="#ppt_h"/>
-                                          </p:val>
-                                        </p:tav>
-                                      </p:tavLst>
-                                    </p:anim>
                                     <p:animEffect transition="in" filter="fade">
                                       <p:cBhvr>
-                                        <p:cTn id="14" dur="500"/>
+                                        <p:cTn id="12" dur="500"/>
                                         <p:tgtEl>
                                           <p:spTgt spid="6"/>
                                         </p:tgtEl>
@@ -11515,26 +11640,26 @@
                     </p:cTn>
                   </p:par>
                   <p:par>
-                    <p:cTn id="15" fill="hold">
+                    <p:cTn id="13" fill="hold">
                       <p:stCondLst>
                         <p:cond delay="indefinite"/>
                       </p:stCondLst>
                       <p:childTnLst>
                         <p:par>
-                          <p:cTn id="16" fill="hold">
+                          <p:cTn id="14" fill="hold">
                             <p:stCondLst>
                               <p:cond delay="0"/>
                             </p:stCondLst>
                             <p:childTnLst>
                               <p:par>
-                                <p:cTn id="17" presetID="22" presetClass="entr" presetSubtype="8" fill="hold" nodeType="clickEffect">
+                                <p:cTn id="15" presetID="22" presetClass="entr" presetSubtype="8" fill="hold" nodeType="clickEffect">
                                   <p:stCondLst>
                                     <p:cond delay="0"/>
                                   </p:stCondLst>
                                   <p:childTnLst>
                                     <p:set>
                                       <p:cBhvr>
-                                        <p:cTn id="18" dur="1" fill="hold">
+                                        <p:cTn id="16" dur="1" fill="hold">
                                           <p:stCondLst>
                                             <p:cond delay="0"/>
                                           </p:stCondLst>
@@ -11556,7 +11681,7 @@
                                     </p:set>
                                     <p:animEffect transition="in" filter="wipe(left)">
                                       <p:cBhvr>
-                                        <p:cTn id="19" dur="500"/>
+                                        <p:cTn id="17" dur="500"/>
                                         <p:tgtEl>
                                           <p:spTgt spid="3">
                                             <p:txEl>
@@ -11576,26 +11701,70 @@
                     </p:cTn>
                   </p:par>
                   <p:par>
-                    <p:cTn id="20" fill="hold">
+                    <p:cTn id="18" fill="hold">
                       <p:stCondLst>
                         <p:cond delay="indefinite"/>
                       </p:stCondLst>
                       <p:childTnLst>
                         <p:par>
-                          <p:cTn id="21" fill="hold">
+                          <p:cTn id="19" fill="hold">
                             <p:stCondLst>
                               <p:cond delay="0"/>
                             </p:stCondLst>
                             <p:childTnLst>
                               <p:par>
-                                <p:cTn id="22" presetID="22" presetClass="entr" presetSubtype="8" fill="hold" nodeType="clickEffect">
+                                <p:cTn id="20" presetID="26" presetClass="emph" presetSubtype="0" fill="hold" grpId="1" nodeType="clickEffect">
+                                  <p:stCondLst>
+                                    <p:cond delay="0"/>
+                                  </p:stCondLst>
+                                  <p:childTnLst>
+                                    <p:animEffect transition="out" filter="fade">
+                                      <p:cBhvr>
+                                        <p:cTn id="21" dur="500" tmFilter="0, 0; .2, .5; .8, .5; 1, 0"/>
+                                        <p:tgtEl>
+                                          <p:spTgt spid="6"/>
+                                        </p:tgtEl>
+                                      </p:cBhvr>
+                                    </p:animEffect>
+                                    <p:animScale>
+                                      <p:cBhvr>
+                                        <p:cTn id="22" dur="250" autoRev="1" fill="hold"/>
+                                        <p:tgtEl>
+                                          <p:spTgt spid="6"/>
+                                        </p:tgtEl>
+                                      </p:cBhvr>
+                                      <p:by x="105000" y="105000"/>
+                                    </p:animScale>
+                                  </p:childTnLst>
+                                </p:cTn>
+                              </p:par>
+                            </p:childTnLst>
+                          </p:cTn>
+                        </p:par>
+                      </p:childTnLst>
+                    </p:cTn>
+                  </p:par>
+                  <p:par>
+                    <p:cTn id="23" fill="hold">
+                      <p:stCondLst>
+                        <p:cond delay="indefinite"/>
+                      </p:stCondLst>
+                      <p:childTnLst>
+                        <p:par>
+                          <p:cTn id="24" fill="hold">
+                            <p:stCondLst>
+                              <p:cond delay="0"/>
+                            </p:stCondLst>
+                            <p:childTnLst>
+                              <p:par>
+                                <p:cTn id="25" presetID="22" presetClass="entr" presetSubtype="8" fill="hold" nodeType="clickEffect">
                                   <p:stCondLst>
                                     <p:cond delay="0"/>
                                   </p:stCondLst>
                                   <p:childTnLst>
                                     <p:set>
                                       <p:cBhvr>
-                                        <p:cTn id="23" dur="1" fill="hold">
+                                        <p:cTn id="26" dur="1" fill="hold">
                                           <p:stCondLst>
                                             <p:cond delay="0"/>
                                           </p:stCondLst>
@@ -11617,7 +11786,7 @@
                                     </p:set>
                                     <p:animEffect transition="in" filter="wipe(left)">
                                       <p:cBhvr>
-                                        <p:cTn id="24" dur="500"/>
+                                        <p:cTn id="27" dur="500"/>
                                         <p:tgtEl>
                                           <p:spTgt spid="3">
                                             <p:txEl>
@@ -11637,26 +11806,26 @@
                     </p:cTn>
                   </p:par>
                   <p:par>
-                    <p:cTn id="25" fill="hold">
+                    <p:cTn id="28" fill="hold">
                       <p:stCondLst>
                         <p:cond delay="indefinite"/>
                       </p:stCondLst>
                       <p:childTnLst>
                         <p:par>
-                          <p:cTn id="26" fill="hold">
+                          <p:cTn id="29" fill="hold">
                             <p:stCondLst>
                               <p:cond delay="0"/>
                             </p:stCondLst>
                             <p:childTnLst>
                               <p:par>
-                                <p:cTn id="27" presetID="53" presetClass="entr" presetSubtype="16" fill="hold" grpId="0" nodeType="clickEffect">
+                                <p:cTn id="30" presetID="10" presetClass="entr" presetSubtype="0" fill="hold" grpId="0" nodeType="clickEffect">
                                   <p:stCondLst>
                                     <p:cond delay="0"/>
                                   </p:stCondLst>
                                   <p:childTnLst>
                                     <p:set>
                                       <p:cBhvr>
-                                        <p:cTn id="28" dur="1" fill="hold">
+                                        <p:cTn id="31" dur="1" fill="hold">
                                           <p:stCondLst>
                                             <p:cond delay="0"/>
                                           </p:stCondLst>
@@ -11672,55 +11841,9 @@
                                         <p:strVal val="visible"/>
                                       </p:to>
                                     </p:set>
-                                    <p:anim calcmode="lin" valueType="num">
-                                      <p:cBhvr>
-                                        <p:cTn id="29" dur="500" fill="hold"/>
-                                        <p:tgtEl>
-                                          <p:spTgt spid="5"/>
-                                        </p:tgtEl>
-                                        <p:attrNameLst>
-                                          <p:attrName>ppt_w</p:attrName>
-                                        </p:attrNameLst>
-                                      </p:cBhvr>
-                                      <p:tavLst>
-                                        <p:tav tm="0">
-                                          <p:val>
-                                            <p:fltVal val="0"/>
-                                          </p:val>
-                                        </p:tav>
-                                        <p:tav tm="100000">
-                                          <p:val>
-                                            <p:strVal val="#ppt_w"/>
-                                          </p:val>
-                                        </p:tav>
-                                      </p:tavLst>
-                                    </p:anim>
-                                    <p:anim calcmode="lin" valueType="num">
-                                      <p:cBhvr>
-                                        <p:cTn id="30" dur="500" fill="hold"/>
-                                        <p:tgtEl>
-                                          <p:spTgt spid="5"/>
-                                        </p:tgtEl>
-                                        <p:attrNameLst>
-                                          <p:attrName>ppt_h</p:attrName>
-                                        </p:attrNameLst>
-                                      </p:cBhvr>
-                                      <p:tavLst>
-                                        <p:tav tm="0">
-                                          <p:val>
-                                            <p:fltVal val="0"/>
-                                          </p:val>
-                                        </p:tav>
-                                        <p:tav tm="100000">
-                                          <p:val>
-                                            <p:strVal val="#ppt_h"/>
-                                          </p:val>
-                                        </p:tav>
-                                      </p:tavLst>
-                                    </p:anim>
                                     <p:animEffect transition="in" filter="fade">
                                       <p:cBhvr>
-                                        <p:cTn id="31" dur="500"/>
+                                        <p:cTn id="32" dur="500"/>
                                         <p:tgtEl>
                                           <p:spTgt spid="5"/>
                                         </p:tgtEl>
@@ -11736,26 +11859,26 @@
                     </p:cTn>
                   </p:par>
                   <p:par>
-                    <p:cTn id="32" fill="hold">
+                    <p:cTn id="33" fill="hold">
                       <p:stCondLst>
                         <p:cond delay="indefinite"/>
                       </p:stCondLst>
                       <p:childTnLst>
                         <p:par>
-                          <p:cTn id="33" fill="hold">
+                          <p:cTn id="34" fill="hold">
                             <p:stCondLst>
                               <p:cond delay="0"/>
                             </p:stCondLst>
                             <p:childTnLst>
                               <p:par>
-                                <p:cTn id="34" presetID="22" presetClass="entr" presetSubtype="8" fill="hold" nodeType="clickEffect">
+                                <p:cTn id="35" presetID="22" presetClass="entr" presetSubtype="8" fill="hold" nodeType="clickEffect">
                                   <p:stCondLst>
                                     <p:cond delay="0"/>
                                   </p:stCondLst>
                                   <p:childTnLst>
                                     <p:set>
                                       <p:cBhvr>
-                                        <p:cTn id="35" dur="1" fill="hold">
+                                        <p:cTn id="36" dur="1" fill="hold">
                                           <p:stCondLst>
                                             <p:cond delay="0"/>
                                           </p:stCondLst>
@@ -11777,7 +11900,7 @@
                                     </p:set>
                                     <p:animEffect transition="in" filter="wipe(left)">
                                       <p:cBhvr>
-                                        <p:cTn id="36" dur="500"/>
+                                        <p:cTn id="37" dur="500"/>
                                         <p:tgtEl>
                                           <p:spTgt spid="3">
                                             <p:txEl>
@@ -11797,26 +11920,26 @@
                     </p:cTn>
                   </p:par>
                   <p:par>
-                    <p:cTn id="37" fill="hold">
+                    <p:cTn id="38" fill="hold">
                       <p:stCondLst>
                         <p:cond delay="indefinite"/>
                       </p:stCondLst>
                       <p:childTnLst>
                         <p:par>
-                          <p:cTn id="38" fill="hold">
+                          <p:cTn id="39" fill="hold">
                             <p:stCondLst>
                               <p:cond delay="0"/>
                             </p:stCondLst>
                             <p:childTnLst>
                               <p:par>
-                                <p:cTn id="39" presetID="22" presetClass="entr" presetSubtype="8" fill="hold" nodeType="clickEffect">
+                                <p:cTn id="40" presetID="22" presetClass="entr" presetSubtype="8" fill="hold" nodeType="clickEffect">
                                   <p:stCondLst>
                                     <p:cond delay="0"/>
                                   </p:stCondLst>
                                   <p:childTnLst>
                                     <p:set>
                                       <p:cBhvr>
-                                        <p:cTn id="40" dur="1" fill="hold">
+                                        <p:cTn id="41" dur="1" fill="hold">
                                           <p:stCondLst>
                                             <p:cond delay="0"/>
                                           </p:stCondLst>
@@ -11838,7 +11961,7 @@
                                     </p:set>
                                     <p:animEffect transition="in" filter="wipe(left)">
                                       <p:cBhvr>
-                                        <p:cTn id="41" dur="500"/>
+                                        <p:cTn id="42" dur="500"/>
                                         <p:tgtEl>
                                           <p:spTgt spid="3">
                                             <p:txEl>
@@ -11858,87 +11981,26 @@
                     </p:cTn>
                   </p:par>
                   <p:par>
-                    <p:cTn id="42" fill="hold">
+                    <p:cTn id="43" fill="hold">
                       <p:stCondLst>
                         <p:cond delay="indefinite"/>
                       </p:stCondLst>
                       <p:childTnLst>
                         <p:par>
-                          <p:cTn id="43" fill="hold">
+                          <p:cTn id="44" fill="hold">
                             <p:stCondLst>
                               <p:cond delay="0"/>
                             </p:stCondLst>
                             <p:childTnLst>
                               <p:par>
-                                <p:cTn id="44" presetID="22" presetClass="entr" presetSubtype="8" fill="hold" nodeType="clickEffect">
+                                <p:cTn id="45" presetID="10" presetClass="entr" presetSubtype="0" fill="hold" grpId="0" nodeType="clickEffect">
                                   <p:stCondLst>
                                     <p:cond delay="0"/>
                                   </p:stCondLst>
                                   <p:childTnLst>
                                     <p:set>
                                       <p:cBhvr>
-                                        <p:cTn id="45" dur="1" fill="hold">
-                                          <p:stCondLst>
-                                            <p:cond delay="0"/>
-                                          </p:stCondLst>
-                                        </p:cTn>
-                                        <p:tgtEl>
-                                          <p:spTgt spid="3">
-                                            <p:txEl>
-                                              <p:pRg st="6" end="6"/>
-                                            </p:txEl>
-                                          </p:spTgt>
-                                        </p:tgtEl>
-                                        <p:attrNameLst>
-                                          <p:attrName>style.visibility</p:attrName>
-                                        </p:attrNameLst>
-                                      </p:cBhvr>
-                                      <p:to>
-                                        <p:strVal val="visible"/>
-                                      </p:to>
-                                    </p:set>
-                                    <p:animEffect transition="in" filter="wipe(left)">
-                                      <p:cBhvr>
-                                        <p:cTn id="46" dur="500"/>
-                                        <p:tgtEl>
-                                          <p:spTgt spid="3">
-                                            <p:txEl>
-                                              <p:pRg st="6" end="6"/>
-                                            </p:txEl>
-                                          </p:spTgt>
-                                        </p:tgtEl>
-                                      </p:cBhvr>
-                                    </p:animEffect>
-                                  </p:childTnLst>
-                                </p:cTn>
-                              </p:par>
-                            </p:childTnLst>
-                          </p:cTn>
-                        </p:par>
-                      </p:childTnLst>
-                    </p:cTn>
-                  </p:par>
-                  <p:par>
-                    <p:cTn id="47" fill="hold">
-                      <p:stCondLst>
-                        <p:cond delay="indefinite"/>
-                      </p:stCondLst>
-                      <p:childTnLst>
-                        <p:par>
-                          <p:cTn id="48" fill="hold">
-                            <p:stCondLst>
-                              <p:cond delay="0"/>
-                            </p:stCondLst>
-                            <p:childTnLst>
-                              <p:par>
-                                <p:cTn id="49" presetID="53" presetClass="entr" presetSubtype="16" fill="hold" grpId="0" nodeType="clickEffect">
-                                  <p:stCondLst>
-                                    <p:cond delay="0"/>
-                                  </p:stCondLst>
-                                  <p:childTnLst>
-                                    <p:set>
-                                      <p:cBhvr>
-                                        <p:cTn id="50" dur="1" fill="hold">
+                                        <p:cTn id="46" dur="1" fill="hold">
                                           <p:stCondLst>
                                             <p:cond delay="0"/>
                                           </p:stCondLst>
@@ -11954,60 +12016,107 @@
                                         <p:strVal val="visible"/>
                                       </p:to>
                                     </p:set>
-                                    <p:anim calcmode="lin" valueType="num">
-                                      <p:cBhvr>
-                                        <p:cTn id="51" dur="500" fill="hold"/>
-                                        <p:tgtEl>
-                                          <p:spTgt spid="7"/>
-                                        </p:tgtEl>
-                                        <p:attrNameLst>
-                                          <p:attrName>ppt_w</p:attrName>
-                                        </p:attrNameLst>
-                                      </p:cBhvr>
-                                      <p:tavLst>
-                                        <p:tav tm="0">
-                                          <p:val>
-                                            <p:fltVal val="0"/>
-                                          </p:val>
-                                        </p:tav>
-                                        <p:tav tm="100000">
-                                          <p:val>
-                                            <p:strVal val="#ppt_w"/>
-                                          </p:val>
-                                        </p:tav>
-                                      </p:tavLst>
-                                    </p:anim>
-                                    <p:anim calcmode="lin" valueType="num">
-                                      <p:cBhvr>
-                                        <p:cTn id="52" dur="500" fill="hold"/>
-                                        <p:tgtEl>
-                                          <p:spTgt spid="7"/>
-                                        </p:tgtEl>
-                                        <p:attrNameLst>
-                                          <p:attrName>ppt_h</p:attrName>
-                                        </p:attrNameLst>
-                                      </p:cBhvr>
-                                      <p:tavLst>
-                                        <p:tav tm="0">
-                                          <p:val>
-                                            <p:fltVal val="0"/>
-                                          </p:val>
-                                        </p:tav>
-                                        <p:tav tm="100000">
-                                          <p:val>
-                                            <p:strVal val="#ppt_h"/>
-                                          </p:val>
-                                        </p:tav>
-                                      </p:tavLst>
-                                    </p:anim>
                                     <p:animEffect transition="in" filter="fade">
                                       <p:cBhvr>
-                                        <p:cTn id="53" dur="500"/>
+                                        <p:cTn id="47" dur="500"/>
                                         <p:tgtEl>
                                           <p:spTgt spid="7"/>
                                         </p:tgtEl>
                                       </p:cBhvr>
                                     </p:animEffect>
+                                  </p:childTnLst>
+                                </p:cTn>
+                              </p:par>
+                            </p:childTnLst>
+                          </p:cTn>
+                        </p:par>
+                        <p:par>
+                          <p:cTn id="48" fill="hold">
+                            <p:stCondLst>
+                              <p:cond delay="500"/>
+                            </p:stCondLst>
+                            <p:childTnLst>
+                              <p:par>
+                                <p:cTn id="49" presetID="32" presetClass="emph" presetSubtype="0" fill="hold" grpId="1" nodeType="afterEffect">
+                                  <p:stCondLst>
+                                    <p:cond delay="0"/>
+                                  </p:stCondLst>
+                                  <p:childTnLst>
+                                    <p:animRot by="120000">
+                                      <p:cBhvr>
+                                        <p:cTn id="50" dur="100" fill="hold">
+                                          <p:stCondLst>
+                                            <p:cond delay="0"/>
+                                          </p:stCondLst>
+                                        </p:cTn>
+                                        <p:tgtEl>
+                                          <p:spTgt spid="7"/>
+                                        </p:tgtEl>
+                                        <p:attrNameLst>
+                                          <p:attrName>r</p:attrName>
+                                        </p:attrNameLst>
+                                      </p:cBhvr>
+                                    </p:animRot>
+                                    <p:animRot by="-240000">
+                                      <p:cBhvr>
+                                        <p:cTn id="51" dur="200" fill="hold">
+                                          <p:stCondLst>
+                                            <p:cond delay="200"/>
+                                          </p:stCondLst>
+                                        </p:cTn>
+                                        <p:tgtEl>
+                                          <p:spTgt spid="7"/>
+                                        </p:tgtEl>
+                                        <p:attrNameLst>
+                                          <p:attrName>r</p:attrName>
+                                        </p:attrNameLst>
+                                      </p:cBhvr>
+                                    </p:animRot>
+                                    <p:animRot by="240000">
+                                      <p:cBhvr>
+                                        <p:cTn id="52" dur="200" fill="hold">
+                                          <p:stCondLst>
+                                            <p:cond delay="400"/>
+                                          </p:stCondLst>
+                                        </p:cTn>
+                                        <p:tgtEl>
+                                          <p:spTgt spid="7"/>
+                                        </p:tgtEl>
+                                        <p:attrNameLst>
+                                          <p:attrName>r</p:attrName>
+                                        </p:attrNameLst>
+                                      </p:cBhvr>
+                                    </p:animRot>
+                                    <p:animRot by="-240000">
+                                      <p:cBhvr>
+                                        <p:cTn id="53" dur="200" fill="hold">
+                                          <p:stCondLst>
+                                            <p:cond delay="600"/>
+                                          </p:stCondLst>
+                                        </p:cTn>
+                                        <p:tgtEl>
+                                          <p:spTgt spid="7"/>
+                                        </p:tgtEl>
+                                        <p:attrNameLst>
+                                          <p:attrName>r</p:attrName>
+                                        </p:attrNameLst>
+                                      </p:cBhvr>
+                                    </p:animRot>
+                                    <p:animRot by="120000">
+                                      <p:cBhvr>
+                                        <p:cTn id="54" dur="200" fill="hold">
+                                          <p:stCondLst>
+                                            <p:cond delay="800"/>
+                                          </p:stCondLst>
+                                        </p:cTn>
+                                        <p:tgtEl>
+                                          <p:spTgt spid="7"/>
+                                        </p:tgtEl>
+                                        <p:attrNameLst>
+                                          <p:attrName>r</p:attrName>
+                                        </p:attrNameLst>
+                                      </p:cBhvr>
+                                    </p:animRot>
                                   </p:childTnLst>
                                 </p:cTn>
                               </p:par>
@@ -12040,8 +12149,10 @@
     </p:tnLst>
     <p:bldLst>
       <p:bldP spid="6" grpId="0"/>
+      <p:bldP spid="6" grpId="1"/>
       <p:bldP spid="5" grpId="0"/>
       <p:bldP spid="7" grpId="0"/>
+      <p:bldP spid="7" grpId="1"/>
     </p:bldLst>
   </p:timing>
 </p:sld>
@@ -12104,43 +12215,27 @@
           <a:lstStyle/>
           <a:p>
             <a:r>
-              <a:rPr lang="en-US" altLang="ja-JP" dirty="0"/>
-              <a:t>Electron </a:t>
+              <a:rPr lang="en-US" altLang="ja-JP" dirty="0" smtClean="0"/>
+              <a:t>Electron</a:t>
             </a:r>
             <a:r>
               <a:rPr lang="ja-JP" altLang="en-US" dirty="0"/>
-              <a:t>用の </a:t>
-            </a:r>
-            <a:r>
-              <a:rPr lang="en-US" altLang="ja-JP" dirty="0" err="1"/>
-              <a:t>npm</a:t>
-            </a:r>
-            <a:r>
-              <a:rPr lang="en-US" altLang="ja-JP" dirty="0"/>
               <a:t> </a:t>
             </a:r>
             <a:r>
-              <a:rPr lang="ja-JP" altLang="en-US" dirty="0"/>
-              <a:t>パッケージ入れなくても本体機能でかなりいける</a:t>
+              <a:rPr lang="ja-JP" altLang="en-US" dirty="0" smtClean="0"/>
+              <a:t>かなり充実してきてる</a:t>
             </a:r>
             <a:endParaRPr lang="en-US" altLang="ja-JP" dirty="0"/>
           </a:p>
           <a:p>
             <a:r>
-              <a:rPr lang="en-US" altLang="ja-JP" dirty="0"/>
-              <a:t>React</a:t>
-            </a:r>
-            <a:r>
-              <a:rPr lang="ja-JP" altLang="en-US" dirty="0"/>
-              <a:t> や </a:t>
-            </a:r>
-            <a:r>
-              <a:rPr lang="en-US" altLang="ja-JP" dirty="0"/>
-              <a:t>Vue </a:t>
-            </a:r>
-            <a:r>
-              <a:rPr lang="ja-JP" altLang="en-US" dirty="0"/>
-              <a:t>などの知識も活きる</a:t>
+              <a:rPr lang="en-US" altLang="ja-JP" dirty="0" smtClean="0"/>
+              <a:t>PWA </a:t>
+            </a:r>
+            <a:r>
+              <a:rPr lang="ja-JP" altLang="en-US" dirty="0" smtClean="0"/>
+              <a:t>のツールチェインや知識も活かせる</a:t>
             </a:r>
             <a:endParaRPr lang="en-US" altLang="ja-JP" dirty="0"/>
           </a:p>
@@ -12240,6 +12335,13 @@
       </p:transition>
     </mc:Fallback>
   </mc:AlternateContent>
+  <p:timing>
+    <p:tnLst>
+      <p:par>
+        <p:cTn id="1" dur="indefinite" restart="never" nodeType="tmRoot"/>
+      </p:par>
+    </p:tnLst>
+  </p:timing>
 </p:sld>
 </file>
 
@@ -12416,6 +12518,13 @@
       </p:transition>
     </mc:Fallback>
   </mc:AlternateContent>
+  <p:timing>
+    <p:tnLst>
+      <p:par>
+        <p:cTn id="1" dur="indefinite" restart="never" nodeType="tmRoot"/>
+      </p:par>
+    </p:tnLst>
+  </p:timing>
 </p:sld>
 </file>
 
@@ -12815,6 +12924,10 @@
             <a:r>
               <a:rPr kumimoji="1" lang="ja-JP" altLang="en-US" dirty="0"/>
               <a:t>フレームワーク利用経験</a:t>
+            </a:r>
+            <a:r>
+              <a:rPr kumimoji="1" lang="en-US" altLang="ja-JP" dirty="0"/>
+              <a:t/>
             </a:r>
             <a:br>
               <a:rPr kumimoji="1" lang="en-US" altLang="ja-JP" dirty="0"/>
@@ -14316,6 +14429,13 @@
       </p:transition>
     </mc:Fallback>
   </mc:AlternateContent>
+  <p:timing>
+    <p:tnLst>
+      <p:par>
+        <p:cTn id="1" dur="indefinite" restart="never" nodeType="tmRoot"/>
+      </p:par>
+    </p:tnLst>
+  </p:timing>
 </p:sld>
 </file>
 
@@ -15607,6 +15727,13 @@
       </p:transition>
     </mc:Fallback>
   </mc:AlternateContent>
+  <p:timing>
+    <p:tnLst>
+      <p:par>
+        <p:cTn id="1" dur="indefinite" restart="never" nodeType="tmRoot"/>
+      </p:par>
+    </p:tnLst>
+  </p:timing>
 </p:sld>
 </file>
 
@@ -15924,64 +16051,6 @@
           </a:p>
         </p:txBody>
       </p:sp>
-      <p:pic>
-        <p:nvPicPr>
-          <p:cNvPr id="10" name="図 9"/>
-          <p:cNvPicPr>
-            <a:picLocks noChangeAspect="1"/>
-          </p:cNvPicPr>
-          <p:nvPr/>
-        </p:nvPicPr>
-        <p:blipFill>
-          <a:blip r:embed="rId2"/>
-          <a:stretch>
-            <a:fillRect/>
-          </a:stretch>
-        </p:blipFill>
-        <p:spPr>
-          <a:xfrm>
-            <a:off x="782170" y="4840701"/>
-            <a:ext cx="4010010" cy="1568654"/>
-          </a:xfrm>
-          <a:prstGeom prst="rect">
-            <a:avLst/>
-          </a:prstGeom>
-          <a:ln>
-            <a:solidFill>
-              <a:schemeClr val="tx1"/>
-            </a:solidFill>
-          </a:ln>
-        </p:spPr>
-      </p:pic>
-      <p:pic>
-        <p:nvPicPr>
-          <p:cNvPr id="11" name="図 10"/>
-          <p:cNvPicPr>
-            <a:picLocks noChangeAspect="1"/>
-          </p:cNvPicPr>
-          <p:nvPr/>
-        </p:nvPicPr>
-        <p:blipFill>
-          <a:blip r:embed="rId3"/>
-          <a:stretch>
-            <a:fillRect/>
-          </a:stretch>
-        </p:blipFill>
-        <p:spPr>
-          <a:xfrm>
-            <a:off x="6795760" y="4785345"/>
-            <a:ext cx="3463814" cy="859898"/>
-          </a:xfrm>
-          <a:prstGeom prst="rect">
-            <a:avLst/>
-          </a:prstGeom>
-          <a:ln>
-            <a:solidFill>
-              <a:schemeClr val="tx1"/>
-            </a:solidFill>
-          </a:ln>
-        </p:spPr>
-      </p:pic>
       <p:sp>
         <p:nvSpPr>
           <p:cNvPr id="12" name="テキスト ボックス 11"/>
@@ -15990,7 +16059,7 @@
         </p:nvSpPr>
         <p:spPr>
           <a:xfrm>
-            <a:off x="9705676" y="2989525"/>
+            <a:off x="9705676" y="2996952"/>
             <a:ext cx="2281910" cy="1200329"/>
           </a:xfrm>
           <a:prstGeom prst="rect">
@@ -16051,6 +16120,54 @@
           </a:p>
         </p:txBody>
       </p:sp>
+      <p:pic>
+        <p:nvPicPr>
+          <p:cNvPr id="13" name="図 12"/>
+          <p:cNvPicPr>
+            <a:picLocks noChangeAspect="1"/>
+          </p:cNvPicPr>
+          <p:nvPr/>
+        </p:nvPicPr>
+        <p:blipFill>
+          <a:blip r:embed="rId2"/>
+          <a:stretch>
+            <a:fillRect/>
+          </a:stretch>
+        </p:blipFill>
+        <p:spPr>
+          <a:xfrm>
+            <a:off x="179258" y="5390601"/>
+            <a:ext cx="5203940" cy="1276438"/>
+          </a:xfrm>
+          <a:prstGeom prst="rect">
+            <a:avLst/>
+          </a:prstGeom>
+        </p:spPr>
+      </p:pic>
+      <p:pic>
+        <p:nvPicPr>
+          <p:cNvPr id="14" name="図 13"/>
+          <p:cNvPicPr>
+            <a:picLocks noChangeAspect="1"/>
+          </p:cNvPicPr>
+          <p:nvPr/>
+        </p:nvPicPr>
+        <p:blipFill>
+          <a:blip r:embed="rId3"/>
+          <a:stretch>
+            <a:fillRect/>
+          </a:stretch>
+        </p:blipFill>
+        <p:spPr>
+          <a:xfrm>
+            <a:off x="6031270" y="5448632"/>
+            <a:ext cx="5974617" cy="1098472"/>
+          </a:xfrm>
+          <a:prstGeom prst="rect">
+            <a:avLst/>
+          </a:prstGeom>
+        </p:spPr>
+      </p:pic>
     </p:spTree>
     <p:extLst>
       <p:ext uri="{BB962C8B-B14F-4D97-AF65-F5344CB8AC3E}">
@@ -16359,7 +16476,7 @@
                             </p:stCondLst>
                             <p:childTnLst>
                               <p:par>
-                                <p:cTn id="30" presetID="22" presetClass="entr" presetSubtype="1" fill="hold" nodeType="clickEffect">
+                                <p:cTn id="30" presetID="22" presetClass="entr" presetSubtype="8" fill="hold" nodeType="clickEffect">
                                   <p:stCondLst>
                                     <p:cond delay="0"/>
                                   </p:stCondLst>
@@ -16372,7 +16489,7 @@
                                           </p:stCondLst>
                                         </p:cTn>
                                         <p:tgtEl>
-                                          <p:spTgt spid="10"/>
+                                          <p:spTgt spid="13"/>
                                         </p:tgtEl>
                                         <p:attrNameLst>
                                           <p:attrName>style.visibility</p:attrName>
@@ -16382,11 +16499,11 @@
                                         <p:strVal val="visible"/>
                                       </p:to>
                                     </p:set>
-                                    <p:animEffect transition="in" filter="wipe(up)">
+                                    <p:animEffect transition="in" filter="wipe(left)">
                                       <p:cBhvr>
                                         <p:cTn id="32" dur="500"/>
                                         <p:tgtEl>
-                                          <p:spTgt spid="10"/>
+                                          <p:spTgt spid="13"/>
                                         </p:tgtEl>
                                       </p:cBhvr>
                                     </p:animEffect>
@@ -16412,7 +16529,7 @@
                             </p:stCondLst>
                             <p:childTnLst>
                               <p:par>
-                                <p:cTn id="35" presetID="22" presetClass="entr" presetSubtype="1" fill="hold" nodeType="clickEffect">
+                                <p:cTn id="35" presetID="22" presetClass="entr" presetSubtype="8" fill="hold" nodeType="clickEffect">
                                   <p:stCondLst>
                                     <p:cond delay="0"/>
                                   </p:stCondLst>
@@ -16425,7 +16542,7 @@
                                           </p:stCondLst>
                                         </p:cTn>
                                         <p:tgtEl>
-                                          <p:spTgt spid="11"/>
+                                          <p:spTgt spid="14"/>
                                         </p:tgtEl>
                                         <p:attrNameLst>
                                           <p:attrName>style.visibility</p:attrName>
@@ -16435,11 +16552,11 @@
                                         <p:strVal val="visible"/>
                                       </p:to>
                                     </p:set>
-                                    <p:animEffect transition="in" filter="wipe(up)">
+                                    <p:animEffect transition="in" filter="wipe(left)">
                                       <p:cBhvr>
                                         <p:cTn id="37" dur="500"/>
                                         <p:tgtEl>
-                                          <p:spTgt spid="11"/>
+                                          <p:spTgt spid="14"/>
                                         </p:tgtEl>
                                       </p:cBhvr>
                                     </p:animEffect>
@@ -16665,8 +16782,8 @@
               <a:t> </a:t>
             </a:r>
             <a:r>
-              <a:rPr lang="ja-JP" altLang="en-US" dirty="0"/>
-              <a:t>などが対応</a:t>
+              <a:rPr lang="ja-JP" altLang="en-US" dirty="0" smtClean="0"/>
+              <a:t>など対応サイト増加</a:t>
             </a:r>
             <a:endParaRPr lang="en-US" altLang="ja-JP" dirty="0"/>
           </a:p>
@@ -16712,7 +16829,7 @@
           <p:nvPr>
             <p:extLst>
               <p:ext uri="{D42A27DB-BD31-4B8C-83A1-F6EECF244321}">
-                <p14:modId xmlns:p14="http://schemas.microsoft.com/office/powerpoint/2010/main" val="959980372"/>
+                <p14:modId xmlns:p14="http://schemas.microsoft.com/office/powerpoint/2010/main" val="2707436747"/>
               </p:ext>
             </p:extLst>
           </p:nvPr>
@@ -16770,7 +16887,10 @@
                     <a:lstStyle/>
                     <a:p>
                       <a:r>
-                        <a:rPr kumimoji="1" lang="en-US" altLang="ja-JP" dirty="0"/>
+                        <a:rPr kumimoji="1" lang="en-US" altLang="ja-JP" dirty="0">
+                          <a:latin typeface="UD デジタル 教科書体 NK-R" panose="02020400000000000000" pitchFamily="18" charset="-128"/>
+                          <a:ea typeface="UD デジタル 教科書体 NK-R" panose="02020400000000000000" pitchFamily="18" charset="-128"/>
+                        </a:rPr>
                         <a:t>Electron</a:t>
                       </a:r>
                       <a:endParaRPr kumimoji="1" lang="ja-JP" altLang="en-US" dirty="0">
@@ -16787,7 +16907,10 @@
                     <a:lstStyle/>
                     <a:p>
                       <a:r>
-                        <a:rPr kumimoji="1" lang="en-US" altLang="ja-JP" dirty="0"/>
+                        <a:rPr kumimoji="1" lang="en-US" altLang="ja-JP" dirty="0">
+                          <a:latin typeface="UD デジタル 教科書体 NK-R" panose="02020400000000000000" pitchFamily="18" charset="-128"/>
+                          <a:ea typeface="UD デジタル 教科書体 NK-R" panose="02020400000000000000" pitchFamily="18" charset="-128"/>
+                        </a:rPr>
                         <a:t>PWA</a:t>
                       </a:r>
                       <a:endParaRPr kumimoji="1" lang="ja-JP" altLang="en-US" dirty="0">
@@ -16811,13 +16934,12 @@
                     <a:lstStyle/>
                     <a:p>
                       <a:r>
-                        <a:rPr kumimoji="1" lang="ja-JP" altLang="en-US" dirty="0"/>
+                        <a:rPr kumimoji="1" lang="ja-JP" altLang="en-US" dirty="0">
+                          <a:latin typeface="UD デジタル 教科書体 NK-R" panose="02020400000000000000" pitchFamily="18" charset="-128"/>
+                          <a:ea typeface="UD デジタル 教科書体 NK-R" panose="02020400000000000000" pitchFamily="18" charset="-128"/>
+                        </a:rPr>
                         <a:t>プロセス</a:t>
                       </a:r>
-                      <a:endParaRPr kumimoji="1" lang="ja-JP" altLang="en-US" dirty="0">
-                        <a:latin typeface="UD デジタル 教科書体 NK-R" panose="02020400000000000000" pitchFamily="18" charset="-128"/>
-                        <a:ea typeface="UD デジタル 教科書体 NK-R" panose="02020400000000000000" pitchFamily="18" charset="-128"/>
-                      </a:endParaRPr>
                     </a:p>
                   </a:txBody>
                   <a:tcPr/>
@@ -16828,13 +16950,12 @@
                     <a:lstStyle/>
                     <a:p>
                       <a:r>
-                        <a:rPr kumimoji="1" lang="ja-JP" altLang="en-US" dirty="0"/>
+                        <a:rPr kumimoji="1" lang="ja-JP" altLang="en-US" dirty="0">
+                          <a:latin typeface="UD デジタル 教科書体 NK-R" panose="02020400000000000000" pitchFamily="18" charset="-128"/>
+                          <a:ea typeface="UD デジタル 教科書体 NK-R" panose="02020400000000000000" pitchFamily="18" charset="-128"/>
+                        </a:rPr>
                         <a:t>独立</a:t>
                       </a:r>
-                      <a:endParaRPr kumimoji="1" lang="ja-JP" altLang="en-US" dirty="0">
-                        <a:latin typeface="UD デジタル 教科書体 NK-R" panose="02020400000000000000" pitchFamily="18" charset="-128"/>
-                        <a:ea typeface="UD デジタル 教科書体 NK-R" panose="02020400000000000000" pitchFamily="18" charset="-128"/>
-                      </a:endParaRPr>
                     </a:p>
                   </a:txBody>
                   <a:tcPr/>
@@ -16845,17 +16966,19 @@
                     <a:lstStyle/>
                     <a:p>
                       <a:r>
-                        <a:rPr kumimoji="1" lang="en-US" altLang="ja-JP" dirty="0"/>
+                        <a:rPr kumimoji="1" lang="en-US" altLang="ja-JP" dirty="0">
+                          <a:latin typeface="UD デジタル 教科書体 NK-R" panose="02020400000000000000" pitchFamily="18" charset="-128"/>
+                          <a:ea typeface="UD デジタル 教科書体 NK-R" panose="02020400000000000000" pitchFamily="18" charset="-128"/>
+                        </a:rPr>
                         <a:t>Chrome </a:t>
                       </a:r>
                       <a:r>
-                        <a:rPr kumimoji="1" lang="ja-JP" altLang="en-US" dirty="0"/>
+                        <a:rPr kumimoji="1" lang="ja-JP" altLang="en-US" dirty="0">
+                          <a:latin typeface="UD デジタル 教科書体 NK-R" panose="02020400000000000000" pitchFamily="18" charset="-128"/>
+                          <a:ea typeface="UD デジタル 教科書体 NK-R" panose="02020400000000000000" pitchFamily="18" charset="-128"/>
+                        </a:rPr>
                         <a:t>プロセス</a:t>
                       </a:r>
-                      <a:endParaRPr kumimoji="1" lang="ja-JP" altLang="en-US" dirty="0">
-                        <a:latin typeface="UD デジタル 教科書体 NK-R" panose="02020400000000000000" pitchFamily="18" charset="-128"/>
-                        <a:ea typeface="UD デジタル 教科書体 NK-R" panose="02020400000000000000" pitchFamily="18" charset="-128"/>
-                      </a:endParaRPr>
                     </a:p>
                   </a:txBody>
                   <a:tcPr/>
@@ -16873,17 +16996,19 @@
                     <a:lstStyle/>
                     <a:p>
                       <a:r>
-                        <a:rPr kumimoji="1" lang="en-US" altLang="ja-JP" dirty="0"/>
+                        <a:rPr kumimoji="1" lang="en-US" altLang="ja-JP" dirty="0">
+                          <a:latin typeface="UD デジタル 教科書体 NK-R" panose="02020400000000000000" pitchFamily="18" charset="-128"/>
+                          <a:ea typeface="UD デジタル 教科書体 NK-R" panose="02020400000000000000" pitchFamily="18" charset="-128"/>
+                        </a:rPr>
                         <a:t>OS </a:t>
                       </a:r>
                       <a:r>
-                        <a:rPr kumimoji="1" lang="ja-JP" altLang="en-US" dirty="0"/>
+                        <a:rPr kumimoji="1" lang="ja-JP" altLang="en-US" dirty="0">
+                          <a:latin typeface="UD デジタル 教科書体 NK-R" panose="02020400000000000000" pitchFamily="18" charset="-128"/>
+                          <a:ea typeface="UD デジタル 教科書体 NK-R" panose="02020400000000000000" pitchFamily="18" charset="-128"/>
+                        </a:rPr>
                         <a:t>機能へのアクセス</a:t>
                       </a:r>
-                      <a:endParaRPr kumimoji="1" lang="ja-JP" altLang="en-US" dirty="0">
-                        <a:latin typeface="UD デジタル 教科書体 NK-R" panose="02020400000000000000" pitchFamily="18" charset="-128"/>
-                        <a:ea typeface="UD デジタル 教科書体 NK-R" panose="02020400000000000000" pitchFamily="18" charset="-128"/>
-                      </a:endParaRPr>
                     </a:p>
                   </a:txBody>
                   <a:tcPr/>
@@ -16894,13 +17019,12 @@
                     <a:lstStyle/>
                     <a:p>
                       <a:r>
-                        <a:rPr kumimoji="1" lang="ja-JP" altLang="en-US" dirty="0"/>
+                        <a:rPr kumimoji="1" lang="ja-JP" altLang="en-US" dirty="0">
+                          <a:latin typeface="UD デジタル 教科書体 NK-R" panose="02020400000000000000" pitchFamily="18" charset="-128"/>
+                          <a:ea typeface="UD デジタル 教科書体 NK-R" panose="02020400000000000000" pitchFamily="18" charset="-128"/>
+                        </a:rPr>
                         <a:t>可能</a:t>
                       </a:r>
-                      <a:endParaRPr kumimoji="1" lang="ja-JP" altLang="en-US" dirty="0">
-                        <a:latin typeface="UD デジタル 教科書体 NK-R" panose="02020400000000000000" pitchFamily="18" charset="-128"/>
-                        <a:ea typeface="UD デジタル 教科書体 NK-R" panose="02020400000000000000" pitchFamily="18" charset="-128"/>
-                      </a:endParaRPr>
                     </a:p>
                   </a:txBody>
                   <a:tcPr/>
@@ -16911,13 +17035,12 @@
                     <a:lstStyle/>
                     <a:p>
                       <a:r>
-                        <a:rPr kumimoji="1" lang="ja-JP" altLang="en-US" dirty="0"/>
+                        <a:rPr kumimoji="1" lang="ja-JP" altLang="en-US" dirty="0">
+                          <a:latin typeface="UD デジタル 教科書体 NK-R" panose="02020400000000000000" pitchFamily="18" charset="-128"/>
+                          <a:ea typeface="UD デジタル 教科書体 NK-R" panose="02020400000000000000" pitchFamily="18" charset="-128"/>
+                        </a:rPr>
                         <a:t>サンドボックス</a:t>
                       </a:r>
-                      <a:endParaRPr kumimoji="1" lang="ja-JP" altLang="en-US" dirty="0">
-                        <a:latin typeface="UD デジタル 教科書体 NK-R" panose="02020400000000000000" pitchFamily="18" charset="-128"/>
-                        <a:ea typeface="UD デジタル 教科書体 NK-R" panose="02020400000000000000" pitchFamily="18" charset="-128"/>
-                      </a:endParaRPr>
                     </a:p>
                   </a:txBody>
                   <a:tcPr/>
@@ -16935,13 +17058,12 @@
                     <a:lstStyle/>
                     <a:p>
                       <a:r>
-                        <a:rPr kumimoji="1" lang="ja-JP" altLang="en-US" dirty="0"/>
+                        <a:rPr kumimoji="1" lang="ja-JP" altLang="en-US" dirty="0">
+                          <a:latin typeface="UD デジタル 教科書体 NK-R" panose="02020400000000000000" pitchFamily="18" charset="-128"/>
+                          <a:ea typeface="UD デジタル 教科書体 NK-R" panose="02020400000000000000" pitchFamily="18" charset="-128"/>
+                        </a:rPr>
                         <a:t>対応プラットフォーム</a:t>
                       </a:r>
-                      <a:endParaRPr kumimoji="1" lang="ja-JP" altLang="en-US" dirty="0">
-                        <a:latin typeface="UD デジタル 教科書体 NK-R" panose="02020400000000000000" pitchFamily="18" charset="-128"/>
-                        <a:ea typeface="UD デジタル 教科書体 NK-R" panose="02020400000000000000" pitchFamily="18" charset="-128"/>
-                      </a:endParaRPr>
                     </a:p>
                   </a:txBody>
                   <a:tcPr/>
@@ -16952,15 +17074,24 @@
                     <a:lstStyle/>
                     <a:p>
                       <a:r>
-                        <a:rPr kumimoji="1" lang="en-US" altLang="ja-JP" dirty="0"/>
+                        <a:rPr kumimoji="1" lang="en-US" altLang="ja-JP" dirty="0">
+                          <a:latin typeface="UD デジタル 教科書体 NK-R" panose="02020400000000000000" pitchFamily="18" charset="-128"/>
+                          <a:ea typeface="UD デジタル 教科書体 NK-R" panose="02020400000000000000" pitchFamily="18" charset="-128"/>
+                        </a:rPr>
                         <a:t>Windows / </a:t>
                       </a:r>
                       <a:r>
-                        <a:rPr kumimoji="1" lang="en-US" altLang="ja-JP" dirty="0" err="1"/>
+                        <a:rPr kumimoji="1" lang="en-US" altLang="ja-JP" dirty="0" err="1">
+                          <a:latin typeface="UD デジタル 教科書体 NK-R" panose="02020400000000000000" pitchFamily="18" charset="-128"/>
+                          <a:ea typeface="UD デジタル 教科書体 NK-R" panose="02020400000000000000" pitchFamily="18" charset="-128"/>
+                        </a:rPr>
                         <a:t>macOS</a:t>
                       </a:r>
                       <a:r>
-                        <a:rPr kumimoji="1" lang="en-US" altLang="ja-JP" baseline="0" dirty="0"/>
+                        <a:rPr kumimoji="1" lang="en-US" altLang="ja-JP" baseline="0" dirty="0">
+                          <a:latin typeface="UD デジタル 教科書体 NK-R" panose="02020400000000000000" pitchFamily="18" charset="-128"/>
+                          <a:ea typeface="UD デジタル 教科書体 NK-R" panose="02020400000000000000" pitchFamily="18" charset="-128"/>
+                        </a:rPr>
                         <a:t> / Linux</a:t>
                       </a:r>
                       <a:endParaRPr kumimoji="1" lang="ja-JP" altLang="en-US" dirty="0">
@@ -16977,20 +17108,53 @@
                     <a:lstStyle/>
                     <a:p>
                       <a:r>
-                        <a:rPr kumimoji="1" lang="en-US" altLang="ja-JP" dirty="0"/>
+                        <a:rPr kumimoji="1" lang="en-US" altLang="ja-JP" dirty="0">
+                          <a:latin typeface="UD デジタル 教科書体 NK-R" panose="02020400000000000000" pitchFamily="18" charset="-128"/>
+                          <a:ea typeface="UD デジタル 教科書体 NK-R" panose="02020400000000000000" pitchFamily="18" charset="-128"/>
+                        </a:rPr>
                         <a:t>Android</a:t>
                       </a:r>
                       <a:r>
-                        <a:rPr kumimoji="1" lang="en-US" altLang="ja-JP" baseline="0" dirty="0"/>
+                        <a:rPr kumimoji="1" lang="en-US" altLang="ja-JP" baseline="0" dirty="0">
+                          <a:latin typeface="UD デジタル 教科書体 NK-R" panose="02020400000000000000" pitchFamily="18" charset="-128"/>
+                          <a:ea typeface="UD デジタル 教科書体 NK-R" panose="02020400000000000000" pitchFamily="18" charset="-128"/>
+                        </a:rPr>
                         <a:t> / iOS / Windows / </a:t>
                       </a:r>
                       <a:r>
-                        <a:rPr kumimoji="1" lang="en-US" altLang="ja-JP" baseline="0" dirty="0" err="1"/>
+                        <a:rPr kumimoji="1" lang="en-US" altLang="ja-JP" baseline="0" dirty="0" err="1">
+                          <a:latin typeface="UD デジタル 教科書体 NK-R" panose="02020400000000000000" pitchFamily="18" charset="-128"/>
+                          <a:ea typeface="UD デジタル 教科書体 NK-R" panose="02020400000000000000" pitchFamily="18" charset="-128"/>
+                        </a:rPr>
                         <a:t>macOS</a:t>
                       </a:r>
                       <a:r>
-                        <a:rPr kumimoji="1" lang="en-US" altLang="ja-JP" baseline="0" dirty="0"/>
-                        <a:t> /Linux</a:t>
+                        <a:rPr kumimoji="1" lang="en-US" altLang="ja-JP" baseline="0" dirty="0">
+                          <a:latin typeface="UD デジタル 教科書体 NK-R" panose="02020400000000000000" pitchFamily="18" charset="-128"/>
+                          <a:ea typeface="UD デジタル 教科書体 NK-R" panose="02020400000000000000" pitchFamily="18" charset="-128"/>
+                        </a:rPr>
+                        <a:t> </a:t>
+                      </a:r>
+                      <a:r>
+                        <a:rPr kumimoji="1" lang="en-US" altLang="ja-JP" baseline="0" dirty="0" smtClean="0">
+                          <a:latin typeface="UD デジタル 教科書体 NK-R" panose="02020400000000000000" pitchFamily="18" charset="-128"/>
+                          <a:ea typeface="UD デジタル 教科書体 NK-R" panose="02020400000000000000" pitchFamily="18" charset="-128"/>
+                        </a:rPr>
+                        <a:t>/</a:t>
+                      </a:r>
+                      <a:r>
+                        <a:rPr kumimoji="1" lang="ja-JP" altLang="en-US" baseline="0" dirty="0" smtClean="0">
+                          <a:latin typeface="UD デジタル 教科書体 NK-R" panose="02020400000000000000" pitchFamily="18" charset="-128"/>
+                          <a:ea typeface="UD デジタル 教科書体 NK-R" panose="02020400000000000000" pitchFamily="18" charset="-128"/>
+                        </a:rPr>
+                        <a:t> </a:t>
+                      </a:r>
+                      <a:r>
+                        <a:rPr kumimoji="1" lang="en-US" altLang="ja-JP" baseline="0" dirty="0" smtClean="0">
+                          <a:latin typeface="UD デジタル 教科書体 NK-R" panose="02020400000000000000" pitchFamily="18" charset="-128"/>
+                          <a:ea typeface="UD デジタル 教科書体 NK-R" panose="02020400000000000000" pitchFamily="18" charset="-128"/>
+                        </a:rPr>
+                        <a:t>Linux</a:t>
                       </a:r>
                       <a:endParaRPr kumimoji="1" lang="ja-JP" altLang="en-US" dirty="0">
                         <a:latin typeface="UD デジタル 教科書体 NK-R" panose="02020400000000000000" pitchFamily="18" charset="-128"/>
@@ -17013,8 +17177,11 @@
                     <a:lstStyle/>
                     <a:p>
                       <a:r>
-                        <a:rPr kumimoji="1" lang="ja-JP" altLang="en-US" dirty="0"/>
-                        <a:t>クロスブラウザ 対応</a:t>
+                        <a:rPr kumimoji="1" lang="ja-JP" altLang="en-US" dirty="0" smtClean="0">
+                          <a:latin typeface="UD デジタル 教科書体 NK-R" panose="02020400000000000000" pitchFamily="18" charset="-128"/>
+                          <a:ea typeface="UD デジタル 教科書体 NK-R" panose="02020400000000000000" pitchFamily="18" charset="-128"/>
+                        </a:rPr>
+                        <a:t>クロスブラウザ対応</a:t>
                       </a:r>
                       <a:endParaRPr kumimoji="1" lang="ja-JP" altLang="en-US" dirty="0">
                         <a:latin typeface="UD デジタル 教科書体 NK-R" panose="02020400000000000000" pitchFamily="18" charset="-128"/>
@@ -17030,15 +17197,24 @@
                     <a:lstStyle/>
                     <a:p>
                       <a:r>
-                        <a:rPr kumimoji="1" lang="en-US" altLang="ja-JP" dirty="0"/>
+                        <a:rPr kumimoji="1" lang="en-US" altLang="ja-JP" dirty="0">
+                          <a:latin typeface="UD デジタル 教科書体 NK-R" panose="02020400000000000000" pitchFamily="18" charset="-128"/>
+                          <a:ea typeface="UD デジタル 教科書体 NK-R" panose="02020400000000000000" pitchFamily="18" charset="-128"/>
+                        </a:rPr>
                         <a:t>Chromium </a:t>
                       </a:r>
                       <a:r>
-                        <a:rPr kumimoji="1" lang="ja-JP" altLang="en-US" dirty="0"/>
+                        <a:rPr kumimoji="1" lang="ja-JP" altLang="en-US" dirty="0">
+                          <a:latin typeface="UD デジタル 教科書体 NK-R" panose="02020400000000000000" pitchFamily="18" charset="-128"/>
+                          <a:ea typeface="UD デジタル 教科書体 NK-R" panose="02020400000000000000" pitchFamily="18" charset="-128"/>
+                        </a:rPr>
                         <a:t>で動けば </a:t>
                       </a:r>
                       <a:r>
-                        <a:rPr kumimoji="1" lang="en-US" altLang="ja-JP" dirty="0"/>
+                        <a:rPr kumimoji="1" lang="en-US" altLang="ja-JP" dirty="0">
+                          <a:latin typeface="UD デジタル 教科書体 NK-R" panose="02020400000000000000" pitchFamily="18" charset="-128"/>
+                          <a:ea typeface="UD デジタル 教科書体 NK-R" panose="02020400000000000000" pitchFamily="18" charset="-128"/>
+                        </a:rPr>
                         <a:t>OK</a:t>
                       </a:r>
                       <a:endParaRPr kumimoji="1" lang="ja-JP" altLang="en-US" dirty="0">
@@ -17055,8 +17231,11 @@
                     <a:lstStyle/>
                     <a:p>
                       <a:r>
-                        <a:rPr kumimoji="1" lang="ja-JP" altLang="en-US" dirty="0"/>
-                        <a:t>考慮が必要</a:t>
+                        <a:rPr kumimoji="1" lang="ja-JP" altLang="en-US" dirty="0" smtClean="0">
+                          <a:latin typeface="UD デジタル 教科書体 NK-R" panose="02020400000000000000" pitchFamily="18" charset="-128"/>
+                          <a:ea typeface="UD デジタル 教科書体 NK-R" panose="02020400000000000000" pitchFamily="18" charset="-128"/>
+                        </a:rPr>
+                        <a:t>考慮必要</a:t>
                       </a:r>
                       <a:endParaRPr kumimoji="1" lang="ja-JP" altLang="en-US" dirty="0">
                         <a:latin typeface="UD デジタル 教科書体 NK-R" panose="02020400000000000000" pitchFamily="18" charset="-128"/>
@@ -17253,6 +17432,13 @@
       </p:transition>
     </mc:Fallback>
   </mc:AlternateContent>
+  <p:timing>
+    <p:tnLst>
+      <p:par>
+        <p:cTn id="1" dur="indefinite" restart="never" nodeType="tmRoot"/>
+      </p:par>
+    </p:tnLst>
+  </p:timing>
 </p:sld>
 </file>
 

--- a/slide/Electron_in-house_presentation.pptx
+++ b/slide/Electron_in-house_presentation.pptx
@@ -6145,13 +6145,6 @@
       </p:transition>
     </mc:Fallback>
   </mc:AlternateContent>
-  <p:timing>
-    <p:tnLst>
-      <p:par>
-        <p:cTn id="1" dur="indefinite" restart="never" nodeType="tmRoot"/>
-      </p:par>
-    </p:tnLst>
-  </p:timing>
 </p:sld>
 </file>
 
@@ -6348,13 +6341,6 @@
       </p:transition>
     </mc:Fallback>
   </mc:AlternateContent>
-  <p:timing>
-    <p:tnLst>
-      <p:par>
-        <p:cTn id="1" dur="indefinite" restart="never" nodeType="tmRoot"/>
-      </p:par>
-    </p:tnLst>
-  </p:timing>
 </p:sld>
 </file>
 
@@ -6554,13 +6540,6 @@
       </p:transition>
     </mc:Fallback>
   </mc:AlternateContent>
-  <p:timing>
-    <p:tnLst>
-      <p:par>
-        <p:cTn id="1" dur="indefinite" restart="never" nodeType="tmRoot"/>
-      </p:par>
-    </p:tnLst>
-  </p:timing>
 </p:sld>
 </file>
 
@@ -6707,13 +6686,6 @@
       </p:transition>
     </mc:Fallback>
   </mc:AlternateContent>
-  <p:timing>
-    <p:tnLst>
-      <p:par>
-        <p:cTn id="1" dur="indefinite" restart="never" nodeType="tmRoot"/>
-      </p:par>
-    </p:tnLst>
-  </p:timing>
 </p:sld>
 </file>
 
@@ -6802,13 +6774,6 @@
       </p:transition>
     </mc:Fallback>
   </mc:AlternateContent>
-  <p:timing>
-    <p:tnLst>
-      <p:par>
-        <p:cTn id="1" dur="indefinite" restart="never" nodeType="tmRoot"/>
-      </p:par>
-    </p:tnLst>
-  </p:timing>
 </p:sld>
 </file>
 
@@ -7076,13 +7041,6 @@
       </p:transition>
     </mc:Fallback>
   </mc:AlternateContent>
-  <p:timing>
-    <p:tnLst>
-      <p:par>
-        <p:cTn id="1" dur="indefinite" restart="never" nodeType="tmRoot"/>
-      </p:par>
-    </p:tnLst>
-  </p:timing>
 </p:sld>
 </file>
 
@@ -7224,13 +7182,6 @@
       </p:transition>
     </mc:Fallback>
   </mc:AlternateContent>
-  <p:timing>
-    <p:tnLst>
-      <p:par>
-        <p:cTn id="1" dur="indefinite" restart="never" nodeType="tmRoot"/>
-      </p:par>
-    </p:tnLst>
-  </p:timing>
 </p:sld>
 </file>
 
@@ -7328,13 +7279,6 @@
       </p:transition>
     </mc:Fallback>
   </mc:AlternateContent>
-  <p:timing>
-    <p:tnLst>
-      <p:par>
-        <p:cTn id="1" dur="indefinite" restart="never" nodeType="tmRoot"/>
-      </p:par>
-    </p:tnLst>
-  </p:timing>
 </p:sld>
 </file>
 
@@ -7731,13 +7675,6 @@
       </p:transition>
     </mc:Fallback>
   </mc:AlternateContent>
-  <p:timing>
-    <p:tnLst>
-      <p:par>
-        <p:cTn id="1" dur="indefinite" restart="never" nodeType="tmRoot"/>
-      </p:par>
-    </p:tnLst>
-  </p:timing>
 </p:sld>
 </file>
 
@@ -8124,13 +8061,6 @@
       </p:transition>
     </mc:Fallback>
   </mc:AlternateContent>
-  <p:timing>
-    <p:tnLst>
-      <p:par>
-        <p:cTn id="1" dur="indefinite" restart="never" nodeType="tmRoot"/>
-      </p:par>
-    </p:tnLst>
-  </p:timing>
 </p:sld>
 </file>
 
@@ -8248,13 +8178,6 @@
       </p:transition>
     </mc:Fallback>
   </mc:AlternateContent>
-  <p:timing>
-    <p:tnLst>
-      <p:par>
-        <p:cTn id="1" dur="indefinite" restart="never" nodeType="tmRoot"/>
-      </p:par>
-    </p:tnLst>
-  </p:timing>
 </p:sld>
 </file>
 
@@ -8412,13 +8335,6 @@
       </p:transition>
     </mc:Fallback>
   </mc:AlternateContent>
-  <p:timing>
-    <p:tnLst>
-      <p:par>
-        <p:cTn id="1" dur="indefinite" restart="never" nodeType="tmRoot"/>
-      </p:par>
-    </p:tnLst>
-  </p:timing>
 </p:sld>
 </file>
 
@@ -8622,13 +8538,6 @@
       </p:transition>
     </mc:Fallback>
   </mc:AlternateContent>
-  <p:timing>
-    <p:tnLst>
-      <p:par>
-        <p:cTn id="1" dur="indefinite" restart="never" nodeType="tmRoot"/>
-      </p:par>
-    </p:tnLst>
-  </p:timing>
 </p:sld>
 </file>
 
@@ -8776,50 +8685,45 @@
           <a:p>
             <a:pPr lvl="1"/>
             <a:r>
-              <a:rPr lang="en-US" altLang="ja-JP" dirty="0" err="1" smtClean="0"/>
+              <a:rPr lang="en-US" altLang="ja-JP" dirty="0" err="1"/>
               <a:t>DevTools</a:t>
             </a:r>
             <a:r>
-              <a:rPr lang="en-US" altLang="ja-JP" dirty="0" smtClean="0"/>
+              <a:rPr lang="en-US" altLang="ja-JP" dirty="0"/>
               <a:t> </a:t>
             </a:r>
             <a:r>
               <a:rPr lang="ja-JP" altLang="en-US" dirty="0"/>
-              <a:t>の拡張は</a:t>
-            </a:r>
-            <a:r>
-              <a:rPr lang="ja-JP" altLang="en-US" dirty="0" smtClean="0"/>
-              <a:t>使える </a:t>
-            </a:r>
-            <a:r>
-              <a:rPr lang="en-US" altLang="ja-JP" dirty="0" smtClean="0"/>
+              <a:t>の拡張は使える </a:t>
+            </a:r>
+            <a:r>
+              <a:rPr lang="en-US" altLang="ja-JP" dirty="0"/>
               <a:t>(</a:t>
             </a:r>
             <a:r>
-              <a:rPr lang="en-US" altLang="ja-JP" dirty="0" err="1" smtClean="0"/>
+              <a:rPr lang="en-US" altLang="ja-JP" dirty="0" err="1"/>
               <a:t>Vue</a:t>
             </a:r>
             <a:r>
-              <a:rPr lang="en-US" altLang="ja-JP" dirty="0" smtClean="0"/>
+              <a:rPr lang="en-US" altLang="ja-JP" dirty="0"/>
               <a:t> </a:t>
             </a:r>
             <a:r>
-              <a:rPr lang="en-US" altLang="ja-JP" dirty="0" err="1" smtClean="0"/>
+              <a:rPr lang="en-US" altLang="ja-JP" dirty="0" err="1"/>
               <a:t>Devtools</a:t>
             </a:r>
             <a:r>
-              <a:rPr lang="en-US" altLang="ja-JP" dirty="0" smtClean="0"/>
+              <a:rPr lang="en-US" altLang="ja-JP" dirty="0"/>
               <a:t> </a:t>
             </a:r>
             <a:r>
-              <a:rPr lang="ja-JP" altLang="en-US" dirty="0" smtClean="0"/>
+              <a:rPr lang="ja-JP" altLang="en-US" dirty="0"/>
               <a:t>など</a:t>
             </a:r>
             <a:r>
-              <a:rPr lang="en-US" altLang="ja-JP" dirty="0" smtClean="0"/>
+              <a:rPr lang="en-US" altLang="ja-JP" dirty="0"/>
               <a:t>)</a:t>
             </a:r>
-            <a:endParaRPr lang="en-US" altLang="ja-JP" dirty="0"/>
           </a:p>
           <a:p>
             <a:r>
@@ -8876,13 +8780,6 @@
       </p:transition>
     </mc:Fallback>
   </mc:AlternateContent>
-  <p:timing>
-    <p:tnLst>
-      <p:par>
-        <p:cTn id="1" dur="indefinite" restart="never" nodeType="tmRoot"/>
-      </p:par>
-    </p:tnLst>
-  </p:timing>
 </p:sld>
 </file>
 
@@ -8966,13 +8863,6 @@
       </p:transition>
     </mc:Fallback>
   </mc:AlternateContent>
-  <p:timing>
-    <p:tnLst>
-      <p:par>
-        <p:cTn id="1" dur="indefinite" restart="never" nodeType="tmRoot"/>
-      </p:par>
-    </p:tnLst>
-  </p:timing>
 </p:sld>
 </file>
 
@@ -9198,13 +9088,6 @@
       </p:transition>
     </mc:Fallback>
   </mc:AlternateContent>
-  <p:timing>
-    <p:tnLst>
-      <p:par>
-        <p:cTn id="1" dur="indefinite" restart="never" nodeType="tmRoot"/>
-      </p:par>
-    </p:tnLst>
-  </p:timing>
 </p:sld>
 </file>
 
@@ -10112,13 +9995,6 @@
       </p:transition>
     </mc:Fallback>
   </mc:AlternateContent>
-  <p:timing>
-    <p:tnLst>
-      <p:par>
-        <p:cTn id="1" dur="indefinite" restart="never" nodeType="tmRoot"/>
-      </p:par>
-    </p:tnLst>
-  </p:timing>
 </p:sld>
 </file>
 
@@ -10300,13 +10176,6 @@
       </p:transition>
     </mc:Fallback>
   </mc:AlternateContent>
-  <p:timing>
-    <p:tnLst>
-      <p:par>
-        <p:cTn id="1" dur="indefinite" restart="never" nodeType="tmRoot"/>
-      </p:par>
-    </p:tnLst>
-  </p:timing>
 </p:sld>
 </file>
 
@@ -11237,10 +11106,6 @@
               <a:rPr lang="ja-JP" altLang="en-US" dirty="0"/>
               <a:t>で管理</a:t>
             </a:r>
-            <a:r>
-              <a:rPr lang="en-US" altLang="ja-JP" dirty="0"/>
-              <a:t/>
-            </a:r>
             <a:br>
               <a:rPr lang="en-US" altLang="ja-JP" dirty="0"/>
             </a:br>
@@ -11256,43 +11121,38 @@
           </a:p>
           <a:p>
             <a:r>
-              <a:rPr kumimoji="1" lang="en-US" altLang="ja-JP" dirty="0" smtClean="0"/>
+              <a:rPr kumimoji="1" lang="en-US" altLang="ja-JP" dirty="0"/>
               <a:t>Electron </a:t>
             </a:r>
             <a:r>
-              <a:rPr kumimoji="1" lang="ja-JP" altLang="en-US" dirty="0" smtClean="0"/>
-              <a:t>メニュー</a:t>
-            </a:r>
-            <a:r>
               <a:rPr kumimoji="1" lang="ja-JP" altLang="en-US" dirty="0"/>
-              <a:t>に対応させようとかする</a:t>
-            </a:r>
-            <a:r>
-              <a:rPr kumimoji="1" lang="ja-JP" altLang="en-US" dirty="0" smtClean="0"/>
-              <a:t>と独自実装が</a:t>
+              <a:t>メニューに対応させようとかすると独自実装が</a:t>
             </a:r>
             <a:endParaRPr kumimoji="1" lang="en-US" altLang="ja-JP" dirty="0"/>
           </a:p>
           <a:p>
             <a:r>
-              <a:rPr lang="en-US" altLang="ja-JP" dirty="0" smtClean="0"/>
+              <a:rPr lang="en-US" altLang="ja-JP" dirty="0"/>
               <a:t>Renderer </a:t>
             </a:r>
             <a:r>
               <a:rPr lang="ja-JP" altLang="en-US" dirty="0"/>
-              <a:t>と アセットの</a:t>
-            </a:r>
-            <a:r>
-              <a:rPr lang="ja-JP" altLang="en-US" dirty="0" smtClean="0"/>
-              <a:t>連携部分どうする？</a:t>
-            </a:r>
-            <a:endParaRPr lang="en-US" altLang="ja-JP" dirty="0" smtClean="0"/>
+              <a:t>と アセットの連携部分どうする？</a:t>
+            </a:r>
+            <a:endParaRPr lang="en-US" altLang="ja-JP" dirty="0"/>
           </a:p>
           <a:p>
             <a:pPr lvl="1"/>
             <a:r>
-              <a:rPr lang="ja-JP" altLang="en-US" dirty="0" smtClean="0"/>
+              <a:rPr lang="ja-JP" altLang="en-US" dirty="0"/>
               <a:t>ルートコンポーネントを別途用意して分離？</a:t>
+            </a:r>
+            <a:endParaRPr lang="en-US" altLang="ja-JP" dirty="0"/>
+          </a:p>
+          <a:p>
+            <a:r>
+              <a:rPr lang="ja-JP" altLang="en-US" dirty="0"/>
+              <a:t>ちゃんと設計しないと・・・</a:t>
             </a:r>
             <a:endParaRPr lang="en-US" altLang="ja-JP" dirty="0"/>
           </a:p>
@@ -11346,10 +11206,6 @@
               <a:rPr lang="en-US" altLang="ja-JP" dirty="0"/>
               <a:t>) </a:t>
             </a:r>
-            <a:r>
-              <a:rPr lang="ja-JP" altLang="en-US" sz="2800" dirty="0"/>
-              <a:t/>
-            </a:r>
             <a:br>
               <a:rPr lang="ja-JP" altLang="en-US" sz="2800" dirty="0"/>
             </a:br>
@@ -11413,10 +11269,6 @@
               <a:rPr lang="en-US" altLang="ja-JP" dirty="0"/>
               <a:t>) </a:t>
             </a:r>
-            <a:r>
-              <a:rPr lang="ja-JP" altLang="en-US" sz="2800" dirty="0"/>
-              <a:t/>
-            </a:r>
             <a:br>
               <a:rPr lang="ja-JP" altLang="en-US" sz="2800" dirty="0"/>
             </a:br>
@@ -11479,10 +11331,6 @@
             <a:r>
               <a:rPr lang="en-US" altLang="ja-JP" dirty="0"/>
               <a:t>`)</a:t>
-            </a:r>
-            <a:r>
-              <a:rPr lang="ja-JP" altLang="en-US" sz="2800" dirty="0"/>
-              <a:t/>
             </a:r>
             <a:br>
               <a:rPr lang="ja-JP" altLang="en-US" sz="2800" dirty="0"/>
@@ -11993,7 +11841,7 @@
                             </p:stCondLst>
                             <p:childTnLst>
                               <p:par>
-                                <p:cTn id="45" presetID="10" presetClass="entr" presetSubtype="0" fill="hold" grpId="0" nodeType="clickEffect">
+                                <p:cTn id="45" presetID="22" presetClass="entr" presetSubtype="8" fill="hold" nodeType="clickEffect">
                                   <p:stCondLst>
                                     <p:cond delay="0"/>
                                   </p:stCondLst>
@@ -12001,6 +11849,67 @@
                                     <p:set>
                                       <p:cBhvr>
                                         <p:cTn id="46" dur="1" fill="hold">
+                                          <p:stCondLst>
+                                            <p:cond delay="0"/>
+                                          </p:stCondLst>
+                                        </p:cTn>
+                                        <p:tgtEl>
+                                          <p:spTgt spid="3">
+                                            <p:txEl>
+                                              <p:pRg st="6" end="6"/>
+                                            </p:txEl>
+                                          </p:spTgt>
+                                        </p:tgtEl>
+                                        <p:attrNameLst>
+                                          <p:attrName>style.visibility</p:attrName>
+                                        </p:attrNameLst>
+                                      </p:cBhvr>
+                                      <p:to>
+                                        <p:strVal val="visible"/>
+                                      </p:to>
+                                    </p:set>
+                                    <p:animEffect transition="in" filter="wipe(left)">
+                                      <p:cBhvr>
+                                        <p:cTn id="47" dur="500"/>
+                                        <p:tgtEl>
+                                          <p:spTgt spid="3">
+                                            <p:txEl>
+                                              <p:pRg st="6" end="6"/>
+                                            </p:txEl>
+                                          </p:spTgt>
+                                        </p:tgtEl>
+                                      </p:cBhvr>
+                                    </p:animEffect>
+                                  </p:childTnLst>
+                                </p:cTn>
+                              </p:par>
+                            </p:childTnLst>
+                          </p:cTn>
+                        </p:par>
+                      </p:childTnLst>
+                    </p:cTn>
+                  </p:par>
+                  <p:par>
+                    <p:cTn id="48" fill="hold">
+                      <p:stCondLst>
+                        <p:cond delay="indefinite"/>
+                      </p:stCondLst>
+                      <p:childTnLst>
+                        <p:par>
+                          <p:cTn id="49" fill="hold">
+                            <p:stCondLst>
+                              <p:cond delay="0"/>
+                            </p:stCondLst>
+                            <p:childTnLst>
+                              <p:par>
+                                <p:cTn id="50" presetID="10" presetClass="entr" presetSubtype="0" fill="hold" grpId="0" nodeType="clickEffect">
+                                  <p:stCondLst>
+                                    <p:cond delay="0"/>
+                                  </p:stCondLst>
+                                  <p:childTnLst>
+                                    <p:set>
+                                      <p:cBhvr>
+                                        <p:cTn id="51" dur="1" fill="hold">
                                           <p:stCondLst>
                                             <p:cond delay="0"/>
                                           </p:stCondLst>
@@ -12018,7 +11927,7 @@
                                     </p:set>
                                     <p:animEffect transition="in" filter="fade">
                                       <p:cBhvr>
-                                        <p:cTn id="47" dur="500"/>
+                                        <p:cTn id="52" dur="500"/>
                                         <p:tgtEl>
                                           <p:spTgt spid="7"/>
                                         </p:tgtEl>
@@ -12031,20 +11940,20 @@
                           </p:cTn>
                         </p:par>
                         <p:par>
-                          <p:cTn id="48" fill="hold">
+                          <p:cTn id="53" fill="hold">
                             <p:stCondLst>
                               <p:cond delay="500"/>
                             </p:stCondLst>
                             <p:childTnLst>
                               <p:par>
-                                <p:cTn id="49" presetID="32" presetClass="emph" presetSubtype="0" fill="hold" grpId="1" nodeType="afterEffect">
+                                <p:cTn id="54" presetID="32" presetClass="emph" presetSubtype="0" fill="hold" grpId="1" nodeType="afterEffect">
                                   <p:stCondLst>
                                     <p:cond delay="0"/>
                                   </p:stCondLst>
                                   <p:childTnLst>
                                     <p:animRot by="120000">
                                       <p:cBhvr>
-                                        <p:cTn id="50" dur="100" fill="hold">
+                                        <p:cTn id="55" dur="100" fill="hold">
                                           <p:stCondLst>
                                             <p:cond delay="0"/>
                                           </p:stCondLst>
@@ -12059,7 +11968,7 @@
                                     </p:animRot>
                                     <p:animRot by="-240000">
                                       <p:cBhvr>
-                                        <p:cTn id="51" dur="200" fill="hold">
+                                        <p:cTn id="56" dur="200" fill="hold">
                                           <p:stCondLst>
                                             <p:cond delay="200"/>
                                           </p:stCondLst>
@@ -12074,7 +11983,7 @@
                                     </p:animRot>
                                     <p:animRot by="240000">
                                       <p:cBhvr>
-                                        <p:cTn id="52" dur="200" fill="hold">
+                                        <p:cTn id="57" dur="200" fill="hold">
                                           <p:stCondLst>
                                             <p:cond delay="400"/>
                                           </p:stCondLst>
@@ -12089,7 +11998,7 @@
                                     </p:animRot>
                                     <p:animRot by="-240000">
                                       <p:cBhvr>
-                                        <p:cTn id="53" dur="200" fill="hold">
+                                        <p:cTn id="58" dur="200" fill="hold">
                                           <p:stCondLst>
                                             <p:cond delay="600"/>
                                           </p:stCondLst>
@@ -12104,7 +12013,7 @@
                                     </p:animRot>
                                     <p:animRot by="120000">
                                       <p:cBhvr>
-                                        <p:cTn id="54" dur="200" fill="hold">
+                                        <p:cTn id="59" dur="200" fill="hold">
                                           <p:stCondLst>
                                             <p:cond delay="800"/>
                                           </p:stCondLst>
@@ -12215,26 +12124,22 @@
           <a:lstStyle/>
           <a:p>
             <a:r>
-              <a:rPr lang="en-US" altLang="ja-JP" dirty="0" smtClean="0"/>
+              <a:rPr lang="en-US" altLang="ja-JP" dirty="0"/>
               <a:t>Electron</a:t>
             </a:r>
             <a:r>
               <a:rPr lang="ja-JP" altLang="en-US" dirty="0"/>
-              <a:t> </a:t>
-            </a:r>
-            <a:r>
-              <a:rPr lang="ja-JP" altLang="en-US" dirty="0" smtClean="0"/>
-              <a:t>かなり充実してきてる</a:t>
+              <a:t> かなり充実してきてる</a:t>
             </a:r>
             <a:endParaRPr lang="en-US" altLang="ja-JP" dirty="0"/>
           </a:p>
           <a:p>
             <a:r>
-              <a:rPr lang="en-US" altLang="ja-JP" dirty="0" smtClean="0"/>
+              <a:rPr lang="en-US" altLang="ja-JP" dirty="0"/>
               <a:t>PWA </a:t>
             </a:r>
             <a:r>
-              <a:rPr lang="ja-JP" altLang="en-US" dirty="0" smtClean="0"/>
+              <a:rPr lang="ja-JP" altLang="en-US" dirty="0"/>
               <a:t>のツールチェインや知識も活かせる</a:t>
             </a:r>
             <a:endParaRPr lang="en-US" altLang="ja-JP" dirty="0"/>
@@ -12335,13 +12240,6 @@
       </p:transition>
     </mc:Fallback>
   </mc:AlternateContent>
-  <p:timing>
-    <p:tnLst>
-      <p:par>
-        <p:cTn id="1" dur="indefinite" restart="never" nodeType="tmRoot"/>
-      </p:par>
-    </p:tnLst>
-  </p:timing>
 </p:sld>
 </file>
 
@@ -12518,13 +12416,6 @@
       </p:transition>
     </mc:Fallback>
   </mc:AlternateContent>
-  <p:timing>
-    <p:tnLst>
-      <p:par>
-        <p:cTn id="1" dur="indefinite" restart="never" nodeType="tmRoot"/>
-      </p:par>
-    </p:tnLst>
-  </p:timing>
 </p:sld>
 </file>
 
@@ -12924,10 +12815,6 @@
             <a:r>
               <a:rPr kumimoji="1" lang="ja-JP" altLang="en-US" dirty="0"/>
               <a:t>フレームワーク利用経験</a:t>
-            </a:r>
-            <a:r>
-              <a:rPr kumimoji="1" lang="en-US" altLang="ja-JP" dirty="0"/>
-              <a:t/>
             </a:r>
             <a:br>
               <a:rPr kumimoji="1" lang="en-US" altLang="ja-JP" dirty="0"/>
@@ -14429,13 +14316,6 @@
       </p:transition>
     </mc:Fallback>
   </mc:AlternateContent>
-  <p:timing>
-    <p:tnLst>
-      <p:par>
-        <p:cTn id="1" dur="indefinite" restart="never" nodeType="tmRoot"/>
-      </p:par>
-    </p:tnLst>
-  </p:timing>
 </p:sld>
 </file>
 
@@ -15727,13 +15607,6 @@
       </p:transition>
     </mc:Fallback>
   </mc:AlternateContent>
-  <p:timing>
-    <p:tnLst>
-      <p:par>
-        <p:cTn id="1" dur="indefinite" restart="never" nodeType="tmRoot"/>
-      </p:par>
-    </p:tnLst>
-  </p:timing>
 </p:sld>
 </file>
 
@@ -16782,7 +16655,7 @@
               <a:t> </a:t>
             </a:r>
             <a:r>
-              <a:rPr lang="ja-JP" altLang="en-US" dirty="0" smtClean="0"/>
+              <a:rPr lang="ja-JP" altLang="en-US" dirty="0"/>
               <a:t>など対応サイト増加</a:t>
             </a:r>
             <a:endParaRPr lang="en-US" altLang="ja-JP" dirty="0"/>
@@ -17133,24 +17006,17 @@
                           <a:latin typeface="UD デジタル 教科書体 NK-R" panose="02020400000000000000" pitchFamily="18" charset="-128"/>
                           <a:ea typeface="UD デジタル 教科書体 NK-R" panose="02020400000000000000" pitchFamily="18" charset="-128"/>
                         </a:rPr>
-                        <a:t> </a:t>
+                        <a:t> /</a:t>
                       </a:r>
                       <a:r>
-                        <a:rPr kumimoji="1" lang="en-US" altLang="ja-JP" baseline="0" dirty="0" smtClean="0">
-                          <a:latin typeface="UD デジタル 教科書体 NK-R" panose="02020400000000000000" pitchFamily="18" charset="-128"/>
-                          <a:ea typeface="UD デジタル 教科書体 NK-R" panose="02020400000000000000" pitchFamily="18" charset="-128"/>
-                        </a:rPr>
-                        <a:t>/</a:t>
-                      </a:r>
-                      <a:r>
-                        <a:rPr kumimoji="1" lang="ja-JP" altLang="en-US" baseline="0" dirty="0" smtClean="0">
+                        <a:rPr kumimoji="1" lang="ja-JP" altLang="en-US" baseline="0" dirty="0">
                           <a:latin typeface="UD デジタル 教科書体 NK-R" panose="02020400000000000000" pitchFamily="18" charset="-128"/>
                           <a:ea typeface="UD デジタル 教科書体 NK-R" panose="02020400000000000000" pitchFamily="18" charset="-128"/>
                         </a:rPr>
                         <a:t> </a:t>
                       </a:r>
                       <a:r>
-                        <a:rPr kumimoji="1" lang="en-US" altLang="ja-JP" baseline="0" dirty="0" smtClean="0">
+                        <a:rPr kumimoji="1" lang="en-US" altLang="ja-JP" baseline="0" dirty="0">
                           <a:latin typeface="UD デジタル 教科書体 NK-R" panose="02020400000000000000" pitchFamily="18" charset="-128"/>
                           <a:ea typeface="UD デジタル 教科書体 NK-R" panose="02020400000000000000" pitchFamily="18" charset="-128"/>
                         </a:rPr>
@@ -17177,16 +17043,12 @@
                     <a:lstStyle/>
                     <a:p>
                       <a:r>
-                        <a:rPr kumimoji="1" lang="ja-JP" altLang="en-US" dirty="0" smtClean="0">
+                        <a:rPr kumimoji="1" lang="ja-JP" altLang="en-US" dirty="0">
                           <a:latin typeface="UD デジタル 教科書体 NK-R" panose="02020400000000000000" pitchFamily="18" charset="-128"/>
                           <a:ea typeface="UD デジタル 教科書体 NK-R" panose="02020400000000000000" pitchFamily="18" charset="-128"/>
                         </a:rPr>
                         <a:t>クロスブラウザ対応</a:t>
                       </a:r>
-                      <a:endParaRPr kumimoji="1" lang="ja-JP" altLang="en-US" dirty="0">
-                        <a:latin typeface="UD デジタル 教科書体 NK-R" panose="02020400000000000000" pitchFamily="18" charset="-128"/>
-                        <a:ea typeface="UD デジタル 教科書体 NK-R" panose="02020400000000000000" pitchFamily="18" charset="-128"/>
-                      </a:endParaRPr>
                     </a:p>
                   </a:txBody>
                   <a:tcPr/>
@@ -17231,16 +17093,12 @@
                     <a:lstStyle/>
                     <a:p>
                       <a:r>
-                        <a:rPr kumimoji="1" lang="ja-JP" altLang="en-US" dirty="0" smtClean="0">
+                        <a:rPr kumimoji="1" lang="ja-JP" altLang="en-US" dirty="0">
                           <a:latin typeface="UD デジタル 教科書体 NK-R" panose="02020400000000000000" pitchFamily="18" charset="-128"/>
                           <a:ea typeface="UD デジタル 教科書体 NK-R" panose="02020400000000000000" pitchFamily="18" charset="-128"/>
                         </a:rPr>
                         <a:t>考慮必要</a:t>
                       </a:r>
-                      <a:endParaRPr kumimoji="1" lang="ja-JP" altLang="en-US" dirty="0">
-                        <a:latin typeface="UD デジタル 教科書体 NK-R" panose="02020400000000000000" pitchFamily="18" charset="-128"/>
-                        <a:ea typeface="UD デジタル 教科書体 NK-R" panose="02020400000000000000" pitchFamily="18" charset="-128"/>
-                      </a:endParaRPr>
                     </a:p>
                   </a:txBody>
                   <a:tcPr/>
@@ -17432,13 +17290,6 @@
       </p:transition>
     </mc:Fallback>
   </mc:AlternateContent>
-  <p:timing>
-    <p:tnLst>
-      <p:par>
-        <p:cTn id="1" dur="indefinite" restart="never" nodeType="tmRoot"/>
-      </p:par>
-    </p:tnLst>
-  </p:timing>
 </p:sld>
 </file>
 
@@ -18393,6 +18244,15 @@
 </file>
 
 <file path=customXml/item1.xml><?xml version="1.0" encoding="utf-8"?>
+<?mso-contentType ?>
+<FormTemplates xmlns="http://schemas.microsoft.com/sharepoint/v3/contenttype/forms">
+  <Display>DocumentLibraryForm</Display>
+  <Edit>AssetEditForm</Edit>
+  <New>DocumentLibraryForm</New>
+</FormTemplates>
+</file>
+
+<file path=customXml/item2.xml><?xml version="1.0" encoding="utf-8"?>
 <ct:contentTypeSchema xmlns:ct="http://schemas.microsoft.com/office/2006/metadata/contentType" xmlns:ma="http://schemas.microsoft.com/office/2006/metadata/properties/metaAttributes" ct:_="" ma:_="" ma:contentTypeName="TemplateFile" ma:contentTypeID="0x0101006EDDDB5EE6D98C44930B742096920B300400F5B6D36B3EF94B4E9A635CDF2A18F5B8" ma:contentTypeVersion="72" ma:contentTypeDescription="Create a new document." ma:contentTypeScope="" ma:versionID="a23e56308344d904b51738559c3d67c9">
   <xsd:schema xmlns:xsd="http://www.w3.org/2001/XMLSchema" xmlns:xs="http://www.w3.org/2001/XMLSchema" xmlns:p="http://schemas.microsoft.com/office/2006/metadata/properties" xmlns:ns2="4873beb7-5857-4685-be1f-d57550cc96cc" targetNamespace="http://schemas.microsoft.com/office/2006/metadata/properties" ma:root="true" ma:fieldsID="cd0908cc4600e77bf5da051303e00c8d" ns2:_="">
     <xsd:import namespace="4873beb7-5857-4685-be1f-d57550cc96cc"/>
@@ -19432,15 +19292,6 @@
 </ct:contentTypeSchema>
 </file>
 
-<file path=customXml/item2.xml><?xml version="1.0" encoding="utf-8"?>
-<?mso-contentType ?>
-<FormTemplates xmlns="http://schemas.microsoft.com/sharepoint/v3/contenttype/forms">
-  <Display>DocumentLibraryForm</Display>
-  <Edit>AssetEditForm</Edit>
-  <New>DocumentLibraryForm</New>
-</FormTemplates>
-</file>
-
 <file path=customXml/item3.xml><?xml version="1.0" encoding="utf-8"?>
 <p:properties xmlns:p="http://schemas.microsoft.com/office/2006/metadata/properties" xmlns:xsi="http://www.w3.org/2001/XMLSchema-instance" xmlns:pc="http://schemas.microsoft.com/office/infopath/2007/PartnerControls">
   <documentManagement>
@@ -19578,6 +19429,14 @@
 </file>
 
 <file path=customXml/itemProps1.xml><?xml version="1.0" encoding="utf-8"?>
+<ds:datastoreItem xmlns:ds="http://schemas.openxmlformats.org/officeDocument/2006/customXml" ds:itemID="{3836F65B-1B07-41EE-A0E8-BC6EF3855225}">
+  <ds:schemaRefs>
+    <ds:schemaRef ds:uri="http://schemas.microsoft.com/sharepoint/v3/contenttype/forms"/>
+  </ds:schemaRefs>
+</ds:datastoreItem>
+</file>
+
+<file path=customXml/itemProps2.xml><?xml version="1.0" encoding="utf-8"?>
 <ds:datastoreItem xmlns:ds="http://schemas.openxmlformats.org/officeDocument/2006/customXml" ds:itemID="{A09BF4D4-EF60-4196-BFC3-9462D607978C}">
   <ds:schemaRefs>
     <ds:schemaRef ds:uri="http://schemas.microsoft.com/office/2006/metadata/contentType"/>
@@ -19596,26 +19455,18 @@
 </ds:datastoreItem>
 </file>
 
-<file path=customXml/itemProps2.xml><?xml version="1.0" encoding="utf-8"?>
-<ds:datastoreItem xmlns:ds="http://schemas.openxmlformats.org/officeDocument/2006/customXml" ds:itemID="{3836F65B-1B07-41EE-A0E8-BC6EF3855225}">
-  <ds:schemaRefs>
-    <ds:schemaRef ds:uri="http://schemas.microsoft.com/sharepoint/v3/contenttype/forms"/>
-  </ds:schemaRefs>
-</ds:datastoreItem>
-</file>
-
 <file path=customXml/itemProps3.xml><?xml version="1.0" encoding="utf-8"?>
 <ds:datastoreItem xmlns:ds="http://schemas.openxmlformats.org/officeDocument/2006/customXml" ds:itemID="{60C67BEE-D13F-4BD2-98A5-34D8A0977F68}">
   <ds:schemaRefs>
     <ds:schemaRef ds:uri="http://schemas.microsoft.com/office/2006/documentManagement/types"/>
-    <ds:schemaRef ds:uri="http://purl.org/dc/terms/"/>
-    <ds:schemaRef ds:uri="http://purl.org/dc/dcmitype/"/>
+    <ds:schemaRef ds:uri="http://purl.org/dc/elements/1.1/"/>
     <ds:schemaRef ds:uri="http://schemas.microsoft.com/office/2006/metadata/properties"/>
     <ds:schemaRef ds:uri="http://schemas.microsoft.com/office/infopath/2007/PartnerControls"/>
-    <ds:schemaRef ds:uri="http://purl.org/dc/elements/1.1/"/>
+    <ds:schemaRef ds:uri="http://purl.org/dc/terms/"/>
     <ds:schemaRef ds:uri="http://schemas.openxmlformats.org/package/2006/metadata/core-properties"/>
     <ds:schemaRef ds:uri="4873beb7-5857-4685-be1f-d57550cc96cc"/>
     <ds:schemaRef ds:uri="http://www.w3.org/XML/1998/namespace"/>
+    <ds:schemaRef ds:uri="http://purl.org/dc/dcmitype/"/>
   </ds:schemaRefs>
 </ds:datastoreItem>
 </file>
--- a/slide/Electron_in-house_presentation.pptx
+++ b/slide/Electron_in-house_presentation.pptx
@@ -5,10 +5,10 @@
     <p:sldMasterId id="2147483660" r:id="rId4"/>
   </p:sldMasterIdLst>
   <p:notesMasterIdLst>
-    <p:notesMasterId r:id="rId35"/>
+    <p:notesMasterId r:id="rId36"/>
   </p:notesMasterIdLst>
   <p:handoutMasterIdLst>
-    <p:handoutMasterId r:id="rId36"/>
+    <p:handoutMasterId r:id="rId37"/>
   </p:handoutMasterIdLst>
   <p:sldIdLst>
     <p:sldId id="257" r:id="rId5"/>
@@ -40,7 +40,8 @@
     <p:sldId id="300" r:id="rId31"/>
     <p:sldId id="299" r:id="rId32"/>
     <p:sldId id="283" r:id="rId33"/>
-    <p:sldId id="295" r:id="rId34"/>
+    <p:sldId id="301" r:id="rId34"/>
+    <p:sldId id="295" r:id="rId35"/>
   </p:sldIdLst>
   <p:sldSz cx="12188825" cy="6858000"/>
   <p:notesSz cx="6858000" cy="9144000"/>
@@ -262,7 +263,7 @@
                 <a:latin typeface="ＭＳ Ｐゴシック" panose="020B0600070205080204" pitchFamily="50" charset="-128"/>
                 <a:ea typeface="ＭＳ Ｐゴシック" panose="020B0600070205080204" pitchFamily="50" charset="-128"/>
               </a:rPr>
-              <a:t>2019/2/28</a:t>
+              <a:t>2019/3/1</a:t>
             </a:fld>
             <a:endParaRPr lang="ja-JP" altLang="en-US" dirty="0">
               <a:latin typeface="ＭＳ Ｐゴシック" panose="020B0600070205080204" pitchFamily="50" charset="-128"/>
@@ -449,7 +450,7 @@
             <a:fld id="{37165343-859F-4143-8972-D138C517BA87}" type="datetime1">
               <a:rPr lang="ja-JP" altLang="en-US" smtClean="0"/>
               <a:pPr/>
-              <a:t>2019/2/28</a:t>
+              <a:t>2019/3/1</a:t>
             </a:fld>
             <a:endParaRPr lang="ja-JP" altLang="en-US" dirty="0"/>
           </a:p>
@@ -1809,7 +1810,7 @@
             <a:fld id="{8B8BDBCF-2245-4FCB-9DDE-432CD8FA8E0A}" type="datetime1">
               <a:rPr lang="ja-JP" altLang="en-US" smtClean="0"/>
               <a:pPr/>
-              <a:t>2019/2/28</a:t>
+              <a:t>2019/3/1</a:t>
             </a:fld>
             <a:endParaRPr lang="ja-JP" altLang="en-US" dirty="0"/>
           </a:p>
@@ -2051,7 +2052,7 @@
             <a:fld id="{0E2695C8-689F-41E2-801C-EC2626087B1A}" type="datetime1">
               <a:rPr lang="ja-JP" altLang="en-US" smtClean="0"/>
               <a:pPr/>
-              <a:t>2019/2/28</a:t>
+              <a:t>2019/3/1</a:t>
             </a:fld>
             <a:endParaRPr lang="ja-JP" altLang="en-US" dirty="0"/>
           </a:p>
@@ -2303,7 +2304,7 @@
             <a:fld id="{061217A4-CAA8-44F2-8FF7-C615B184E281}" type="datetime1">
               <a:rPr lang="ja-JP" altLang="en-US" smtClean="0"/>
               <a:pPr/>
-              <a:t>2019/2/28</a:t>
+              <a:t>2019/3/1</a:t>
             </a:fld>
             <a:endParaRPr lang="ja-JP" altLang="en-US" dirty="0"/>
           </a:p>
@@ -2576,7 +2577,7 @@
             <a:fld id="{CCBF1506-F1B8-4806-9D73-EF91A452CC85}" type="datetime1">
               <a:rPr lang="ja-JP" altLang="en-US" smtClean="0"/>
               <a:pPr/>
-              <a:t>2019/2/28</a:t>
+              <a:t>2019/3/1</a:t>
             </a:fld>
             <a:endParaRPr lang="ja-JP" altLang="en-US" dirty="0"/>
           </a:p>
@@ -3022,7 +3023,7 @@
             <a:fld id="{2428F437-7555-47DD-B668-A6054E2B6526}" type="datetime1">
               <a:rPr lang="ja-JP" altLang="en-US" smtClean="0"/>
               <a:pPr/>
-              <a:t>2019/2/28</a:t>
+              <a:t>2019/3/1</a:t>
             </a:fld>
             <a:endParaRPr lang="ja-JP" altLang="en-US" dirty="0"/>
           </a:p>
@@ -3436,7 +3437,7 @@
             <a:fld id="{BAFA1F1E-07BA-4BD1-9D0B-52CCAAB6E57E}" type="datetime1">
               <a:rPr lang="ja-JP" altLang="en-US" smtClean="0"/>
               <a:pPr/>
-              <a:t>2019/2/28</a:t>
+              <a:t>2019/3/1</a:t>
             </a:fld>
             <a:endParaRPr lang="ja-JP" altLang="en-US" dirty="0"/>
           </a:p>
@@ -3965,7 +3966,7 @@
             <a:fld id="{427E2E48-3F71-4060-AD47-6D35A162C236}" type="datetime1">
               <a:rPr lang="ja-JP" altLang="en-US" smtClean="0"/>
               <a:pPr/>
-              <a:t>2019/2/28</a:t>
+              <a:t>2019/3/1</a:t>
             </a:fld>
             <a:endParaRPr lang="ja-JP" altLang="en-US" dirty="0"/>
           </a:p>
@@ -4111,7 +4112,7 @@
             <a:fld id="{46800D23-6458-42C6-B818-E75CC448B4DB}" type="datetime1">
               <a:rPr lang="ja-JP" altLang="en-US" smtClean="0"/>
               <a:pPr/>
-              <a:t>2019/2/28</a:t>
+              <a:t>2019/3/1</a:t>
             </a:fld>
             <a:endParaRPr lang="ja-JP" altLang="en-US" dirty="0"/>
           </a:p>
@@ -4226,7 +4227,7 @@
             <a:fld id="{C89347AB-B18F-4EC7-9B2B-0B9F65F4923C}" type="datetime1">
               <a:rPr lang="ja-JP" altLang="en-US" smtClean="0"/>
               <a:pPr/>
-              <a:t>2019/2/28</a:t>
+              <a:t>2019/3/1</a:t>
             </a:fld>
             <a:endParaRPr lang="ja-JP" altLang="en-US" dirty="0"/>
           </a:p>
@@ -4566,7 +4567,7 @@
             <a:fld id="{F746CB98-8F1C-469F-A210-693DC87B2CEB}" type="datetime1">
               <a:rPr lang="ja-JP" altLang="en-US" smtClean="0"/>
               <a:pPr/>
-              <a:t>2019/2/28</a:t>
+              <a:t>2019/3/1</a:t>
             </a:fld>
             <a:endParaRPr lang="ja-JP" altLang="en-US" dirty="0"/>
           </a:p>
@@ -4864,7 +4865,7 @@
             <a:fld id="{4A88E3EC-CE02-4F26-BBD8-264DBE926D7A}" type="datetime1">
               <a:rPr lang="ja-JP" altLang="en-US" smtClean="0"/>
               <a:pPr/>
-              <a:t>2019/2/28</a:t>
+              <a:t>2019/3/1</a:t>
             </a:fld>
             <a:endParaRPr lang="ja-JP" altLang="en-US" dirty="0"/>
           </a:p>
@@ -5535,7 +5536,7 @@
             <a:fld id="{5F1C1D98-9737-459D-9F09-105F0595AFC8}" type="datetime1">
               <a:rPr lang="ja-JP" altLang="en-US" smtClean="0"/>
               <a:pPr/>
-              <a:t>2019/2/28</a:t>
+              <a:t>2019/3/1</a:t>
             </a:fld>
             <a:endParaRPr lang="ja-JP" altLang="en-US" dirty="0"/>
           </a:p>
@@ -10383,8 +10384,9 @@
           </a:bodyPr>
           <a:lstStyle/>
           <a:p>
-            <a:r>
-              <a:rPr lang="ja-JP" altLang="en-US" sz="2000" dirty="0">
+            <a:pPr algn="ctr"/>
+            <a:r>
+              <a:rPr lang="ja-JP" altLang="en-US" sz="2000" b="1" dirty="0">
                 <a:solidFill>
                   <a:schemeClr val="bg2">
                     <a:lumMod val="60000"/>
@@ -10396,7 +10398,7 @@
               <a:t>ここに </a:t>
             </a:r>
             <a:r>
-              <a:rPr lang="en-US" altLang="ja-JP" sz="2000" dirty="0">
+              <a:rPr lang="en-US" altLang="ja-JP" sz="2000" b="1" dirty="0">
                 <a:solidFill>
                   <a:schemeClr val="bg2">
                     <a:lumMod val="60000"/>
@@ -10408,7 +10410,7 @@
               <a:t>Vue </a:t>
             </a:r>
             <a:r>
-              <a:rPr lang="ja-JP" altLang="en-US" sz="2000" dirty="0">
+              <a:rPr lang="ja-JP" altLang="en-US" sz="2000" b="1" dirty="0">
                 <a:solidFill>
                   <a:schemeClr val="bg2">
                     <a:lumMod val="60000"/>
@@ -10420,7 +10422,7 @@
               <a:t>のトイ・アプリがある</a:t>
             </a:r>
             <a:r>
-              <a:rPr lang="ja-JP" altLang="en-US" sz="2000" dirty="0" err="1">
+              <a:rPr lang="ja-JP" altLang="en-US" sz="2000" b="1" dirty="0" err="1">
                 <a:solidFill>
                   <a:schemeClr val="bg2">
                     <a:lumMod val="60000"/>
@@ -10432,7 +10434,7 @@
               <a:t>じゃろ</a:t>
             </a:r>
             <a:r>
-              <a:rPr lang="ja-JP" altLang="en-US" sz="2000" dirty="0">
+              <a:rPr lang="ja-JP" altLang="en-US" sz="2000" b="1" dirty="0">
                 <a:solidFill>
                   <a:schemeClr val="bg2">
                     <a:lumMod val="60000"/>
@@ -10443,7 +10445,7 @@
               </a:rPr>
               <a:t>？</a:t>
             </a:r>
-            <a:endParaRPr lang="en-US" altLang="ja-JP" sz="2000" dirty="0">
+            <a:endParaRPr lang="en-US" altLang="ja-JP" sz="2000" b="1" dirty="0">
               <a:solidFill>
                 <a:schemeClr val="bg2">
                   <a:lumMod val="60000"/>
@@ -10454,8 +10456,9 @@
             </a:endParaRPr>
           </a:p>
           <a:p>
-            <a:r>
-              <a:rPr lang="en-US" altLang="ja-JP" sz="2000" dirty="0">
+            <a:pPr algn="ctr"/>
+            <a:r>
+              <a:rPr lang="en-US" altLang="ja-JP" sz="2000" b="1" dirty="0">
                 <a:solidFill>
                   <a:schemeClr val="bg2">
                     <a:lumMod val="60000"/>
@@ -10467,7 +10470,7 @@
               <a:t>( </a:t>
             </a:r>
             <a:r>
-              <a:rPr lang="ja-JP" altLang="en-US" sz="2000" dirty="0">
+              <a:rPr lang="ja-JP" altLang="en-US" sz="2000" b="1" dirty="0">
                 <a:solidFill>
                   <a:schemeClr val="bg2">
                     <a:lumMod val="60000"/>
@@ -10479,7 +10482,7 @@
               <a:t>＾</a:t>
             </a:r>
             <a:r>
-              <a:rPr lang="en-US" altLang="ja-JP" sz="2000" dirty="0">
+              <a:rPr lang="en-US" altLang="ja-JP" sz="2000" b="1" dirty="0">
                 <a:solidFill>
                   <a:schemeClr val="bg2">
                     <a:lumMod val="60000"/>
@@ -10491,7 +10494,7 @@
               <a:t>ω</a:t>
             </a:r>
             <a:r>
-              <a:rPr lang="ja-JP" altLang="en-US" sz="2000" dirty="0">
+              <a:rPr lang="ja-JP" altLang="en-US" sz="2000" b="1" dirty="0">
                 <a:solidFill>
                   <a:schemeClr val="bg2">
                     <a:lumMod val="60000"/>
@@ -10503,7 +10506,7 @@
               <a:t>＾</a:t>
             </a:r>
             <a:r>
-              <a:rPr lang="en-US" altLang="ja-JP" sz="2000" dirty="0">
+              <a:rPr lang="en-US" altLang="ja-JP" sz="2000" b="1" dirty="0">
                 <a:solidFill>
                   <a:schemeClr val="bg2">
                     <a:lumMod val="60000"/>
@@ -10516,8 +10519,9 @@
             </a:r>
           </a:p>
           <a:p>
-            <a:r>
-              <a:rPr lang="ja-JP" altLang="en-US" sz="2000" dirty="0">
+            <a:pPr algn="ctr"/>
+            <a:r>
+              <a:rPr lang="ja-JP" altLang="en-US" sz="2000" b="1" dirty="0">
                 <a:solidFill>
                   <a:schemeClr val="bg2">
                     <a:lumMod val="60000"/>
@@ -10529,7 +10533,7 @@
               <a:t> </a:t>
             </a:r>
             <a:r>
-              <a:rPr lang="en-US" altLang="ja-JP" sz="2000" dirty="0">
+              <a:rPr lang="en-US" altLang="ja-JP" sz="2000" b="1" dirty="0">
                 <a:solidFill>
                   <a:schemeClr val="bg2">
                     <a:lumMod val="60000"/>
@@ -10541,7 +10545,7 @@
               <a:t>⊃</a:t>
             </a:r>
             <a:r>
-              <a:rPr lang="ja-JP" altLang="en-US" sz="2000" dirty="0">
+              <a:rPr lang="ja-JP" altLang="en-US" sz="2000" b="1" dirty="0">
                 <a:solidFill>
                   <a:schemeClr val="bg2">
                     <a:lumMod val="60000"/>
@@ -10552,7 +10556,7 @@
               </a:rPr>
               <a:t>トイ⊂ </a:t>
             </a:r>
-            <a:endParaRPr lang="en-US" altLang="ja-JP" sz="2000" dirty="0">
+            <a:endParaRPr lang="en-US" altLang="ja-JP" sz="2000" b="1" dirty="0">
               <a:solidFill>
                 <a:schemeClr val="bg2">
                   <a:lumMod val="60000"/>
@@ -10578,7 +10582,7 @@
         </p:nvSpPr>
         <p:spPr>
           <a:xfrm>
-            <a:off x="6949194" y="5085184"/>
+            <a:off x="7604938" y="5085184"/>
             <a:ext cx="3321682" cy="1015663"/>
           </a:xfrm>
           <a:prstGeom prst="rect">
@@ -10607,40 +10611,43 @@
             </a:lvl1pPr>
           </a:lstStyle>
           <a:p>
-            <a:r>
-              <a:rPr lang="en-US" altLang="ja-JP" dirty="0"/>
+            <a:pPr algn="ctr"/>
+            <a:r>
+              <a:rPr lang="en-US" altLang="ja-JP" b="1" dirty="0"/>
               <a:t>( </a:t>
             </a:r>
             <a:r>
-              <a:rPr lang="ja-JP" altLang="en-US" dirty="0"/>
+              <a:rPr lang="ja-JP" altLang="en-US" b="1" dirty="0"/>
               <a:t>＾</a:t>
             </a:r>
             <a:r>
-              <a:rPr lang="en-US" altLang="ja-JP" dirty="0"/>
+              <a:rPr lang="en-US" altLang="ja-JP" b="1" dirty="0"/>
               <a:t>ω</a:t>
             </a:r>
             <a:r>
-              <a:rPr lang="ja-JP" altLang="en-US" dirty="0"/>
+              <a:rPr lang="ja-JP" altLang="en-US" b="1" dirty="0"/>
               <a:t>＾</a:t>
             </a:r>
             <a:r>
-              <a:rPr lang="en-US" altLang="ja-JP" dirty="0"/>
+              <a:rPr lang="en-US" altLang="ja-JP" b="1" dirty="0"/>
               <a:t>)</a:t>
             </a:r>
           </a:p>
           <a:p>
-            <a:r>
-              <a:rPr lang="en-US" altLang="ja-JP" dirty="0"/>
+            <a:pPr algn="ctr"/>
+            <a:r>
+              <a:rPr lang="en-US" altLang="ja-JP" b="1" dirty="0"/>
               <a:t>≡⊃⊂≡ </a:t>
             </a:r>
           </a:p>
           <a:p>
-            <a:r>
-              <a:rPr lang="ja-JP" altLang="en-US" dirty="0"/>
+            <a:pPr algn="ctr"/>
+            <a:r>
+              <a:rPr lang="ja-JP" altLang="en-US" b="1" dirty="0"/>
               <a:t>こうじゃ</a:t>
             </a:r>
             <a:r>
-              <a:rPr lang="en-US" altLang="ja-JP" dirty="0"/>
+              <a:rPr lang="en-US" altLang="ja-JP" b="1" dirty="0"/>
               <a:t>… </a:t>
             </a:r>
           </a:p>
@@ -11142,7 +11149,6 @@
             <a:endParaRPr lang="en-US" altLang="ja-JP" dirty="0"/>
           </a:p>
           <a:p>
-            <a:pPr lvl="1"/>
             <a:r>
               <a:rPr lang="ja-JP" altLang="en-US" dirty="0"/>
               <a:t>ルートコンポーネントを別途用意して分離？</a:t>
@@ -11298,7 +11304,7 @@
         </p:nvSpPr>
         <p:spPr>
           <a:xfrm>
-            <a:off x="9939921" y="4856140"/>
+            <a:off x="10016599" y="5229200"/>
             <a:ext cx="1598515" cy="830997"/>
           </a:xfrm>
           <a:prstGeom prst="rect">
@@ -11431,30 +11437,21 @@
                             </p:childTnLst>
                           </p:cTn>
                         </p:par>
-                      </p:childTnLst>
-                    </p:cTn>
-                  </p:par>
-                  <p:par>
-                    <p:cTn id="8" fill="hold">
-                      <p:stCondLst>
-                        <p:cond delay="indefinite"/>
-                      </p:stCondLst>
-                      <p:childTnLst>
                         <p:par>
-                          <p:cTn id="9" fill="hold">
+                          <p:cTn id="8" fill="hold">
                             <p:stCondLst>
-                              <p:cond delay="0"/>
+                              <p:cond delay="500"/>
                             </p:stCondLst>
                             <p:childTnLst>
                               <p:par>
-                                <p:cTn id="10" presetID="10" presetClass="entr" presetSubtype="0" fill="hold" grpId="0" nodeType="clickEffect">
+                                <p:cTn id="9" presetID="10" presetClass="entr" presetSubtype="0" fill="hold" grpId="0" nodeType="afterEffect">
                                   <p:stCondLst>
                                     <p:cond delay="0"/>
                                   </p:stCondLst>
                                   <p:childTnLst>
                                     <p:set>
                                       <p:cBhvr>
-                                        <p:cTn id="11" dur="1" fill="hold">
+                                        <p:cTn id="10" dur="1" fill="hold">
                                           <p:stCondLst>
                                             <p:cond delay="0"/>
                                           </p:stCondLst>
@@ -11472,7 +11469,7 @@
                                     </p:set>
                                     <p:animEffect transition="in" filter="fade">
                                       <p:cBhvr>
-                                        <p:cTn id="12" dur="500"/>
+                                        <p:cTn id="11" dur="500"/>
                                         <p:tgtEl>
                                           <p:spTgt spid="6"/>
                                         </p:tgtEl>
@@ -11488,26 +11485,26 @@
                     </p:cTn>
                   </p:par>
                   <p:par>
-                    <p:cTn id="13" fill="hold">
+                    <p:cTn id="12" fill="hold">
                       <p:stCondLst>
                         <p:cond delay="indefinite"/>
                       </p:stCondLst>
                       <p:childTnLst>
                         <p:par>
-                          <p:cTn id="14" fill="hold">
+                          <p:cTn id="13" fill="hold">
                             <p:stCondLst>
                               <p:cond delay="0"/>
                             </p:stCondLst>
                             <p:childTnLst>
                               <p:par>
-                                <p:cTn id="15" presetID="22" presetClass="entr" presetSubtype="8" fill="hold" nodeType="clickEffect">
+                                <p:cTn id="14" presetID="22" presetClass="entr" presetSubtype="8" fill="hold" nodeType="clickEffect">
                                   <p:stCondLst>
                                     <p:cond delay="0"/>
                                   </p:stCondLst>
                                   <p:childTnLst>
                                     <p:set>
                                       <p:cBhvr>
-                                        <p:cTn id="16" dur="1" fill="hold">
+                                        <p:cTn id="15" dur="1" fill="hold">
                                           <p:stCondLst>
                                             <p:cond delay="0"/>
                                           </p:stCondLst>
@@ -11529,7 +11526,7 @@
                                     </p:set>
                                     <p:animEffect transition="in" filter="wipe(left)">
                                       <p:cBhvr>
-                                        <p:cTn id="17" dur="500"/>
+                                        <p:cTn id="16" dur="500"/>
                                         <p:tgtEl>
                                           <p:spTgt spid="3">
                                             <p:txEl>
@@ -11545,30 +11542,21 @@
                             </p:childTnLst>
                           </p:cTn>
                         </p:par>
-                      </p:childTnLst>
-                    </p:cTn>
-                  </p:par>
-                  <p:par>
-                    <p:cTn id="18" fill="hold">
-                      <p:stCondLst>
-                        <p:cond delay="indefinite"/>
-                      </p:stCondLst>
-                      <p:childTnLst>
                         <p:par>
-                          <p:cTn id="19" fill="hold">
+                          <p:cTn id="17" fill="hold">
                             <p:stCondLst>
-                              <p:cond delay="0"/>
+                              <p:cond delay="500"/>
                             </p:stCondLst>
                             <p:childTnLst>
                               <p:par>
-                                <p:cTn id="20" presetID="26" presetClass="emph" presetSubtype="0" fill="hold" grpId="1" nodeType="clickEffect">
+                                <p:cTn id="18" presetID="26" presetClass="emph" presetSubtype="0" fill="hold" grpId="1" nodeType="afterEffect">
                                   <p:stCondLst>
                                     <p:cond delay="0"/>
                                   </p:stCondLst>
                                   <p:childTnLst>
                                     <p:animEffect transition="out" filter="fade">
                                       <p:cBhvr>
-                                        <p:cTn id="21" dur="500" tmFilter="0, 0; .2, .5; .8, .5; 1, 0"/>
+                                        <p:cTn id="19" dur="500" tmFilter="0, 0; .2, .5; .8, .5; 1, 0"/>
                                         <p:tgtEl>
                                           <p:spTgt spid="6"/>
                                         </p:tgtEl>
@@ -11576,7 +11564,7 @@
                                     </p:animEffect>
                                     <p:animScale>
                                       <p:cBhvr>
-                                        <p:cTn id="22" dur="250" autoRev="1" fill="hold"/>
+                                        <p:cTn id="20" dur="250" autoRev="1" fill="hold"/>
                                         <p:tgtEl>
                                           <p:spTgt spid="6"/>
                                         </p:tgtEl>
@@ -11593,26 +11581,26 @@
                     </p:cTn>
                   </p:par>
                   <p:par>
-                    <p:cTn id="23" fill="hold">
+                    <p:cTn id="21" fill="hold">
                       <p:stCondLst>
                         <p:cond delay="indefinite"/>
                       </p:stCondLst>
                       <p:childTnLst>
                         <p:par>
-                          <p:cTn id="24" fill="hold">
+                          <p:cTn id="22" fill="hold">
                             <p:stCondLst>
                               <p:cond delay="0"/>
                             </p:stCondLst>
                             <p:childTnLst>
                               <p:par>
-                                <p:cTn id="25" presetID="22" presetClass="entr" presetSubtype="8" fill="hold" nodeType="clickEffect">
+                                <p:cTn id="23" presetID="22" presetClass="entr" presetSubtype="8" fill="hold" nodeType="clickEffect">
                                   <p:stCondLst>
                                     <p:cond delay="0"/>
                                   </p:stCondLst>
                                   <p:childTnLst>
                                     <p:set>
                                       <p:cBhvr>
-                                        <p:cTn id="26" dur="1" fill="hold">
+                                        <p:cTn id="24" dur="1" fill="hold">
                                           <p:stCondLst>
                                             <p:cond delay="0"/>
                                           </p:stCondLst>
@@ -11634,7 +11622,7 @@
                                     </p:set>
                                     <p:animEffect transition="in" filter="wipe(left)">
                                       <p:cBhvr>
-                                        <p:cTn id="27" dur="500"/>
+                                        <p:cTn id="25" dur="500"/>
                                         <p:tgtEl>
                                           <p:spTgt spid="3">
                                             <p:txEl>
@@ -11654,26 +11642,26 @@
                     </p:cTn>
                   </p:par>
                   <p:par>
-                    <p:cTn id="28" fill="hold">
+                    <p:cTn id="26" fill="hold">
                       <p:stCondLst>
                         <p:cond delay="indefinite"/>
                       </p:stCondLst>
                       <p:childTnLst>
                         <p:par>
-                          <p:cTn id="29" fill="hold">
+                          <p:cTn id="27" fill="hold">
                             <p:stCondLst>
                               <p:cond delay="0"/>
                             </p:stCondLst>
                             <p:childTnLst>
                               <p:par>
-                                <p:cTn id="30" presetID="10" presetClass="entr" presetSubtype="0" fill="hold" grpId="0" nodeType="clickEffect">
+                                <p:cTn id="28" presetID="10" presetClass="entr" presetSubtype="0" fill="hold" grpId="0" nodeType="clickEffect">
                                   <p:stCondLst>
                                     <p:cond delay="0"/>
                                   </p:stCondLst>
                                   <p:childTnLst>
                                     <p:set>
                                       <p:cBhvr>
-                                        <p:cTn id="31" dur="1" fill="hold">
+                                        <p:cTn id="29" dur="1" fill="hold">
                                           <p:stCondLst>
                                             <p:cond delay="0"/>
                                           </p:stCondLst>
@@ -11691,7 +11679,7 @@
                                     </p:set>
                                     <p:animEffect transition="in" filter="fade">
                                       <p:cBhvr>
-                                        <p:cTn id="32" dur="500"/>
+                                        <p:cTn id="30" dur="500"/>
                                         <p:tgtEl>
                                           <p:spTgt spid="5"/>
                                         </p:tgtEl>
@@ -11707,26 +11695,26 @@
                     </p:cTn>
                   </p:par>
                   <p:par>
-                    <p:cTn id="33" fill="hold">
+                    <p:cTn id="31" fill="hold">
                       <p:stCondLst>
                         <p:cond delay="indefinite"/>
                       </p:stCondLst>
                       <p:childTnLst>
                         <p:par>
-                          <p:cTn id="34" fill="hold">
+                          <p:cTn id="32" fill="hold">
                             <p:stCondLst>
                               <p:cond delay="0"/>
                             </p:stCondLst>
                             <p:childTnLst>
                               <p:par>
-                                <p:cTn id="35" presetID="22" presetClass="entr" presetSubtype="8" fill="hold" nodeType="clickEffect">
+                                <p:cTn id="33" presetID="22" presetClass="entr" presetSubtype="8" fill="hold" nodeType="clickEffect">
                                   <p:stCondLst>
                                     <p:cond delay="0"/>
                                   </p:stCondLst>
                                   <p:childTnLst>
                                     <p:set>
                                       <p:cBhvr>
-                                        <p:cTn id="36" dur="1" fill="hold">
+                                        <p:cTn id="34" dur="1" fill="hold">
                                           <p:stCondLst>
                                             <p:cond delay="0"/>
                                           </p:stCondLst>
@@ -11748,7 +11736,7 @@
                                     </p:set>
                                     <p:animEffect transition="in" filter="wipe(left)">
                                       <p:cBhvr>
-                                        <p:cTn id="37" dur="500"/>
+                                        <p:cTn id="35" dur="500"/>
                                         <p:tgtEl>
                                           <p:spTgt spid="3">
                                             <p:txEl>
@@ -11768,26 +11756,26 @@
                     </p:cTn>
                   </p:par>
                   <p:par>
-                    <p:cTn id="38" fill="hold">
+                    <p:cTn id="36" fill="hold">
                       <p:stCondLst>
                         <p:cond delay="indefinite"/>
                       </p:stCondLst>
                       <p:childTnLst>
                         <p:par>
-                          <p:cTn id="39" fill="hold">
+                          <p:cTn id="37" fill="hold">
                             <p:stCondLst>
                               <p:cond delay="0"/>
                             </p:stCondLst>
                             <p:childTnLst>
                               <p:par>
-                                <p:cTn id="40" presetID="22" presetClass="entr" presetSubtype="8" fill="hold" nodeType="clickEffect">
+                                <p:cTn id="38" presetID="22" presetClass="entr" presetSubtype="8" fill="hold" nodeType="clickEffect">
                                   <p:stCondLst>
                                     <p:cond delay="0"/>
                                   </p:stCondLst>
                                   <p:childTnLst>
                                     <p:set>
                                       <p:cBhvr>
-                                        <p:cTn id="41" dur="1" fill="hold">
+                                        <p:cTn id="39" dur="1" fill="hold">
                                           <p:stCondLst>
                                             <p:cond delay="0"/>
                                           </p:stCondLst>
@@ -11809,7 +11797,7 @@
                                     </p:set>
                                     <p:animEffect transition="in" filter="wipe(left)">
                                       <p:cBhvr>
-                                        <p:cTn id="42" dur="500"/>
+                                        <p:cTn id="40" dur="500"/>
                                         <p:tgtEl>
                                           <p:spTgt spid="3">
                                             <p:txEl>
@@ -11829,26 +11817,26 @@
                     </p:cTn>
                   </p:par>
                   <p:par>
-                    <p:cTn id="43" fill="hold">
+                    <p:cTn id="41" fill="hold">
                       <p:stCondLst>
                         <p:cond delay="indefinite"/>
                       </p:stCondLst>
                       <p:childTnLst>
                         <p:par>
-                          <p:cTn id="44" fill="hold">
+                          <p:cTn id="42" fill="hold">
                             <p:stCondLst>
                               <p:cond delay="0"/>
                             </p:stCondLst>
                             <p:childTnLst>
                               <p:par>
-                                <p:cTn id="45" presetID="22" presetClass="entr" presetSubtype="8" fill="hold" nodeType="clickEffect">
+                                <p:cTn id="43" presetID="22" presetClass="entr" presetSubtype="8" fill="hold" nodeType="clickEffect">
                                   <p:stCondLst>
                                     <p:cond delay="0"/>
                                   </p:stCondLst>
                                   <p:childTnLst>
                                     <p:set>
                                       <p:cBhvr>
-                                        <p:cTn id="46" dur="1" fill="hold">
+                                        <p:cTn id="44" dur="1" fill="hold">
                                           <p:stCondLst>
                                             <p:cond delay="0"/>
                                           </p:stCondLst>
@@ -11870,7 +11858,7 @@
                                     </p:set>
                                     <p:animEffect transition="in" filter="wipe(left)">
                                       <p:cBhvr>
-                                        <p:cTn id="47" dur="500"/>
+                                        <p:cTn id="45" dur="500"/>
                                         <p:tgtEl>
                                           <p:spTgt spid="3">
                                             <p:txEl>
@@ -11886,30 +11874,21 @@
                             </p:childTnLst>
                           </p:cTn>
                         </p:par>
-                      </p:childTnLst>
-                    </p:cTn>
-                  </p:par>
-                  <p:par>
-                    <p:cTn id="48" fill="hold">
-                      <p:stCondLst>
-                        <p:cond delay="indefinite"/>
-                      </p:stCondLst>
-                      <p:childTnLst>
                         <p:par>
-                          <p:cTn id="49" fill="hold">
+                          <p:cTn id="46" fill="hold">
                             <p:stCondLst>
-                              <p:cond delay="0"/>
+                              <p:cond delay="500"/>
                             </p:stCondLst>
                             <p:childTnLst>
                               <p:par>
-                                <p:cTn id="50" presetID="10" presetClass="entr" presetSubtype="0" fill="hold" grpId="0" nodeType="clickEffect">
+                                <p:cTn id="47" presetID="10" presetClass="entr" presetSubtype="0" fill="hold" grpId="0" nodeType="afterEffect">
                                   <p:stCondLst>
                                     <p:cond delay="0"/>
                                   </p:stCondLst>
                                   <p:childTnLst>
                                     <p:set>
                                       <p:cBhvr>
-                                        <p:cTn id="51" dur="1" fill="hold">
+                                        <p:cTn id="48" dur="1" fill="hold">
                                           <p:stCondLst>
                                             <p:cond delay="0"/>
                                           </p:stCondLst>
@@ -11927,7 +11906,7 @@
                                     </p:set>
                                     <p:animEffect transition="in" filter="fade">
                                       <p:cBhvr>
-                                        <p:cTn id="52" dur="500"/>
+                                        <p:cTn id="49" dur="500"/>
                                         <p:tgtEl>
                                           <p:spTgt spid="7"/>
                                         </p:tgtEl>
@@ -11940,20 +11919,20 @@
                           </p:cTn>
                         </p:par>
                         <p:par>
-                          <p:cTn id="53" fill="hold">
+                          <p:cTn id="50" fill="hold">
                             <p:stCondLst>
-                              <p:cond delay="500"/>
+                              <p:cond delay="1000"/>
                             </p:stCondLst>
                             <p:childTnLst>
                               <p:par>
-                                <p:cTn id="54" presetID="32" presetClass="emph" presetSubtype="0" fill="hold" grpId="1" nodeType="afterEffect">
+                                <p:cTn id="51" presetID="32" presetClass="emph" presetSubtype="0" fill="hold" grpId="1" nodeType="afterEffect">
                                   <p:stCondLst>
                                     <p:cond delay="0"/>
                                   </p:stCondLst>
                                   <p:childTnLst>
                                     <p:animRot by="120000">
                                       <p:cBhvr>
-                                        <p:cTn id="55" dur="100" fill="hold">
+                                        <p:cTn id="52" dur="100" fill="hold">
                                           <p:stCondLst>
                                             <p:cond delay="0"/>
                                           </p:stCondLst>
@@ -11968,7 +11947,7 @@
                                     </p:animRot>
                                     <p:animRot by="-240000">
                                       <p:cBhvr>
-                                        <p:cTn id="56" dur="200" fill="hold">
+                                        <p:cTn id="53" dur="200" fill="hold">
                                           <p:stCondLst>
                                             <p:cond delay="200"/>
                                           </p:stCondLst>
@@ -11983,7 +11962,7 @@
                                     </p:animRot>
                                     <p:animRot by="240000">
                                       <p:cBhvr>
-                                        <p:cTn id="57" dur="200" fill="hold">
+                                        <p:cTn id="54" dur="200" fill="hold">
                                           <p:stCondLst>
                                             <p:cond delay="400"/>
                                           </p:stCondLst>
@@ -11998,7 +11977,7 @@
                                     </p:animRot>
                                     <p:animRot by="-240000">
                                       <p:cBhvr>
-                                        <p:cTn id="58" dur="200" fill="hold">
+                                        <p:cTn id="55" dur="200" fill="hold">
                                           <p:stCondLst>
                                             <p:cond delay="600"/>
                                           </p:stCondLst>
@@ -12013,7 +11992,7 @@
                                     </p:animRot>
                                     <p:animRot by="120000">
                                       <p:cBhvr>
-                                        <p:cTn id="59" dur="200" fill="hold">
+                                        <p:cTn id="56" dur="200" fill="hold">
                                           <p:stCondLst>
                                             <p:cond delay="800"/>
                                           </p:stCondLst>
@@ -12119,7 +12098,7 @@
         <p:spPr/>
         <p:txBody>
           <a:bodyPr>
-            <a:normAutofit fontScale="92500" lnSpcReduction="10000"/>
+            <a:normAutofit/>
           </a:bodyPr>
           <a:lstStyle/>
           <a:p>
@@ -12159,7 +12138,7 @@
             </a:r>
             <a:r>
               <a:rPr lang="ja-JP" altLang="en-US" dirty="0"/>
-              <a:t>は廃れるかもしれない</a:t>
+              <a:t>は廃れるかもしれないけど・・・</a:t>
             </a:r>
             <a:endParaRPr lang="en-US" altLang="ja-JP" dirty="0"/>
           </a:p>
@@ -12180,40 +12159,6 @@
             <a:r>
               <a:rPr lang="ja-JP" altLang="en-US" dirty="0"/>
               <a:t>でも動いてるし</a:t>
-            </a:r>
-          </a:p>
-          <a:p>
-            <a:endParaRPr lang="en-US" altLang="ja-JP" dirty="0"/>
-          </a:p>
-          <a:p>
-            <a:r>
-              <a:rPr lang="ja-JP" altLang="en-US" dirty="0"/>
-              <a:t>クロスプラットフォーム対応はロマンである</a:t>
-            </a:r>
-          </a:p>
-          <a:p>
-            <a:r>
-              <a:rPr lang="ja-JP" altLang="en-US" dirty="0"/>
-              <a:t>各プラットフォームに最適な </a:t>
-            </a:r>
-            <a:r>
-              <a:rPr lang="en-US" altLang="ja-JP" dirty="0"/>
-              <a:t>UX </a:t>
-            </a:r>
-            <a:r>
-              <a:rPr lang="ja-JP" altLang="en-US" dirty="0" err="1"/>
-              <a:t>を提</a:t>
-            </a:r>
-            <a:r>
-              <a:rPr lang="ja-JP" altLang="en-US" dirty="0"/>
-              <a:t>供するのは難しい</a:t>
-            </a:r>
-            <a:endParaRPr lang="en-US" altLang="ja-JP" dirty="0"/>
-          </a:p>
-          <a:p>
-            <a:r>
-              <a:rPr kumimoji="1" lang="ja-JP" altLang="en-US" dirty="0"/>
-              <a:t>ツールならそれほど気にしなくても・・色々作ってみよう！</a:t>
             </a:r>
           </a:p>
         </p:txBody>
@@ -12420,6 +12365,532 @@
 </file>
 
 <file path=ppt/slides/slide30.xml><?xml version="1.0" encoding="utf-8"?>
+<p:sld xmlns:a="http://schemas.openxmlformats.org/drawingml/2006/main" xmlns:r="http://schemas.openxmlformats.org/officeDocument/2006/relationships" xmlns:p="http://schemas.openxmlformats.org/presentationml/2006/main">
+  <p:cSld>
+    <p:spTree>
+      <p:nvGrpSpPr>
+        <p:cNvPr id="1" name=""/>
+        <p:cNvGrpSpPr/>
+        <p:nvPr/>
+      </p:nvGrpSpPr>
+      <p:grpSpPr>
+        <a:xfrm>
+          <a:off x="0" y="0"/>
+          <a:ext cx="0" cy="0"/>
+          <a:chOff x="0" y="0"/>
+          <a:chExt cx="0" cy="0"/>
+        </a:xfrm>
+      </p:grpSpPr>
+      <p:pic>
+        <p:nvPicPr>
+          <p:cNvPr id="5" name="コンテンツ プレースホルダー 4">
+            <a:extLst>
+              <a:ext uri="{FF2B5EF4-FFF2-40B4-BE49-F238E27FC236}">
+                <a16:creationId xmlns:a16="http://schemas.microsoft.com/office/drawing/2014/main" id="{B1ED6A10-3BF9-467D-97D4-5B5EA3132B8D}"/>
+              </a:ext>
+            </a:extLst>
+          </p:cNvPr>
+          <p:cNvPicPr>
+            <a:picLocks noGrp="1" noChangeAspect="1"/>
+          </p:cNvPicPr>
+          <p:nvPr>
+            <p:ph idx="4294967295"/>
+          </p:nvPr>
+        </p:nvPicPr>
+        <p:blipFill>
+          <a:blip r:embed="rId2">
+            <a:extLst>
+              <a:ext uri="{28A0092B-C50C-407E-A947-70E740481C1C}">
+                <a14:useLocalDpi xmlns:a14="http://schemas.microsoft.com/office/drawing/2010/main" val="0"/>
+              </a:ext>
+            </a:extLst>
+          </a:blip>
+          <a:stretch>
+            <a:fillRect/>
+          </a:stretch>
+        </p:blipFill>
+        <p:spPr>
+          <a:xfrm>
+            <a:off x="189756" y="476672"/>
+            <a:ext cx="5798135" cy="6048672"/>
+          </a:xfrm>
+        </p:spPr>
+      </p:pic>
+      <p:sp>
+        <p:nvSpPr>
+          <p:cNvPr id="6" name="正方形/長方形 5">
+            <a:extLst>
+              <a:ext uri="{FF2B5EF4-FFF2-40B4-BE49-F238E27FC236}">
+                <a16:creationId xmlns:a16="http://schemas.microsoft.com/office/drawing/2014/main" id="{00628D9E-221B-4D3C-B520-8AAC1485F7C6}"/>
+              </a:ext>
+            </a:extLst>
+          </p:cNvPr>
+          <p:cNvSpPr/>
+          <p:nvPr/>
+        </p:nvSpPr>
+        <p:spPr>
+          <a:xfrm>
+            <a:off x="6310436" y="1052736"/>
+            <a:ext cx="5616624" cy="3970318"/>
+          </a:xfrm>
+          <a:prstGeom prst="rect">
+            <a:avLst/>
+          </a:prstGeom>
+        </p:spPr>
+        <p:txBody>
+          <a:bodyPr wrap="square">
+            <a:spAutoFit/>
+          </a:bodyPr>
+          <a:lstStyle/>
+          <a:p>
+            <a:r>
+              <a:rPr lang="ja-JP" altLang="en-US" sz="2800" dirty="0">
+                <a:latin typeface="UD デジタル 教科書体 NK-R" panose="02020400000000000000" pitchFamily="18" charset="-128"/>
+                <a:ea typeface="UD デジタル 教科書体 NK-R" panose="02020400000000000000" pitchFamily="18" charset="-128"/>
+              </a:rPr>
+              <a:t>クロスプラットフォーム対応はロマンである</a:t>
+            </a:r>
+            <a:endParaRPr lang="en-US" altLang="ja-JP" sz="2800" dirty="0">
+              <a:latin typeface="UD デジタル 教科書体 NK-R" panose="02020400000000000000" pitchFamily="18" charset="-128"/>
+              <a:ea typeface="UD デジタル 教科書体 NK-R" panose="02020400000000000000" pitchFamily="18" charset="-128"/>
+            </a:endParaRPr>
+          </a:p>
+          <a:p>
+            <a:endParaRPr lang="ja-JP" altLang="en-US" sz="2800" dirty="0">
+              <a:latin typeface="UD デジタル 教科書体 NK-R" panose="02020400000000000000" pitchFamily="18" charset="-128"/>
+              <a:ea typeface="UD デジタル 教科書体 NK-R" panose="02020400000000000000" pitchFamily="18" charset="-128"/>
+            </a:endParaRPr>
+          </a:p>
+          <a:p>
+            <a:r>
+              <a:rPr lang="ja-JP" altLang="en-US" sz="2800" dirty="0">
+                <a:latin typeface="UD デジタル 教科書体 NK-R" panose="02020400000000000000" pitchFamily="18" charset="-128"/>
+                <a:ea typeface="UD デジタル 教科書体 NK-R" panose="02020400000000000000" pitchFamily="18" charset="-128"/>
+              </a:rPr>
+              <a:t>各プラットフォームに最適な </a:t>
+            </a:r>
+            <a:r>
+              <a:rPr lang="en-US" altLang="ja-JP" sz="2800" dirty="0">
+                <a:latin typeface="UD デジタル 教科書体 NK-R" panose="02020400000000000000" pitchFamily="18" charset="-128"/>
+                <a:ea typeface="UD デジタル 教科書体 NK-R" panose="02020400000000000000" pitchFamily="18" charset="-128"/>
+              </a:rPr>
+              <a:t>UX </a:t>
+            </a:r>
+            <a:r>
+              <a:rPr lang="ja-JP" altLang="en-US" sz="2800" dirty="0" err="1">
+                <a:latin typeface="UD デジタル 教科書体 NK-R" panose="02020400000000000000" pitchFamily="18" charset="-128"/>
+                <a:ea typeface="UD デジタル 教科書体 NK-R" panose="02020400000000000000" pitchFamily="18" charset="-128"/>
+              </a:rPr>
+              <a:t>を提</a:t>
+            </a:r>
+            <a:r>
+              <a:rPr lang="ja-JP" altLang="en-US" sz="2800" dirty="0">
+                <a:latin typeface="UD デジタル 教科書体 NK-R" panose="02020400000000000000" pitchFamily="18" charset="-128"/>
+                <a:ea typeface="UD デジタル 教科書体 NK-R" panose="02020400000000000000" pitchFamily="18" charset="-128"/>
+              </a:rPr>
+              <a:t>供するのは難しい</a:t>
+            </a:r>
+            <a:endParaRPr lang="en-US" altLang="ja-JP" sz="2800" dirty="0">
+              <a:latin typeface="UD デジタル 教科書体 NK-R" panose="02020400000000000000" pitchFamily="18" charset="-128"/>
+              <a:ea typeface="UD デジタル 教科書体 NK-R" panose="02020400000000000000" pitchFamily="18" charset="-128"/>
+            </a:endParaRPr>
+          </a:p>
+          <a:p>
+            <a:endParaRPr lang="en-US" altLang="ja-JP" sz="2800" dirty="0">
+              <a:latin typeface="UD デジタル 教科書体 NK-R" panose="02020400000000000000" pitchFamily="18" charset="-128"/>
+              <a:ea typeface="UD デジタル 教科書体 NK-R" panose="02020400000000000000" pitchFamily="18" charset="-128"/>
+            </a:endParaRPr>
+          </a:p>
+          <a:p>
+            <a:r>
+              <a:rPr kumimoji="1" lang="ja-JP" altLang="en-US" sz="2800" dirty="0">
+                <a:latin typeface="UD デジタル 教科書体 NK-R" panose="02020400000000000000" pitchFamily="18" charset="-128"/>
+                <a:ea typeface="UD デジタル 教科書体 NK-R" panose="02020400000000000000" pitchFamily="18" charset="-128"/>
+              </a:rPr>
+              <a:t>ツールならそれほど気にしなくても・・</a:t>
+            </a:r>
+            <a:endParaRPr kumimoji="1" lang="en-US" altLang="ja-JP" sz="2800" dirty="0">
+              <a:latin typeface="UD デジタル 教科書体 NK-R" panose="02020400000000000000" pitchFamily="18" charset="-128"/>
+              <a:ea typeface="UD デジタル 教科書体 NK-R" panose="02020400000000000000" pitchFamily="18" charset="-128"/>
+            </a:endParaRPr>
+          </a:p>
+          <a:p>
+            <a:endParaRPr kumimoji="1" lang="en-US" altLang="ja-JP" sz="2800" dirty="0">
+              <a:latin typeface="UD デジタル 教科書体 NK-R" panose="02020400000000000000" pitchFamily="18" charset="-128"/>
+              <a:ea typeface="UD デジタル 教科書体 NK-R" panose="02020400000000000000" pitchFamily="18" charset="-128"/>
+            </a:endParaRPr>
+          </a:p>
+          <a:p>
+            <a:r>
+              <a:rPr kumimoji="1" lang="ja-JP" altLang="en-US" sz="2800" dirty="0">
+                <a:latin typeface="UD デジタル 教科書体 NK-R" panose="02020400000000000000" pitchFamily="18" charset="-128"/>
+                <a:ea typeface="UD デジタル 教科書体 NK-R" panose="02020400000000000000" pitchFamily="18" charset="-128"/>
+              </a:rPr>
+              <a:t>色々作ってみよう！</a:t>
+            </a:r>
+            <a:endParaRPr lang="ja-JP" altLang="en-US" sz="2800" dirty="0">
+              <a:latin typeface="UD デジタル 教科書体 NK-R" panose="02020400000000000000" pitchFamily="18" charset="-128"/>
+              <a:ea typeface="UD デジタル 教科書体 NK-R" panose="02020400000000000000" pitchFamily="18" charset="-128"/>
+            </a:endParaRPr>
+          </a:p>
+        </p:txBody>
+      </p:sp>
+    </p:spTree>
+    <p:extLst>
+      <p:ext uri="{BB962C8B-B14F-4D97-AF65-F5344CB8AC3E}">
+        <p14:creationId xmlns:p14="http://schemas.microsoft.com/office/powerpoint/2010/main" val="1384547946"/>
+      </p:ext>
+    </p:extLst>
+  </p:cSld>
+  <p:clrMapOvr>
+    <a:masterClrMapping/>
+  </p:clrMapOvr>
+  <mc:AlternateContent xmlns:mc="http://schemas.openxmlformats.org/markup-compatibility/2006" xmlns:p14="http://schemas.microsoft.com/office/powerpoint/2010/main">
+    <mc:Choice Requires="p14">
+      <p:transition spd="med" p14:dur="700">
+        <p:fade/>
+      </p:transition>
+    </mc:Choice>
+    <mc:Fallback xmlns="">
+      <p:transition spd="med">
+        <p:fade/>
+      </p:transition>
+    </mc:Fallback>
+  </mc:AlternateContent>
+  <p:timing>
+    <p:tnLst>
+      <p:par>
+        <p:cTn id="1" dur="indefinite" restart="never" nodeType="tmRoot">
+          <p:childTnLst>
+            <p:seq concurrent="1" nextAc="seek">
+              <p:cTn id="2" dur="indefinite" nodeType="mainSeq">
+                <p:childTnLst>
+                  <p:par>
+                    <p:cTn id="3" fill="hold">
+                      <p:stCondLst>
+                        <p:cond delay="indefinite"/>
+                      </p:stCondLst>
+                      <p:childTnLst>
+                        <p:par>
+                          <p:cTn id="4" fill="hold">
+                            <p:stCondLst>
+                              <p:cond delay="0"/>
+                            </p:stCondLst>
+                            <p:childTnLst>
+                              <p:par>
+                                <p:cTn id="5" presetID="22" presetClass="entr" presetSubtype="4" fill="hold" nodeType="clickEffect">
+                                  <p:stCondLst>
+                                    <p:cond delay="0"/>
+                                  </p:stCondLst>
+                                  <p:childTnLst>
+                                    <p:set>
+                                      <p:cBhvr>
+                                        <p:cTn id="6" dur="1" fill="hold">
+                                          <p:stCondLst>
+                                            <p:cond delay="0"/>
+                                          </p:stCondLst>
+                                        </p:cTn>
+                                        <p:tgtEl>
+                                          <p:spTgt spid="5"/>
+                                        </p:tgtEl>
+                                        <p:attrNameLst>
+                                          <p:attrName>style.visibility</p:attrName>
+                                        </p:attrNameLst>
+                                      </p:cBhvr>
+                                      <p:to>
+                                        <p:strVal val="visible"/>
+                                      </p:to>
+                                    </p:set>
+                                    <p:animEffect transition="in" filter="wipe(down)">
+                                      <p:cBhvr>
+                                        <p:cTn id="7" dur="500"/>
+                                        <p:tgtEl>
+                                          <p:spTgt spid="5"/>
+                                        </p:tgtEl>
+                                      </p:cBhvr>
+                                    </p:animEffect>
+                                  </p:childTnLst>
+                                </p:cTn>
+                              </p:par>
+                            </p:childTnLst>
+                          </p:cTn>
+                        </p:par>
+                      </p:childTnLst>
+                    </p:cTn>
+                  </p:par>
+                  <p:par>
+                    <p:cTn id="8" fill="hold">
+                      <p:stCondLst>
+                        <p:cond delay="indefinite"/>
+                      </p:stCondLst>
+                      <p:childTnLst>
+                        <p:par>
+                          <p:cTn id="9" fill="hold">
+                            <p:stCondLst>
+                              <p:cond delay="0"/>
+                            </p:stCondLst>
+                            <p:childTnLst>
+                              <p:par>
+                                <p:cTn id="10" presetID="22" presetClass="entr" presetSubtype="1" fill="hold" grpId="0" nodeType="clickEffect">
+                                  <p:stCondLst>
+                                    <p:cond delay="0"/>
+                                  </p:stCondLst>
+                                  <p:childTnLst>
+                                    <p:set>
+                                      <p:cBhvr>
+                                        <p:cTn id="11" dur="1" fill="hold">
+                                          <p:stCondLst>
+                                            <p:cond delay="0"/>
+                                          </p:stCondLst>
+                                        </p:cTn>
+                                        <p:tgtEl>
+                                          <p:spTgt spid="6">
+                                            <p:txEl>
+                                              <p:pRg st="0" end="0"/>
+                                            </p:txEl>
+                                          </p:spTgt>
+                                        </p:tgtEl>
+                                        <p:attrNameLst>
+                                          <p:attrName>style.visibility</p:attrName>
+                                        </p:attrNameLst>
+                                      </p:cBhvr>
+                                      <p:to>
+                                        <p:strVal val="visible"/>
+                                      </p:to>
+                                    </p:set>
+                                    <p:animEffect transition="in" filter="wipe(up)">
+                                      <p:cBhvr>
+                                        <p:cTn id="12" dur="500"/>
+                                        <p:tgtEl>
+                                          <p:spTgt spid="6">
+                                            <p:txEl>
+                                              <p:pRg st="0" end="0"/>
+                                            </p:txEl>
+                                          </p:spTgt>
+                                        </p:tgtEl>
+                                      </p:cBhvr>
+                                    </p:animEffect>
+                                  </p:childTnLst>
+                                </p:cTn>
+                              </p:par>
+                            </p:childTnLst>
+                          </p:cTn>
+                        </p:par>
+                      </p:childTnLst>
+                    </p:cTn>
+                  </p:par>
+                  <p:par>
+                    <p:cTn id="13" fill="hold">
+                      <p:stCondLst>
+                        <p:cond delay="indefinite"/>
+                      </p:stCondLst>
+                      <p:childTnLst>
+                        <p:par>
+                          <p:cTn id="14" fill="hold">
+                            <p:stCondLst>
+                              <p:cond delay="0"/>
+                            </p:stCondLst>
+                            <p:childTnLst>
+                              <p:par>
+                                <p:cTn id="15" presetID="22" presetClass="entr" presetSubtype="1" fill="hold" grpId="0" nodeType="clickEffect">
+                                  <p:stCondLst>
+                                    <p:cond delay="0"/>
+                                  </p:stCondLst>
+                                  <p:childTnLst>
+                                    <p:set>
+                                      <p:cBhvr>
+                                        <p:cTn id="16" dur="1" fill="hold">
+                                          <p:stCondLst>
+                                            <p:cond delay="0"/>
+                                          </p:stCondLst>
+                                        </p:cTn>
+                                        <p:tgtEl>
+                                          <p:spTgt spid="6">
+                                            <p:txEl>
+                                              <p:pRg st="2" end="2"/>
+                                            </p:txEl>
+                                          </p:spTgt>
+                                        </p:tgtEl>
+                                        <p:attrNameLst>
+                                          <p:attrName>style.visibility</p:attrName>
+                                        </p:attrNameLst>
+                                      </p:cBhvr>
+                                      <p:to>
+                                        <p:strVal val="visible"/>
+                                      </p:to>
+                                    </p:set>
+                                    <p:animEffect transition="in" filter="wipe(up)">
+                                      <p:cBhvr>
+                                        <p:cTn id="17" dur="500"/>
+                                        <p:tgtEl>
+                                          <p:spTgt spid="6">
+                                            <p:txEl>
+                                              <p:pRg st="2" end="2"/>
+                                            </p:txEl>
+                                          </p:spTgt>
+                                        </p:tgtEl>
+                                      </p:cBhvr>
+                                    </p:animEffect>
+                                  </p:childTnLst>
+                                </p:cTn>
+                              </p:par>
+                            </p:childTnLst>
+                          </p:cTn>
+                        </p:par>
+                      </p:childTnLst>
+                    </p:cTn>
+                  </p:par>
+                  <p:par>
+                    <p:cTn id="18" fill="hold">
+                      <p:stCondLst>
+                        <p:cond delay="indefinite"/>
+                      </p:stCondLst>
+                      <p:childTnLst>
+                        <p:par>
+                          <p:cTn id="19" fill="hold">
+                            <p:stCondLst>
+                              <p:cond delay="0"/>
+                            </p:stCondLst>
+                            <p:childTnLst>
+                              <p:par>
+                                <p:cTn id="20" presetID="22" presetClass="entr" presetSubtype="1" fill="hold" grpId="0" nodeType="clickEffect">
+                                  <p:stCondLst>
+                                    <p:cond delay="0"/>
+                                  </p:stCondLst>
+                                  <p:childTnLst>
+                                    <p:set>
+                                      <p:cBhvr>
+                                        <p:cTn id="21" dur="1" fill="hold">
+                                          <p:stCondLst>
+                                            <p:cond delay="0"/>
+                                          </p:stCondLst>
+                                        </p:cTn>
+                                        <p:tgtEl>
+                                          <p:spTgt spid="6">
+                                            <p:txEl>
+                                              <p:pRg st="4" end="4"/>
+                                            </p:txEl>
+                                          </p:spTgt>
+                                        </p:tgtEl>
+                                        <p:attrNameLst>
+                                          <p:attrName>style.visibility</p:attrName>
+                                        </p:attrNameLst>
+                                      </p:cBhvr>
+                                      <p:to>
+                                        <p:strVal val="visible"/>
+                                      </p:to>
+                                    </p:set>
+                                    <p:animEffect transition="in" filter="wipe(up)">
+                                      <p:cBhvr>
+                                        <p:cTn id="22" dur="500"/>
+                                        <p:tgtEl>
+                                          <p:spTgt spid="6">
+                                            <p:txEl>
+                                              <p:pRg st="4" end="4"/>
+                                            </p:txEl>
+                                          </p:spTgt>
+                                        </p:tgtEl>
+                                      </p:cBhvr>
+                                    </p:animEffect>
+                                  </p:childTnLst>
+                                </p:cTn>
+                              </p:par>
+                            </p:childTnLst>
+                          </p:cTn>
+                        </p:par>
+                      </p:childTnLst>
+                    </p:cTn>
+                  </p:par>
+                  <p:par>
+                    <p:cTn id="23" fill="hold">
+                      <p:stCondLst>
+                        <p:cond delay="indefinite"/>
+                      </p:stCondLst>
+                      <p:childTnLst>
+                        <p:par>
+                          <p:cTn id="24" fill="hold">
+                            <p:stCondLst>
+                              <p:cond delay="0"/>
+                            </p:stCondLst>
+                            <p:childTnLst>
+                              <p:par>
+                                <p:cTn id="25" presetID="22" presetClass="entr" presetSubtype="1" fill="hold" grpId="0" nodeType="clickEffect">
+                                  <p:stCondLst>
+                                    <p:cond delay="0"/>
+                                  </p:stCondLst>
+                                  <p:childTnLst>
+                                    <p:set>
+                                      <p:cBhvr>
+                                        <p:cTn id="26" dur="1" fill="hold">
+                                          <p:stCondLst>
+                                            <p:cond delay="0"/>
+                                          </p:stCondLst>
+                                        </p:cTn>
+                                        <p:tgtEl>
+                                          <p:spTgt spid="6">
+                                            <p:txEl>
+                                              <p:pRg st="6" end="6"/>
+                                            </p:txEl>
+                                          </p:spTgt>
+                                        </p:tgtEl>
+                                        <p:attrNameLst>
+                                          <p:attrName>style.visibility</p:attrName>
+                                        </p:attrNameLst>
+                                      </p:cBhvr>
+                                      <p:to>
+                                        <p:strVal val="visible"/>
+                                      </p:to>
+                                    </p:set>
+                                    <p:animEffect transition="in" filter="wipe(up)">
+                                      <p:cBhvr>
+                                        <p:cTn id="27" dur="500"/>
+                                        <p:tgtEl>
+                                          <p:spTgt spid="6">
+                                            <p:txEl>
+                                              <p:pRg st="6" end="6"/>
+                                            </p:txEl>
+                                          </p:spTgt>
+                                        </p:tgtEl>
+                                      </p:cBhvr>
+                                    </p:animEffect>
+                                  </p:childTnLst>
+                                </p:cTn>
+                              </p:par>
+                            </p:childTnLst>
+                          </p:cTn>
+                        </p:par>
+                      </p:childTnLst>
+                    </p:cTn>
+                  </p:par>
+                </p:childTnLst>
+              </p:cTn>
+              <p:prevCondLst>
+                <p:cond evt="onPrev" delay="0">
+                  <p:tgtEl>
+                    <p:sldTgt/>
+                  </p:tgtEl>
+                </p:cond>
+              </p:prevCondLst>
+              <p:nextCondLst>
+                <p:cond evt="onNext" delay="0">
+                  <p:tgtEl>
+                    <p:sldTgt/>
+                  </p:tgtEl>
+                </p:cond>
+              </p:nextCondLst>
+            </p:seq>
+          </p:childTnLst>
+        </p:cTn>
+      </p:par>
+    </p:tnLst>
+    <p:bldLst>
+      <p:bldP spid="6" grpId="0" build="p"/>
+    </p:bldLst>
+  </p:timing>
+</p:sld>
+</file>
+
+<file path=ppt/slides/slide31.xml><?xml version="1.0" encoding="utf-8"?>
 <p:sld xmlns:a="http://schemas.openxmlformats.org/drawingml/2006/main" xmlns:r="http://schemas.openxmlformats.org/officeDocument/2006/relationships" xmlns:p="http://schemas.openxmlformats.org/presentationml/2006/main">
   <p:cSld>
     <p:spTree>
@@ -15260,30 +15731,21 @@
                             </p:childTnLst>
                           </p:cTn>
                         </p:par>
-                      </p:childTnLst>
-                    </p:cTn>
-                  </p:par>
-                  <p:par>
-                    <p:cTn id="47" fill="hold">
-                      <p:stCondLst>
-                        <p:cond delay="indefinite"/>
-                      </p:stCondLst>
-                      <p:childTnLst>
                         <p:par>
-                          <p:cTn id="48" fill="hold">
+                          <p:cTn id="47" fill="hold">
                             <p:stCondLst>
-                              <p:cond delay="0"/>
+                              <p:cond delay="500"/>
                             </p:stCondLst>
                             <p:childTnLst>
                               <p:par>
-                                <p:cTn id="49" presetID="16" presetClass="entr" presetSubtype="21" fill="hold" grpId="0" nodeType="clickEffect">
+                                <p:cTn id="48" presetID="16" presetClass="entr" presetSubtype="21" fill="hold" grpId="0" nodeType="afterEffect">
                                   <p:stCondLst>
                                     <p:cond delay="0"/>
                                   </p:stCondLst>
                                   <p:childTnLst>
                                     <p:set>
                                       <p:cBhvr>
-                                        <p:cTn id="50" dur="1" fill="hold">
+                                        <p:cTn id="49" dur="1" fill="hold">
                                           <p:stCondLst>
                                             <p:cond delay="0"/>
                                           </p:stCondLst>
@@ -15301,7 +15763,7 @@
                                     </p:set>
                                     <p:animEffect transition="in" filter="barn(inVertical)">
                                       <p:cBhvr>
-                                        <p:cTn id="51" dur="500"/>
+                                        <p:cTn id="50" dur="500"/>
                                         <p:tgtEl>
                                           <p:spTgt spid="8"/>
                                         </p:tgtEl>
@@ -15314,20 +15776,20 @@
                           </p:cTn>
                         </p:par>
                         <p:par>
-                          <p:cTn id="52" fill="hold">
+                          <p:cTn id="51" fill="hold">
                             <p:stCondLst>
-                              <p:cond delay="500"/>
+                              <p:cond delay="1000"/>
                             </p:stCondLst>
                             <p:childTnLst>
                               <p:par>
-                                <p:cTn id="53" presetID="26" presetClass="emph" presetSubtype="0" fill="hold" grpId="1" nodeType="afterEffect">
+                                <p:cTn id="52" presetID="26" presetClass="emph" presetSubtype="0" fill="hold" grpId="1" nodeType="afterEffect">
                                   <p:stCondLst>
                                     <p:cond delay="0"/>
                                   </p:stCondLst>
                                   <p:childTnLst>
                                     <p:animEffect transition="out" filter="fade">
                                       <p:cBhvr>
-                                        <p:cTn id="54" dur="500" tmFilter="0, 0; .2, .5; .8, .5; 1, 0"/>
+                                        <p:cTn id="53" dur="500" tmFilter="0, 0; .2, .5; .8, .5; 1, 0"/>
                                         <p:tgtEl>
                                           <p:spTgt spid="8"/>
                                         </p:tgtEl>
@@ -15335,7 +15797,7 @@
                                     </p:animEffect>
                                     <p:animScale>
                                       <p:cBhvr>
-                                        <p:cTn id="55" dur="250" autoRev="1" fill="hold"/>
+                                        <p:cTn id="54" dur="250" autoRev="1" fill="hold"/>
                                         <p:tgtEl>
                                           <p:spTgt spid="8"/>
                                         </p:tgtEl>
@@ -18244,15 +18706,6 @@
 </file>
 
 <file path=customXml/item1.xml><?xml version="1.0" encoding="utf-8"?>
-<?mso-contentType ?>
-<FormTemplates xmlns="http://schemas.microsoft.com/sharepoint/v3/contenttype/forms">
-  <Display>DocumentLibraryForm</Display>
-  <Edit>AssetEditForm</Edit>
-  <New>DocumentLibraryForm</New>
-</FormTemplates>
-</file>
-
-<file path=customXml/item2.xml><?xml version="1.0" encoding="utf-8"?>
 <ct:contentTypeSchema xmlns:ct="http://schemas.microsoft.com/office/2006/metadata/contentType" xmlns:ma="http://schemas.microsoft.com/office/2006/metadata/properties/metaAttributes" ct:_="" ma:_="" ma:contentTypeName="TemplateFile" ma:contentTypeID="0x0101006EDDDB5EE6D98C44930B742096920B300400F5B6D36B3EF94B4E9A635CDF2A18F5B8" ma:contentTypeVersion="72" ma:contentTypeDescription="Create a new document." ma:contentTypeScope="" ma:versionID="a23e56308344d904b51738559c3d67c9">
   <xsd:schema xmlns:xsd="http://www.w3.org/2001/XMLSchema" xmlns:xs="http://www.w3.org/2001/XMLSchema" xmlns:p="http://schemas.microsoft.com/office/2006/metadata/properties" xmlns:ns2="4873beb7-5857-4685-be1f-d57550cc96cc" targetNamespace="http://schemas.microsoft.com/office/2006/metadata/properties" ma:root="true" ma:fieldsID="cd0908cc4600e77bf5da051303e00c8d" ns2:_="">
     <xsd:import namespace="4873beb7-5857-4685-be1f-d57550cc96cc"/>
@@ -19292,6 +19745,15 @@
 </ct:contentTypeSchema>
 </file>
 
+<file path=customXml/item2.xml><?xml version="1.0" encoding="utf-8"?>
+<?mso-contentType ?>
+<FormTemplates xmlns="http://schemas.microsoft.com/sharepoint/v3/contenttype/forms">
+  <Display>DocumentLibraryForm</Display>
+  <Edit>AssetEditForm</Edit>
+  <New>DocumentLibraryForm</New>
+</FormTemplates>
+</file>
+
 <file path=customXml/item3.xml><?xml version="1.0" encoding="utf-8"?>
 <p:properties xmlns:p="http://schemas.microsoft.com/office/2006/metadata/properties" xmlns:xsi="http://www.w3.org/2001/XMLSchema-instance" xmlns:pc="http://schemas.microsoft.com/office/infopath/2007/PartnerControls">
   <documentManagement>
@@ -19429,14 +19891,6 @@
 </file>
 
 <file path=customXml/itemProps1.xml><?xml version="1.0" encoding="utf-8"?>
-<ds:datastoreItem xmlns:ds="http://schemas.openxmlformats.org/officeDocument/2006/customXml" ds:itemID="{3836F65B-1B07-41EE-A0E8-BC6EF3855225}">
-  <ds:schemaRefs>
-    <ds:schemaRef ds:uri="http://schemas.microsoft.com/sharepoint/v3/contenttype/forms"/>
-  </ds:schemaRefs>
-</ds:datastoreItem>
-</file>
-
-<file path=customXml/itemProps2.xml><?xml version="1.0" encoding="utf-8"?>
 <ds:datastoreItem xmlns:ds="http://schemas.openxmlformats.org/officeDocument/2006/customXml" ds:itemID="{A09BF4D4-EF60-4196-BFC3-9462D607978C}">
   <ds:schemaRefs>
     <ds:schemaRef ds:uri="http://schemas.microsoft.com/office/2006/metadata/contentType"/>
@@ -19451,6 +19905,14 @@
     <ds:schemaRef ds:uri="http://purl.org/dc/elements/1.1/"/>
     <ds:schemaRef ds:uri="http://purl.org/dc/terms/"/>
     <ds:schemaRef ds:uri="http://schemas.microsoft.com/internal/obd"/>
+  </ds:schemaRefs>
+</ds:datastoreItem>
+</file>
+
+<file path=customXml/itemProps2.xml><?xml version="1.0" encoding="utf-8"?>
+<ds:datastoreItem xmlns:ds="http://schemas.openxmlformats.org/officeDocument/2006/customXml" ds:itemID="{3836F65B-1B07-41EE-A0E8-BC6EF3855225}">
+  <ds:schemaRefs>
+    <ds:schemaRef ds:uri="http://schemas.microsoft.com/sharepoint/v3/contenttype/forms"/>
   </ds:schemaRefs>
 </ds:datastoreItem>
 </file>

--- a/slide/Electron_in-house_presentation.pptx
+++ b/slide/Electron_in-house_presentation.pptx
@@ -263,7 +263,7 @@
                 <a:latin typeface="ＭＳ Ｐゴシック" panose="020B0600070205080204" pitchFamily="50" charset="-128"/>
                 <a:ea typeface="ＭＳ Ｐゴシック" panose="020B0600070205080204" pitchFamily="50" charset="-128"/>
               </a:rPr>
-              <a:t>2019/3/1</a:t>
+              <a:t>2019/3/4</a:t>
             </a:fld>
             <a:endParaRPr lang="ja-JP" altLang="en-US" dirty="0">
               <a:latin typeface="ＭＳ Ｐゴシック" panose="020B0600070205080204" pitchFamily="50" charset="-128"/>
@@ -450,7 +450,7 @@
             <a:fld id="{37165343-859F-4143-8972-D138C517BA87}" type="datetime1">
               <a:rPr lang="ja-JP" altLang="en-US" smtClean="0"/>
               <a:pPr/>
-              <a:t>2019/3/1</a:t>
+              <a:t>2019/3/4</a:t>
             </a:fld>
             <a:endParaRPr lang="ja-JP" altLang="en-US" dirty="0"/>
           </a:p>
@@ -1810,7 +1810,7 @@
             <a:fld id="{8B8BDBCF-2245-4FCB-9DDE-432CD8FA8E0A}" type="datetime1">
               <a:rPr lang="ja-JP" altLang="en-US" smtClean="0"/>
               <a:pPr/>
-              <a:t>2019/3/1</a:t>
+              <a:t>2019/3/4</a:t>
             </a:fld>
             <a:endParaRPr lang="ja-JP" altLang="en-US" dirty="0"/>
           </a:p>
@@ -2052,7 +2052,7 @@
             <a:fld id="{0E2695C8-689F-41E2-801C-EC2626087B1A}" type="datetime1">
               <a:rPr lang="ja-JP" altLang="en-US" smtClean="0"/>
               <a:pPr/>
-              <a:t>2019/3/1</a:t>
+              <a:t>2019/3/4</a:t>
             </a:fld>
             <a:endParaRPr lang="ja-JP" altLang="en-US" dirty="0"/>
           </a:p>
@@ -2304,7 +2304,7 @@
             <a:fld id="{061217A4-CAA8-44F2-8FF7-C615B184E281}" type="datetime1">
               <a:rPr lang="ja-JP" altLang="en-US" smtClean="0"/>
               <a:pPr/>
-              <a:t>2019/3/1</a:t>
+              <a:t>2019/3/4</a:t>
             </a:fld>
             <a:endParaRPr lang="ja-JP" altLang="en-US" dirty="0"/>
           </a:p>
@@ -2577,7 +2577,7 @@
             <a:fld id="{CCBF1506-F1B8-4806-9D73-EF91A452CC85}" type="datetime1">
               <a:rPr lang="ja-JP" altLang="en-US" smtClean="0"/>
               <a:pPr/>
-              <a:t>2019/3/1</a:t>
+              <a:t>2019/3/4</a:t>
             </a:fld>
             <a:endParaRPr lang="ja-JP" altLang="en-US" dirty="0"/>
           </a:p>
@@ -3023,7 +3023,7 @@
             <a:fld id="{2428F437-7555-47DD-B668-A6054E2B6526}" type="datetime1">
               <a:rPr lang="ja-JP" altLang="en-US" smtClean="0"/>
               <a:pPr/>
-              <a:t>2019/3/1</a:t>
+              <a:t>2019/3/4</a:t>
             </a:fld>
             <a:endParaRPr lang="ja-JP" altLang="en-US" dirty="0"/>
           </a:p>
@@ -3437,7 +3437,7 @@
             <a:fld id="{BAFA1F1E-07BA-4BD1-9D0B-52CCAAB6E57E}" type="datetime1">
               <a:rPr lang="ja-JP" altLang="en-US" smtClean="0"/>
               <a:pPr/>
-              <a:t>2019/3/1</a:t>
+              <a:t>2019/3/4</a:t>
             </a:fld>
             <a:endParaRPr lang="ja-JP" altLang="en-US" dirty="0"/>
           </a:p>
@@ -3966,7 +3966,7 @@
             <a:fld id="{427E2E48-3F71-4060-AD47-6D35A162C236}" type="datetime1">
               <a:rPr lang="ja-JP" altLang="en-US" smtClean="0"/>
               <a:pPr/>
-              <a:t>2019/3/1</a:t>
+              <a:t>2019/3/4</a:t>
             </a:fld>
             <a:endParaRPr lang="ja-JP" altLang="en-US" dirty="0"/>
           </a:p>
@@ -4112,7 +4112,7 @@
             <a:fld id="{46800D23-6458-42C6-B818-E75CC448B4DB}" type="datetime1">
               <a:rPr lang="ja-JP" altLang="en-US" smtClean="0"/>
               <a:pPr/>
-              <a:t>2019/3/1</a:t>
+              <a:t>2019/3/4</a:t>
             </a:fld>
             <a:endParaRPr lang="ja-JP" altLang="en-US" dirty="0"/>
           </a:p>
@@ -4227,7 +4227,7 @@
             <a:fld id="{C89347AB-B18F-4EC7-9B2B-0B9F65F4923C}" type="datetime1">
               <a:rPr lang="ja-JP" altLang="en-US" smtClean="0"/>
               <a:pPr/>
-              <a:t>2019/3/1</a:t>
+              <a:t>2019/3/4</a:t>
             </a:fld>
             <a:endParaRPr lang="ja-JP" altLang="en-US" dirty="0"/>
           </a:p>
@@ -4567,7 +4567,7 @@
             <a:fld id="{F746CB98-8F1C-469F-A210-693DC87B2CEB}" type="datetime1">
               <a:rPr lang="ja-JP" altLang="en-US" smtClean="0"/>
               <a:pPr/>
-              <a:t>2019/3/1</a:t>
+              <a:t>2019/3/4</a:t>
             </a:fld>
             <a:endParaRPr lang="ja-JP" altLang="en-US" dirty="0"/>
           </a:p>
@@ -4865,7 +4865,7 @@
             <a:fld id="{4A88E3EC-CE02-4F26-BBD8-264DBE926D7A}" type="datetime1">
               <a:rPr lang="ja-JP" altLang="en-US" smtClean="0"/>
               <a:pPr/>
-              <a:t>2019/3/1</a:t>
+              <a:t>2019/3/4</a:t>
             </a:fld>
             <a:endParaRPr lang="ja-JP" altLang="en-US" dirty="0"/>
           </a:p>
@@ -5536,7 +5536,7 @@
             <a:fld id="{5F1C1D98-9737-459D-9F09-105F0595AFC8}" type="datetime1">
               <a:rPr lang="ja-JP" altLang="en-US" smtClean="0"/>
               <a:pPr/>
-              <a:t>2019/3/1</a:t>
+              <a:t>2019/3/4</a:t>
             </a:fld>
             <a:endParaRPr lang="ja-JP" altLang="en-US" dirty="0"/>
           </a:p>
@@ -8423,13 +8423,8 @@
             </a:r>
             <a:r>
               <a:rPr lang="en-US" altLang="ja-JP" dirty="0"/>
-              <a:t> electron-</a:t>
-            </a:r>
-            <a:r>
-              <a:rPr lang="en-US" altLang="ja-JP" dirty="0" err="1"/>
-              <a:t>pacager</a:t>
-            </a:r>
-            <a:endParaRPr lang="en-US" altLang="ja-JP" dirty="0"/>
+              <a:t> electron-packager</a:t>
+            </a:r>
           </a:p>
           <a:p>
             <a:r>
@@ -18706,6 +18701,15 @@
 </file>
 
 <file path=customXml/item1.xml><?xml version="1.0" encoding="utf-8"?>
+<?mso-contentType ?>
+<FormTemplates xmlns="http://schemas.microsoft.com/sharepoint/v3/contenttype/forms">
+  <Display>DocumentLibraryForm</Display>
+  <Edit>AssetEditForm</Edit>
+  <New>DocumentLibraryForm</New>
+</FormTemplates>
+</file>
+
+<file path=customXml/item2.xml><?xml version="1.0" encoding="utf-8"?>
 <ct:contentTypeSchema xmlns:ct="http://schemas.microsoft.com/office/2006/metadata/contentType" xmlns:ma="http://schemas.microsoft.com/office/2006/metadata/properties/metaAttributes" ct:_="" ma:_="" ma:contentTypeName="TemplateFile" ma:contentTypeID="0x0101006EDDDB5EE6D98C44930B742096920B300400F5B6D36B3EF94B4E9A635CDF2A18F5B8" ma:contentTypeVersion="72" ma:contentTypeDescription="Create a new document." ma:contentTypeScope="" ma:versionID="a23e56308344d904b51738559c3d67c9">
   <xsd:schema xmlns:xsd="http://www.w3.org/2001/XMLSchema" xmlns:xs="http://www.w3.org/2001/XMLSchema" xmlns:p="http://schemas.microsoft.com/office/2006/metadata/properties" xmlns:ns2="4873beb7-5857-4685-be1f-d57550cc96cc" targetNamespace="http://schemas.microsoft.com/office/2006/metadata/properties" ma:root="true" ma:fieldsID="cd0908cc4600e77bf5da051303e00c8d" ns2:_="">
     <xsd:import namespace="4873beb7-5857-4685-be1f-d57550cc96cc"/>
@@ -19745,15 +19749,6 @@
 </ct:contentTypeSchema>
 </file>
 
-<file path=customXml/item2.xml><?xml version="1.0" encoding="utf-8"?>
-<?mso-contentType ?>
-<FormTemplates xmlns="http://schemas.microsoft.com/sharepoint/v3/contenttype/forms">
-  <Display>DocumentLibraryForm</Display>
-  <Edit>AssetEditForm</Edit>
-  <New>DocumentLibraryForm</New>
-</FormTemplates>
-</file>
-
 <file path=customXml/item3.xml><?xml version="1.0" encoding="utf-8"?>
 <p:properties xmlns:p="http://schemas.microsoft.com/office/2006/metadata/properties" xmlns:xsi="http://www.w3.org/2001/XMLSchema-instance" xmlns:pc="http://schemas.microsoft.com/office/infopath/2007/PartnerControls">
   <documentManagement>
@@ -19891,6 +19886,14 @@
 </file>
 
 <file path=customXml/itemProps1.xml><?xml version="1.0" encoding="utf-8"?>
+<ds:datastoreItem xmlns:ds="http://schemas.openxmlformats.org/officeDocument/2006/customXml" ds:itemID="{3836F65B-1B07-41EE-A0E8-BC6EF3855225}">
+  <ds:schemaRefs>
+    <ds:schemaRef ds:uri="http://schemas.microsoft.com/sharepoint/v3/contenttype/forms"/>
+  </ds:schemaRefs>
+</ds:datastoreItem>
+</file>
+
+<file path=customXml/itemProps2.xml><?xml version="1.0" encoding="utf-8"?>
 <ds:datastoreItem xmlns:ds="http://schemas.openxmlformats.org/officeDocument/2006/customXml" ds:itemID="{A09BF4D4-EF60-4196-BFC3-9462D607978C}">
   <ds:schemaRefs>
     <ds:schemaRef ds:uri="http://schemas.microsoft.com/office/2006/metadata/contentType"/>
@@ -19905,14 +19908,6 @@
     <ds:schemaRef ds:uri="http://purl.org/dc/elements/1.1/"/>
     <ds:schemaRef ds:uri="http://purl.org/dc/terms/"/>
     <ds:schemaRef ds:uri="http://schemas.microsoft.com/internal/obd"/>
-  </ds:schemaRefs>
-</ds:datastoreItem>
-</file>
-
-<file path=customXml/itemProps2.xml><?xml version="1.0" encoding="utf-8"?>
-<ds:datastoreItem xmlns:ds="http://schemas.openxmlformats.org/officeDocument/2006/customXml" ds:itemID="{3836F65B-1B07-41EE-A0E8-BC6EF3855225}">
-  <ds:schemaRefs>
-    <ds:schemaRef ds:uri="http://schemas.microsoft.com/sharepoint/v3/contenttype/forms"/>
   </ds:schemaRefs>
 </ds:datastoreItem>
 </file>
